--- a/Lectures/Lecture 11/Lecture 11.pptx
+++ b/Lectures/Lecture 11/Lecture 11.pptx
@@ -5,7 +5,7 @@
     <p:sldMasterId id="2147483648" r:id="rId1"/>
   </p:sldMasterIdLst>
   <p:notesMasterIdLst>
-    <p:notesMasterId r:id="rId26"/>
+    <p:notesMasterId r:id="rId22"/>
   </p:notesMasterIdLst>
   <p:sldIdLst>
     <p:sldId id="256" r:id="rId2"/>
@@ -27,11 +27,7 @@
     <p:sldId id="418" r:id="rId18"/>
     <p:sldId id="419" r:id="rId19"/>
     <p:sldId id="420" r:id="rId20"/>
-    <p:sldId id="422" r:id="rId21"/>
-    <p:sldId id="421" r:id="rId22"/>
-    <p:sldId id="423" r:id="rId23"/>
-    <p:sldId id="424" r:id="rId24"/>
-    <p:sldId id="258" r:id="rId25"/>
+    <p:sldId id="258" r:id="rId21"/>
   </p:sldIdLst>
   <p:sldSz cx="12192000" cy="6858000"/>
   <p:notesSz cx="6858000" cy="9144000"/>
@@ -232,7 +228,7 @@
           <a:p>
             <a:fld id="{467FE51A-BC06-4E6F-B1DA-B477364E598F}" type="datetimeFigureOut">
               <a:rPr lang="en-US" smtClean="0"/>
-              <a:t>2/4/2020</a:t>
+              <a:t>2/6/2020</a:t>
             </a:fld>
             <a:endParaRPr lang="en-US"/>
           </a:p>
@@ -646,7 +642,7 @@
           <a:p>
             <a:fld id="{11C4ABE2-2F1A-4C31-A43A-C3E7CE49CE95}" type="datetimeFigureOut">
               <a:rPr lang="en-US" smtClean="0"/>
-              <a:t>2/4/2020</a:t>
+              <a:t>2/6/2020</a:t>
             </a:fld>
             <a:endParaRPr lang="en-US"/>
           </a:p>
@@ -844,7 +840,7 @@
           <a:p>
             <a:fld id="{11C4ABE2-2F1A-4C31-A43A-C3E7CE49CE95}" type="datetimeFigureOut">
               <a:rPr lang="en-US" smtClean="0"/>
-              <a:t>2/4/2020</a:t>
+              <a:t>2/6/2020</a:t>
             </a:fld>
             <a:endParaRPr lang="en-US"/>
           </a:p>
@@ -1052,7 +1048,7 @@
           <a:p>
             <a:fld id="{11C4ABE2-2F1A-4C31-A43A-C3E7CE49CE95}" type="datetimeFigureOut">
               <a:rPr lang="en-US" smtClean="0"/>
-              <a:t>2/4/2020</a:t>
+              <a:t>2/6/2020</a:t>
             </a:fld>
             <a:endParaRPr lang="en-US"/>
           </a:p>
@@ -1250,7 +1246,7 @@
           <a:p>
             <a:fld id="{11C4ABE2-2F1A-4C31-A43A-C3E7CE49CE95}" type="datetimeFigureOut">
               <a:rPr lang="en-US" smtClean="0"/>
-              <a:t>2/4/2020</a:t>
+              <a:t>2/6/2020</a:t>
             </a:fld>
             <a:endParaRPr lang="en-US"/>
           </a:p>
@@ -1525,7 +1521,7 @@
           <a:p>
             <a:fld id="{11C4ABE2-2F1A-4C31-A43A-C3E7CE49CE95}" type="datetimeFigureOut">
               <a:rPr lang="en-US" smtClean="0"/>
-              <a:t>2/4/2020</a:t>
+              <a:t>2/6/2020</a:t>
             </a:fld>
             <a:endParaRPr lang="en-US"/>
           </a:p>
@@ -1790,7 +1786,7 @@
           <a:p>
             <a:fld id="{11C4ABE2-2F1A-4C31-A43A-C3E7CE49CE95}" type="datetimeFigureOut">
               <a:rPr lang="en-US" smtClean="0"/>
-              <a:t>2/4/2020</a:t>
+              <a:t>2/6/2020</a:t>
             </a:fld>
             <a:endParaRPr lang="en-US"/>
           </a:p>
@@ -2202,7 +2198,7 @@
           <a:p>
             <a:fld id="{11C4ABE2-2F1A-4C31-A43A-C3E7CE49CE95}" type="datetimeFigureOut">
               <a:rPr lang="en-US" smtClean="0"/>
-              <a:t>2/4/2020</a:t>
+              <a:t>2/6/2020</a:t>
             </a:fld>
             <a:endParaRPr lang="en-US"/>
           </a:p>
@@ -2343,7 +2339,7 @@
           <a:p>
             <a:fld id="{11C4ABE2-2F1A-4C31-A43A-C3E7CE49CE95}" type="datetimeFigureOut">
               <a:rPr lang="en-US" smtClean="0"/>
-              <a:t>2/4/2020</a:t>
+              <a:t>2/6/2020</a:t>
             </a:fld>
             <a:endParaRPr lang="en-US"/>
           </a:p>
@@ -2456,7 +2452,7 @@
           <a:p>
             <a:fld id="{11C4ABE2-2F1A-4C31-A43A-C3E7CE49CE95}" type="datetimeFigureOut">
               <a:rPr lang="en-US" smtClean="0"/>
-              <a:t>2/4/2020</a:t>
+              <a:t>2/6/2020</a:t>
             </a:fld>
             <a:endParaRPr lang="en-US"/>
           </a:p>
@@ -2767,7 +2763,7 @@
           <a:p>
             <a:fld id="{11C4ABE2-2F1A-4C31-A43A-C3E7CE49CE95}" type="datetimeFigureOut">
               <a:rPr lang="en-US" smtClean="0"/>
-              <a:t>2/4/2020</a:t>
+              <a:t>2/6/2020</a:t>
             </a:fld>
             <a:endParaRPr lang="en-US"/>
           </a:p>
@@ -3055,7 +3051,7 @@
           <a:p>
             <a:fld id="{11C4ABE2-2F1A-4C31-A43A-C3E7CE49CE95}" type="datetimeFigureOut">
               <a:rPr lang="en-US" smtClean="0"/>
-              <a:t>2/4/2020</a:t>
+              <a:t>2/6/2020</a:t>
             </a:fld>
             <a:endParaRPr lang="en-US"/>
           </a:p>
@@ -3296,7 +3292,7 @@
           <a:p>
             <a:fld id="{11C4ABE2-2F1A-4C31-A43A-C3E7CE49CE95}" type="datetimeFigureOut">
               <a:rPr lang="en-US" smtClean="0"/>
-              <a:t>2/4/2020</a:t>
+              <a:t>2/6/2020</a:t>
             </a:fld>
             <a:endParaRPr lang="en-US"/>
           </a:p>
@@ -15818,8 +15814,8 @@
           </a:effectLst>
         </p:spPr>
       </p:pic>
-      <mc:AlternateContent xmlns:mc="http://schemas.openxmlformats.org/markup-compatibility/2006">
-        <mc:Choice xmlns:a14="http://schemas.microsoft.com/office/drawing/2010/main" Requires="a14">
+      <mc:AlternateContent xmlns:mc="http://schemas.openxmlformats.org/markup-compatibility/2006" xmlns:a14="http://schemas.microsoft.com/office/drawing/2010/main">
+        <mc:Choice Requires="a14">
           <p:sp>
             <p:nvSpPr>
               <p:cNvPr id="6" name="TextBox 5">
@@ -15866,7 +15862,7 @@
             </p:txBody>
           </p:sp>
         </mc:Choice>
-        <mc:Fallback>
+        <mc:Fallback xmlns="">
           <p:sp>
             <p:nvSpPr>
               <p:cNvPr id="6" name="TextBox 5">
@@ -18033,6778 +18029,6 @@
 </file>
 
 <file path=ppt/slides/slide20.xml><?xml version="1.0" encoding="utf-8"?>
-<p:sld xmlns:a="http://schemas.openxmlformats.org/drawingml/2006/main" xmlns:r="http://schemas.openxmlformats.org/officeDocument/2006/relationships" xmlns:p="http://schemas.openxmlformats.org/presentationml/2006/main">
-  <p:cSld>
-    <p:spTree>
-      <p:nvGrpSpPr>
-        <p:cNvPr id="1" name=""/>
-        <p:cNvGrpSpPr/>
-        <p:nvPr/>
-      </p:nvGrpSpPr>
-      <p:grpSpPr>
-        <a:xfrm>
-          <a:off x="0" y="0"/>
-          <a:ext cx="0" cy="0"/>
-          <a:chOff x="0" y="0"/>
-          <a:chExt cx="0" cy="0"/>
-        </a:xfrm>
-      </p:grpSpPr>
-      <p:sp>
-        <p:nvSpPr>
-          <p:cNvPr id="28" name="Rectangle 27">
-            <a:extLst>
-              <a:ext uri="{FF2B5EF4-FFF2-40B4-BE49-F238E27FC236}">
-                <a16:creationId xmlns:a16="http://schemas.microsoft.com/office/drawing/2014/main" id="{1568D3DA-67F7-464C-95FF-D7D56F4038D6}"/>
-              </a:ext>
-            </a:extLst>
-          </p:cNvPr>
-          <p:cNvSpPr/>
-          <p:nvPr/>
-        </p:nvSpPr>
-        <p:spPr>
-          <a:xfrm rot="19800000">
-            <a:off x="-597297" y="674901"/>
-            <a:ext cx="4026751" cy="269178"/>
-          </a:xfrm>
-          <a:prstGeom prst="rect">
-            <a:avLst/>
-          </a:prstGeom>
-          <a:solidFill>
-            <a:srgbClr val="A71B86"/>
-          </a:solidFill>
-          <a:ln>
-            <a:noFill/>
-          </a:ln>
-        </p:spPr>
-        <p:style>
-          <a:lnRef idx="2">
-            <a:schemeClr val="accent1">
-              <a:shade val="50000"/>
-            </a:schemeClr>
-          </a:lnRef>
-          <a:fillRef idx="1">
-            <a:schemeClr val="accent1"/>
-          </a:fillRef>
-          <a:effectRef idx="0">
-            <a:schemeClr val="accent1"/>
-          </a:effectRef>
-          <a:fontRef idx="minor">
-            <a:schemeClr val="lt1"/>
-          </a:fontRef>
-        </p:style>
-        <p:txBody>
-          <a:bodyPr rtlCol="0" anchor="ctr"/>
-          <a:lstStyle/>
-          <a:p>
-            <a:pPr algn="ctr"/>
-            <a:endParaRPr lang="en-US"/>
-          </a:p>
-        </p:txBody>
-      </p:sp>
-      <p:pic>
-        <p:nvPicPr>
-          <p:cNvPr id="11" name="Picture 10" descr="A large body of water&#10;&#10;Description automatically generated">
-            <a:extLst>
-              <a:ext uri="{FF2B5EF4-FFF2-40B4-BE49-F238E27FC236}">
-                <a16:creationId xmlns:a16="http://schemas.microsoft.com/office/drawing/2014/main" id="{B83B0471-BE25-41B4-B185-53BEB6528B89}"/>
-              </a:ext>
-            </a:extLst>
-          </p:cNvPr>
-          <p:cNvPicPr>
-            <a:picLocks noChangeAspect="1"/>
-          </p:cNvPicPr>
-          <p:nvPr/>
-        </p:nvPicPr>
-        <p:blipFill rotWithShape="1">
-          <a:blip r:embed="rId2">
-            <a:alphaModFix amt="20000"/>
-            <a:extLst>
-              <a:ext uri="{28A0092B-C50C-407E-A947-70E740481C1C}">
-                <a14:useLocalDpi xmlns:a14="http://schemas.microsoft.com/office/drawing/2010/main" val="0"/>
-              </a:ext>
-            </a:extLst>
-          </a:blip>
-          <a:srcRect t="34654" b="43573"/>
-          <a:stretch/>
-        </p:blipFill>
-        <p:spPr>
-          <a:xfrm>
-            <a:off x="773935" y="442465"/>
-            <a:ext cx="9018070" cy="1308226"/>
-          </a:xfrm>
-          <a:prstGeom prst="rect">
-            <a:avLst/>
-          </a:prstGeom>
-        </p:spPr>
-      </p:pic>
-      <p:sp>
-        <p:nvSpPr>
-          <p:cNvPr id="34" name="Rectangle 33">
-            <a:extLst>
-              <a:ext uri="{FF2B5EF4-FFF2-40B4-BE49-F238E27FC236}">
-                <a16:creationId xmlns:a16="http://schemas.microsoft.com/office/drawing/2014/main" id="{BFE7775A-1FAD-4E84-8B9E-DA4B39640B5E}"/>
-              </a:ext>
-            </a:extLst>
-          </p:cNvPr>
-          <p:cNvSpPr/>
-          <p:nvPr/>
-        </p:nvSpPr>
-        <p:spPr>
-          <a:xfrm rot="19800000">
-            <a:off x="9089102" y="5937184"/>
-            <a:ext cx="4026751" cy="269178"/>
-          </a:xfrm>
-          <a:prstGeom prst="rect">
-            <a:avLst/>
-          </a:prstGeom>
-          <a:solidFill>
-            <a:srgbClr val="A71B86"/>
-          </a:solidFill>
-          <a:ln>
-            <a:noFill/>
-          </a:ln>
-        </p:spPr>
-        <p:style>
-          <a:lnRef idx="2">
-            <a:schemeClr val="accent1">
-              <a:shade val="50000"/>
-            </a:schemeClr>
-          </a:lnRef>
-          <a:fillRef idx="1">
-            <a:schemeClr val="accent1"/>
-          </a:fillRef>
-          <a:effectRef idx="0">
-            <a:schemeClr val="accent1"/>
-          </a:effectRef>
-          <a:fontRef idx="minor">
-            <a:schemeClr val="lt1"/>
-          </a:fontRef>
-        </p:style>
-        <p:txBody>
-          <a:bodyPr rtlCol="0" anchor="ctr"/>
-          <a:lstStyle/>
-          <a:p>
-            <a:pPr algn="ctr"/>
-            <a:endParaRPr lang="en-US"/>
-          </a:p>
-        </p:txBody>
-      </p:sp>
-      <p:sp>
-        <p:nvSpPr>
-          <p:cNvPr id="2" name="Title 1">
-            <a:extLst>
-              <a:ext uri="{FF2B5EF4-FFF2-40B4-BE49-F238E27FC236}">
-                <a16:creationId xmlns:a16="http://schemas.microsoft.com/office/drawing/2014/main" id="{95D79E09-6E77-4F87-B358-F18D99FA343D}"/>
-              </a:ext>
-            </a:extLst>
-          </p:cNvPr>
-          <p:cNvSpPr>
-            <a:spLocks noGrp="1"/>
-          </p:cNvSpPr>
-          <p:nvPr>
-            <p:ph type="title"/>
-          </p:nvPr>
-        </p:nvSpPr>
-        <p:spPr>
-          <a:xfrm>
-            <a:off x="773934" y="425128"/>
-            <a:ext cx="9018070" cy="1325563"/>
-          </a:xfrm>
-          <a:noFill/>
-          <a:ln w="76200">
-            <a:solidFill>
-              <a:srgbClr val="11B29F"/>
-            </a:solidFill>
-          </a:ln>
-        </p:spPr>
-        <p:txBody>
-          <a:bodyPr/>
-          <a:lstStyle/>
-          <a:p>
-            <a:pPr algn="ctr"/>
-            <a:r>
-              <a:rPr lang="en-US" dirty="0">
-                <a:solidFill>
-                  <a:srgbClr val="404040"/>
-                </a:solidFill>
-                <a:latin typeface="Bodoni MT" panose="02070603080606020203" pitchFamily="18" charset="0"/>
-              </a:rPr>
-              <a:t>Shortest Route Problem</a:t>
-            </a:r>
-          </a:p>
-        </p:txBody>
-      </p:sp>
-      <p:pic>
-        <p:nvPicPr>
-          <p:cNvPr id="5" name="Content Placeholder 4" descr="A picture containing cage&#10;&#10;Description automatically generated">
-            <a:extLst>
-              <a:ext uri="{FF2B5EF4-FFF2-40B4-BE49-F238E27FC236}">
-                <a16:creationId xmlns:a16="http://schemas.microsoft.com/office/drawing/2014/main" id="{EF817497-4F98-4236-83EE-74FD8376B077}"/>
-              </a:ext>
-            </a:extLst>
-          </p:cNvPr>
-          <p:cNvPicPr>
-            <a:picLocks noGrp="1" noChangeAspect="1"/>
-          </p:cNvPicPr>
-          <p:nvPr>
-            <p:ph idx="1"/>
-          </p:nvPr>
-        </p:nvPicPr>
-        <p:blipFill>
-          <a:blip r:embed="rId3">
-            <a:extLst>
-              <a:ext uri="{28A0092B-C50C-407E-A947-70E740481C1C}">
-                <a14:useLocalDpi xmlns:a14="http://schemas.microsoft.com/office/drawing/2010/main" val="0"/>
-              </a:ext>
-            </a:extLst>
-          </a:blip>
-          <a:stretch>
-            <a:fillRect/>
-          </a:stretch>
-        </p:blipFill>
-        <p:spPr>
-          <a:xfrm>
-            <a:off x="9887140" y="47697"/>
-            <a:ext cx="2143125" cy="2143125"/>
-          </a:xfrm>
-        </p:spPr>
-      </p:pic>
-      <p:sp>
-        <p:nvSpPr>
-          <p:cNvPr id="17" name="Rectangle 16">
-            <a:extLst>
-              <a:ext uri="{FF2B5EF4-FFF2-40B4-BE49-F238E27FC236}">
-                <a16:creationId xmlns:a16="http://schemas.microsoft.com/office/drawing/2014/main" id="{C723ED3C-F5E6-4121-9EF2-DD9574E1A49F}"/>
-              </a:ext>
-            </a:extLst>
-          </p:cNvPr>
-          <p:cNvSpPr/>
-          <p:nvPr/>
-        </p:nvSpPr>
-        <p:spPr>
-          <a:xfrm>
-            <a:off x="10085294" y="2008116"/>
-            <a:ext cx="1776920" cy="76178"/>
-          </a:xfrm>
-          <a:prstGeom prst="rect">
-            <a:avLst/>
-          </a:prstGeom>
-          <a:solidFill>
-            <a:srgbClr val="11B29F"/>
-          </a:solidFill>
-          <a:ln>
-            <a:noFill/>
-          </a:ln>
-        </p:spPr>
-        <p:style>
-          <a:lnRef idx="2">
-            <a:schemeClr val="accent1">
-              <a:shade val="50000"/>
-            </a:schemeClr>
-          </a:lnRef>
-          <a:fillRef idx="1">
-            <a:schemeClr val="accent1"/>
-          </a:fillRef>
-          <a:effectRef idx="0">
-            <a:schemeClr val="accent1"/>
-          </a:effectRef>
-          <a:fontRef idx="minor">
-            <a:schemeClr val="lt1"/>
-          </a:fontRef>
-        </p:style>
-        <p:txBody>
-          <a:bodyPr rtlCol="0" anchor="ctr"/>
-          <a:lstStyle/>
-          <a:p>
-            <a:pPr algn="ctr"/>
-            <a:endParaRPr lang="en-US"/>
-          </a:p>
-        </p:txBody>
-      </p:sp>
-      <p:sp>
-        <p:nvSpPr>
-          <p:cNvPr id="21" name="Rectangle 20">
-            <a:extLst>
-              <a:ext uri="{FF2B5EF4-FFF2-40B4-BE49-F238E27FC236}">
-                <a16:creationId xmlns:a16="http://schemas.microsoft.com/office/drawing/2014/main" id="{F9E0EC60-66D4-4536-A867-30142339BAA7}"/>
-              </a:ext>
-            </a:extLst>
-          </p:cNvPr>
-          <p:cNvSpPr/>
-          <p:nvPr/>
-        </p:nvSpPr>
-        <p:spPr>
-          <a:xfrm>
-            <a:off x="10085294" y="2129819"/>
-            <a:ext cx="1776920" cy="76178"/>
-          </a:xfrm>
-          <a:prstGeom prst="rect">
-            <a:avLst/>
-          </a:prstGeom>
-          <a:solidFill>
-            <a:srgbClr val="A71B86"/>
-          </a:solidFill>
-          <a:ln>
-            <a:noFill/>
-          </a:ln>
-        </p:spPr>
-        <p:style>
-          <a:lnRef idx="2">
-            <a:schemeClr val="accent1">
-              <a:shade val="50000"/>
-            </a:schemeClr>
-          </a:lnRef>
-          <a:fillRef idx="1">
-            <a:schemeClr val="accent1"/>
-          </a:fillRef>
-          <a:effectRef idx="0">
-            <a:schemeClr val="accent1"/>
-          </a:effectRef>
-          <a:fontRef idx="minor">
-            <a:schemeClr val="lt1"/>
-          </a:fontRef>
-        </p:style>
-        <p:txBody>
-          <a:bodyPr rtlCol="0" anchor="ctr"/>
-          <a:lstStyle/>
-          <a:p>
-            <a:pPr algn="ctr"/>
-            <a:endParaRPr lang="en-US"/>
-          </a:p>
-        </p:txBody>
-      </p:sp>
-      <p:sp>
-        <p:nvSpPr>
-          <p:cNvPr id="22" name="Rectangle 21">
-            <a:extLst>
-              <a:ext uri="{FF2B5EF4-FFF2-40B4-BE49-F238E27FC236}">
-                <a16:creationId xmlns:a16="http://schemas.microsoft.com/office/drawing/2014/main" id="{F95AED49-24A8-4D10-9D31-F944565EC1B2}"/>
-              </a:ext>
-            </a:extLst>
-          </p:cNvPr>
-          <p:cNvSpPr/>
-          <p:nvPr/>
-        </p:nvSpPr>
-        <p:spPr>
-          <a:xfrm>
-            <a:off x="10085294" y="2251522"/>
-            <a:ext cx="1776920" cy="150200"/>
-          </a:xfrm>
-          <a:prstGeom prst="rect">
-            <a:avLst/>
-          </a:prstGeom>
-          <a:solidFill>
-            <a:srgbClr val="11B29F"/>
-          </a:solidFill>
-          <a:ln>
-            <a:noFill/>
-          </a:ln>
-        </p:spPr>
-        <p:style>
-          <a:lnRef idx="2">
-            <a:schemeClr val="accent1">
-              <a:shade val="50000"/>
-            </a:schemeClr>
-          </a:lnRef>
-          <a:fillRef idx="1">
-            <a:schemeClr val="accent1"/>
-          </a:fillRef>
-          <a:effectRef idx="0">
-            <a:schemeClr val="accent1"/>
-          </a:effectRef>
-          <a:fontRef idx="minor">
-            <a:schemeClr val="lt1"/>
-          </a:fontRef>
-        </p:style>
-        <p:txBody>
-          <a:bodyPr rtlCol="0" anchor="ctr"/>
-          <a:lstStyle/>
-          <a:p>
-            <a:pPr algn="ctr"/>
-            <a:endParaRPr lang="en-US"/>
-          </a:p>
-        </p:txBody>
-      </p:sp>
-      <p:sp>
-        <p:nvSpPr>
-          <p:cNvPr id="24" name="Rectangle 23">
-            <a:extLst>
-              <a:ext uri="{FF2B5EF4-FFF2-40B4-BE49-F238E27FC236}">
-                <a16:creationId xmlns:a16="http://schemas.microsoft.com/office/drawing/2014/main" id="{993D5826-407C-4F65-BE3A-EB593B942A36}"/>
-              </a:ext>
-            </a:extLst>
-          </p:cNvPr>
-          <p:cNvSpPr/>
-          <p:nvPr/>
-        </p:nvSpPr>
-        <p:spPr>
-          <a:xfrm>
-            <a:off x="10085294" y="2447247"/>
-            <a:ext cx="1776920" cy="150200"/>
-          </a:xfrm>
-          <a:prstGeom prst="rect">
-            <a:avLst/>
-          </a:prstGeom>
-          <a:solidFill>
-            <a:srgbClr val="A71B86"/>
-          </a:solidFill>
-          <a:ln>
-            <a:noFill/>
-          </a:ln>
-        </p:spPr>
-        <p:style>
-          <a:lnRef idx="2">
-            <a:schemeClr val="accent1">
-              <a:shade val="50000"/>
-            </a:schemeClr>
-          </a:lnRef>
-          <a:fillRef idx="1">
-            <a:schemeClr val="accent1"/>
-          </a:fillRef>
-          <a:effectRef idx="0">
-            <a:schemeClr val="accent1"/>
-          </a:effectRef>
-          <a:fontRef idx="minor">
-            <a:schemeClr val="lt1"/>
-          </a:fontRef>
-        </p:style>
-        <p:txBody>
-          <a:bodyPr rtlCol="0" anchor="ctr"/>
-          <a:lstStyle/>
-          <a:p>
-            <a:pPr algn="ctr"/>
-            <a:endParaRPr lang="en-US"/>
-          </a:p>
-        </p:txBody>
-      </p:sp>
-      <p:sp>
-        <p:nvSpPr>
-          <p:cNvPr id="25" name="Rectangle 24">
-            <a:extLst>
-              <a:ext uri="{FF2B5EF4-FFF2-40B4-BE49-F238E27FC236}">
-                <a16:creationId xmlns:a16="http://schemas.microsoft.com/office/drawing/2014/main" id="{D2785A94-4D0B-4559-9303-3C963AA0EF9A}"/>
-              </a:ext>
-            </a:extLst>
-          </p:cNvPr>
-          <p:cNvSpPr/>
-          <p:nvPr/>
-        </p:nvSpPr>
-        <p:spPr>
-          <a:xfrm>
-            <a:off x="10085294" y="2642972"/>
-            <a:ext cx="1776920" cy="362446"/>
-          </a:xfrm>
-          <a:prstGeom prst="rect">
-            <a:avLst/>
-          </a:prstGeom>
-          <a:solidFill>
-            <a:srgbClr val="11B29F"/>
-          </a:solidFill>
-          <a:ln>
-            <a:noFill/>
-          </a:ln>
-        </p:spPr>
-        <p:style>
-          <a:lnRef idx="2">
-            <a:schemeClr val="accent1">
-              <a:shade val="50000"/>
-            </a:schemeClr>
-          </a:lnRef>
-          <a:fillRef idx="1">
-            <a:schemeClr val="accent1"/>
-          </a:fillRef>
-          <a:effectRef idx="0">
-            <a:schemeClr val="accent1"/>
-          </a:effectRef>
-          <a:fontRef idx="minor">
-            <a:schemeClr val="lt1"/>
-          </a:fontRef>
-        </p:style>
-        <p:txBody>
-          <a:bodyPr rtlCol="0" anchor="ctr"/>
-          <a:lstStyle/>
-          <a:p>
-            <a:pPr algn="ctr"/>
-            <a:endParaRPr lang="en-US"/>
-          </a:p>
-        </p:txBody>
-      </p:sp>
-      <p:sp>
-        <p:nvSpPr>
-          <p:cNvPr id="26" name="Rectangle 25">
-            <a:extLst>
-              <a:ext uri="{FF2B5EF4-FFF2-40B4-BE49-F238E27FC236}">
-                <a16:creationId xmlns:a16="http://schemas.microsoft.com/office/drawing/2014/main" id="{B235F2E9-4558-433D-9527-7EFF5C5E78A8}"/>
-              </a:ext>
-            </a:extLst>
-          </p:cNvPr>
-          <p:cNvSpPr/>
-          <p:nvPr/>
-        </p:nvSpPr>
-        <p:spPr>
-          <a:xfrm>
-            <a:off x="10085294" y="3050943"/>
-            <a:ext cx="1776920" cy="362446"/>
-          </a:xfrm>
-          <a:prstGeom prst="rect">
-            <a:avLst/>
-          </a:prstGeom>
-          <a:solidFill>
-            <a:srgbClr val="A71B86"/>
-          </a:solidFill>
-          <a:ln>
-            <a:noFill/>
-          </a:ln>
-        </p:spPr>
-        <p:style>
-          <a:lnRef idx="2">
-            <a:schemeClr val="accent1">
-              <a:shade val="50000"/>
-            </a:schemeClr>
-          </a:lnRef>
-          <a:fillRef idx="1">
-            <a:schemeClr val="accent1"/>
-          </a:fillRef>
-          <a:effectRef idx="0">
-            <a:schemeClr val="accent1"/>
-          </a:effectRef>
-          <a:fontRef idx="minor">
-            <a:schemeClr val="lt1"/>
-          </a:fontRef>
-        </p:style>
-        <p:txBody>
-          <a:bodyPr rtlCol="0" anchor="ctr"/>
-          <a:lstStyle/>
-          <a:p>
-            <a:pPr algn="ctr"/>
-            <a:endParaRPr lang="en-US"/>
-          </a:p>
-        </p:txBody>
-      </p:sp>
-      <p:sp>
-        <p:nvSpPr>
-          <p:cNvPr id="27" name="Rectangle 26">
-            <a:extLst>
-              <a:ext uri="{FF2B5EF4-FFF2-40B4-BE49-F238E27FC236}">
-                <a16:creationId xmlns:a16="http://schemas.microsoft.com/office/drawing/2014/main" id="{99613B87-411B-4008-BF30-F1A3B8F247B5}"/>
-              </a:ext>
-            </a:extLst>
-          </p:cNvPr>
-          <p:cNvSpPr/>
-          <p:nvPr/>
-        </p:nvSpPr>
-        <p:spPr>
-          <a:xfrm>
-            <a:off x="10085294" y="3490136"/>
-            <a:ext cx="1776920" cy="3367864"/>
-          </a:xfrm>
-          <a:prstGeom prst="rect">
-            <a:avLst/>
-          </a:prstGeom>
-          <a:solidFill>
-            <a:srgbClr val="11B29F"/>
-          </a:solidFill>
-          <a:ln>
-            <a:noFill/>
-          </a:ln>
-        </p:spPr>
-        <p:style>
-          <a:lnRef idx="2">
-            <a:schemeClr val="accent1">
-              <a:shade val="50000"/>
-            </a:schemeClr>
-          </a:lnRef>
-          <a:fillRef idx="1">
-            <a:schemeClr val="accent1"/>
-          </a:fillRef>
-          <a:effectRef idx="0">
-            <a:schemeClr val="accent1"/>
-          </a:effectRef>
-          <a:fontRef idx="minor">
-            <a:schemeClr val="lt1"/>
-          </a:fontRef>
-        </p:style>
-        <p:txBody>
-          <a:bodyPr rtlCol="0" anchor="ctr"/>
-          <a:lstStyle/>
-          <a:p>
-            <a:pPr algn="ctr"/>
-            <a:endParaRPr lang="en-US"/>
-          </a:p>
-        </p:txBody>
-      </p:sp>
-      <p:sp>
-        <p:nvSpPr>
-          <p:cNvPr id="32" name="Rectangle 31">
-            <a:extLst>
-              <a:ext uri="{FF2B5EF4-FFF2-40B4-BE49-F238E27FC236}">
-                <a16:creationId xmlns:a16="http://schemas.microsoft.com/office/drawing/2014/main" id="{145B3BD2-B1C1-4ED2-A4E0-5E17DD3736F1}"/>
-              </a:ext>
-            </a:extLst>
-          </p:cNvPr>
-          <p:cNvSpPr/>
-          <p:nvPr/>
-        </p:nvSpPr>
-        <p:spPr>
-          <a:xfrm rot="19800000">
-            <a:off x="-765351" y="385789"/>
-            <a:ext cx="4026751" cy="269178"/>
-          </a:xfrm>
-          <a:prstGeom prst="rect">
-            <a:avLst/>
-          </a:prstGeom>
-          <a:solidFill>
-            <a:srgbClr val="A71B86"/>
-          </a:solidFill>
-          <a:ln>
-            <a:noFill/>
-          </a:ln>
-        </p:spPr>
-        <p:style>
-          <a:lnRef idx="2">
-            <a:schemeClr val="accent1">
-              <a:shade val="50000"/>
-            </a:schemeClr>
-          </a:lnRef>
-          <a:fillRef idx="1">
-            <a:schemeClr val="accent1"/>
-          </a:fillRef>
-          <a:effectRef idx="0">
-            <a:schemeClr val="accent1"/>
-          </a:effectRef>
-          <a:fontRef idx="minor">
-            <a:schemeClr val="lt1"/>
-          </a:fontRef>
-        </p:style>
-        <p:txBody>
-          <a:bodyPr rtlCol="0" anchor="ctr"/>
-          <a:lstStyle/>
-          <a:p>
-            <a:pPr algn="ctr"/>
-            <a:endParaRPr lang="en-US"/>
-          </a:p>
-        </p:txBody>
-      </p:sp>
-      <p:sp>
-        <p:nvSpPr>
-          <p:cNvPr id="33" name="Rectangle 32">
-            <a:extLst>
-              <a:ext uri="{FF2B5EF4-FFF2-40B4-BE49-F238E27FC236}">
-                <a16:creationId xmlns:a16="http://schemas.microsoft.com/office/drawing/2014/main" id="{DC3B2826-65DD-408B-8F18-8CCD6C052D8D}"/>
-              </a:ext>
-            </a:extLst>
-          </p:cNvPr>
-          <p:cNvSpPr/>
-          <p:nvPr/>
-        </p:nvSpPr>
-        <p:spPr>
-          <a:xfrm rot="19800000">
-            <a:off x="9257156" y="6226296"/>
-            <a:ext cx="4026751" cy="269178"/>
-          </a:xfrm>
-          <a:prstGeom prst="rect">
-            <a:avLst/>
-          </a:prstGeom>
-          <a:solidFill>
-            <a:srgbClr val="A71B86"/>
-          </a:solidFill>
-          <a:ln>
-            <a:noFill/>
-          </a:ln>
-        </p:spPr>
-        <p:style>
-          <a:lnRef idx="2">
-            <a:schemeClr val="accent1">
-              <a:shade val="50000"/>
-            </a:schemeClr>
-          </a:lnRef>
-          <a:fillRef idx="1">
-            <a:schemeClr val="accent1"/>
-          </a:fillRef>
-          <a:effectRef idx="0">
-            <a:schemeClr val="accent1"/>
-          </a:effectRef>
-          <a:fontRef idx="minor">
-            <a:schemeClr val="lt1"/>
-          </a:fontRef>
-        </p:style>
-        <p:txBody>
-          <a:bodyPr rtlCol="0" anchor="ctr"/>
-          <a:lstStyle/>
-          <a:p>
-            <a:pPr algn="ctr"/>
-            <a:endParaRPr lang="en-US"/>
-          </a:p>
-        </p:txBody>
-      </p:sp>
-      <p:sp>
-        <p:nvSpPr>
-          <p:cNvPr id="35" name="Rectangle 34">
-            <a:extLst>
-              <a:ext uri="{FF2B5EF4-FFF2-40B4-BE49-F238E27FC236}">
-                <a16:creationId xmlns:a16="http://schemas.microsoft.com/office/drawing/2014/main" id="{4935F901-F632-4698-8C7A-AC29B2397A6C}"/>
-              </a:ext>
-            </a:extLst>
-          </p:cNvPr>
-          <p:cNvSpPr/>
-          <p:nvPr/>
-        </p:nvSpPr>
-        <p:spPr>
-          <a:xfrm rot="19800000">
-            <a:off x="8263809" y="5824178"/>
-            <a:ext cx="4731177" cy="269178"/>
-          </a:xfrm>
-          <a:prstGeom prst="rect">
-            <a:avLst/>
-          </a:prstGeom>
-          <a:solidFill>
-            <a:srgbClr val="A71B86"/>
-          </a:solidFill>
-          <a:ln>
-            <a:noFill/>
-          </a:ln>
-        </p:spPr>
-        <p:style>
-          <a:lnRef idx="2">
-            <a:schemeClr val="accent1">
-              <a:shade val="50000"/>
-            </a:schemeClr>
-          </a:lnRef>
-          <a:fillRef idx="1">
-            <a:schemeClr val="accent1"/>
-          </a:fillRef>
-          <a:effectRef idx="0">
-            <a:schemeClr val="accent1"/>
-          </a:effectRef>
-          <a:fontRef idx="minor">
-            <a:schemeClr val="lt1"/>
-          </a:fontRef>
-        </p:style>
-        <p:txBody>
-          <a:bodyPr rtlCol="0" anchor="ctr"/>
-          <a:lstStyle/>
-          <a:p>
-            <a:pPr algn="ctr"/>
-            <a:endParaRPr lang="en-US"/>
-          </a:p>
-        </p:txBody>
-      </p:sp>
-      <p:sp>
-        <p:nvSpPr>
-          <p:cNvPr id="36" name="TextBox 35">
-            <a:extLst>
-              <a:ext uri="{FF2B5EF4-FFF2-40B4-BE49-F238E27FC236}">
-                <a16:creationId xmlns:a16="http://schemas.microsoft.com/office/drawing/2014/main" id="{389720C5-6DCB-428D-8C4F-A02DEC239333}"/>
-              </a:ext>
-            </a:extLst>
-          </p:cNvPr>
-          <p:cNvSpPr txBox="1"/>
-          <p:nvPr/>
-        </p:nvSpPr>
-        <p:spPr>
-          <a:xfrm>
-            <a:off x="773934" y="1947592"/>
-            <a:ext cx="9048941" cy="4093428"/>
-          </a:xfrm>
-          <a:prstGeom prst="rect">
-            <a:avLst/>
-          </a:prstGeom>
-          <a:noFill/>
-        </p:spPr>
-        <p:txBody>
-          <a:bodyPr wrap="square" rtlCol="0">
-            <a:spAutoFit/>
-          </a:bodyPr>
-          <a:lstStyle/>
-          <a:p>
-            <a:pPr marL="285750" indent="-285750">
-              <a:buFont typeface="Arial" panose="020B0604020202020204" pitchFamily="34" charset="0"/>
-              <a:buChar char="•"/>
-            </a:pPr>
-            <a:r>
-              <a:rPr lang="en-US" sz="2000" dirty="0">
-                <a:solidFill>
-                  <a:srgbClr val="A71B86"/>
-                </a:solidFill>
-                <a:latin typeface="Corbel" panose="020B0503020204020204" pitchFamily="34" charset="0"/>
-              </a:rPr>
-              <a:t>Dijkstra’s algorithm</a:t>
-            </a:r>
-            <a:r>
-              <a:rPr lang="en-US" sz="2000" dirty="0">
-                <a:solidFill>
-                  <a:srgbClr val="404040"/>
-                </a:solidFill>
-                <a:latin typeface="Corbel" panose="020B0503020204020204" pitchFamily="34" charset="0"/>
-              </a:rPr>
-              <a:t> for identifying the shortest route</a:t>
-            </a:r>
-          </a:p>
-          <a:p>
-            <a:pPr marL="285750" indent="-285750">
-              <a:buFont typeface="Arial" panose="020B0604020202020204" pitchFamily="34" charset="0"/>
-              <a:buChar char="•"/>
-            </a:pPr>
-            <a:endParaRPr lang="en-US" sz="2000" dirty="0">
-              <a:solidFill>
-                <a:srgbClr val="404040"/>
-              </a:solidFill>
-              <a:latin typeface="Corbel" panose="020B0503020204020204" pitchFamily="34" charset="0"/>
-            </a:endParaRPr>
-          </a:p>
-          <a:p>
-            <a:pPr marL="285750" indent="-285750">
-              <a:buFont typeface="Arial" panose="020B0604020202020204" pitchFamily="34" charset="0"/>
-              <a:buChar char="•"/>
-            </a:pPr>
-            <a:r>
-              <a:rPr lang="en-US" sz="2000" dirty="0">
-                <a:solidFill>
-                  <a:srgbClr val="A71B86"/>
-                </a:solidFill>
-                <a:latin typeface="Corbel" panose="020B0503020204020204" pitchFamily="34" charset="0"/>
-              </a:rPr>
-              <a:t>Step 1</a:t>
-            </a:r>
-            <a:r>
-              <a:rPr lang="en-US" sz="2000" dirty="0">
-                <a:solidFill>
-                  <a:srgbClr val="404040"/>
-                </a:solidFill>
-                <a:latin typeface="Corbel" panose="020B0503020204020204" pitchFamily="34" charset="0"/>
-              </a:rPr>
-              <a:t>: Select the node with the shortest route from the origin</a:t>
-            </a:r>
-          </a:p>
-          <a:p>
-            <a:pPr marL="285750" indent="-285750">
-              <a:buFont typeface="Arial" panose="020B0604020202020204" pitchFamily="34" charset="0"/>
-              <a:buChar char="•"/>
-            </a:pPr>
-            <a:endParaRPr lang="en-US" sz="2000" dirty="0">
-              <a:solidFill>
-                <a:srgbClr val="404040"/>
-              </a:solidFill>
-              <a:latin typeface="Corbel" panose="020B0503020204020204" pitchFamily="34" charset="0"/>
-            </a:endParaRPr>
-          </a:p>
-          <a:p>
-            <a:pPr marL="285750" indent="-285750">
-              <a:buFont typeface="Arial" panose="020B0604020202020204" pitchFamily="34" charset="0"/>
-              <a:buChar char="•"/>
-            </a:pPr>
-            <a:r>
-              <a:rPr lang="en-US" sz="2000" dirty="0">
-                <a:solidFill>
-                  <a:srgbClr val="A71B86"/>
-                </a:solidFill>
-                <a:latin typeface="Corbel" panose="020B0503020204020204" pitchFamily="34" charset="0"/>
-              </a:rPr>
-              <a:t>Step 2: </a:t>
-            </a:r>
-            <a:r>
-              <a:rPr lang="en-US" sz="2000" dirty="0">
-                <a:solidFill>
-                  <a:srgbClr val="404040"/>
-                </a:solidFill>
-                <a:latin typeface="Corbel" panose="020B0503020204020204" pitchFamily="34" charset="0"/>
-              </a:rPr>
-              <a:t>Create a  permanent set that includes the origin and the node chosen in the 1</a:t>
-            </a:r>
-            <a:r>
-              <a:rPr lang="en-US" sz="2000" baseline="30000" dirty="0">
-                <a:solidFill>
-                  <a:srgbClr val="404040"/>
-                </a:solidFill>
-                <a:latin typeface="Corbel" panose="020B0503020204020204" pitchFamily="34" charset="0"/>
-              </a:rPr>
-              <a:t>st</a:t>
-            </a:r>
-            <a:r>
-              <a:rPr lang="en-US" sz="2000" dirty="0">
-                <a:solidFill>
-                  <a:srgbClr val="404040"/>
-                </a:solidFill>
-                <a:latin typeface="Corbel" panose="020B0503020204020204" pitchFamily="34" charset="0"/>
-              </a:rPr>
-              <a:t>  step </a:t>
-            </a:r>
-          </a:p>
-          <a:p>
-            <a:pPr marL="285750" indent="-285750">
-              <a:buFont typeface="Arial" panose="020B0604020202020204" pitchFamily="34" charset="0"/>
-              <a:buChar char="•"/>
-            </a:pPr>
-            <a:endParaRPr lang="en-US" sz="2000" dirty="0">
-              <a:solidFill>
-                <a:srgbClr val="404040"/>
-              </a:solidFill>
-              <a:latin typeface="Corbel" panose="020B0503020204020204" pitchFamily="34" charset="0"/>
-            </a:endParaRPr>
-          </a:p>
-          <a:p>
-            <a:pPr marL="285750" indent="-285750">
-              <a:buFont typeface="Arial" panose="020B0604020202020204" pitchFamily="34" charset="0"/>
-              <a:buChar char="•"/>
-            </a:pPr>
-            <a:r>
-              <a:rPr lang="en-US" sz="2000" dirty="0">
-                <a:solidFill>
-                  <a:srgbClr val="A71B86"/>
-                </a:solidFill>
-                <a:latin typeface="Corbel" panose="020B0503020204020204" pitchFamily="34" charset="0"/>
-              </a:rPr>
-              <a:t>Step 3: </a:t>
-            </a:r>
-            <a:r>
-              <a:rPr lang="en-US" sz="2000" dirty="0">
-                <a:solidFill>
-                  <a:srgbClr val="404040"/>
-                </a:solidFill>
-                <a:latin typeface="Corbel" panose="020B0503020204020204" pitchFamily="34" charset="0"/>
-              </a:rPr>
-              <a:t>Identify all nodes that are adjacent to the nodes in the permanent set</a:t>
-            </a:r>
-          </a:p>
-          <a:p>
-            <a:pPr marL="285750" indent="-285750">
-              <a:buFont typeface="Arial" panose="020B0604020202020204" pitchFamily="34" charset="0"/>
-              <a:buChar char="•"/>
-            </a:pPr>
-            <a:endParaRPr lang="en-US" sz="2000" dirty="0">
-              <a:solidFill>
-                <a:srgbClr val="404040"/>
-              </a:solidFill>
-              <a:latin typeface="Corbel" panose="020B0503020204020204" pitchFamily="34" charset="0"/>
-            </a:endParaRPr>
-          </a:p>
-          <a:p>
-            <a:pPr marL="285750" indent="-285750">
-              <a:buFont typeface="Arial" panose="020B0604020202020204" pitchFamily="34" charset="0"/>
-              <a:buChar char="•"/>
-            </a:pPr>
-            <a:r>
-              <a:rPr lang="en-US" sz="2000" dirty="0">
-                <a:solidFill>
-                  <a:srgbClr val="A71B86"/>
-                </a:solidFill>
-                <a:latin typeface="Corbel" panose="020B0503020204020204" pitchFamily="34" charset="0"/>
-              </a:rPr>
-              <a:t>Step 4: </a:t>
-            </a:r>
-            <a:r>
-              <a:rPr lang="en-US" sz="2000" dirty="0">
-                <a:solidFill>
-                  <a:srgbClr val="404040"/>
-                </a:solidFill>
-                <a:latin typeface="Corbel" panose="020B0503020204020204" pitchFamily="34" charset="0"/>
-              </a:rPr>
-              <a:t>Select the node with the shortest route from the group of nodes adjacent to the nodes in the permanent set. Add the chosen node to the permanent set</a:t>
-            </a:r>
-          </a:p>
-          <a:p>
-            <a:pPr marL="285750" indent="-285750">
-              <a:buFont typeface="Arial" panose="020B0604020202020204" pitchFamily="34" charset="0"/>
-              <a:buChar char="•"/>
-            </a:pPr>
-            <a:endParaRPr lang="en-US" sz="2000" dirty="0">
-              <a:solidFill>
-                <a:srgbClr val="404040"/>
-              </a:solidFill>
-              <a:latin typeface="Corbel" panose="020B0503020204020204" pitchFamily="34" charset="0"/>
-            </a:endParaRPr>
-          </a:p>
-          <a:p>
-            <a:pPr marL="285750" indent="-285750">
-              <a:buFont typeface="Arial" panose="020B0604020202020204" pitchFamily="34" charset="0"/>
-              <a:buChar char="•"/>
-            </a:pPr>
-            <a:r>
-              <a:rPr lang="en-US" sz="2000" dirty="0">
-                <a:solidFill>
-                  <a:srgbClr val="A71B86"/>
-                </a:solidFill>
-                <a:latin typeface="Corbel" panose="020B0503020204020204" pitchFamily="34" charset="0"/>
-              </a:rPr>
-              <a:t>Step 5: </a:t>
-            </a:r>
-            <a:r>
-              <a:rPr lang="en-US" sz="2000" dirty="0">
-                <a:solidFill>
-                  <a:srgbClr val="404040"/>
-                </a:solidFill>
-                <a:latin typeface="Corbel" panose="020B0503020204020204" pitchFamily="34" charset="0"/>
-              </a:rPr>
-              <a:t>Repeat the 3</a:t>
-            </a:r>
-            <a:r>
-              <a:rPr lang="en-US" sz="2000" baseline="30000" dirty="0">
-                <a:solidFill>
-                  <a:srgbClr val="404040"/>
-                </a:solidFill>
-                <a:latin typeface="Corbel" panose="020B0503020204020204" pitchFamily="34" charset="0"/>
-              </a:rPr>
-              <a:t>rd</a:t>
-            </a:r>
-            <a:r>
-              <a:rPr lang="en-US" sz="2000" dirty="0">
-                <a:solidFill>
-                  <a:srgbClr val="404040"/>
-                </a:solidFill>
-                <a:latin typeface="Corbel" panose="020B0503020204020204" pitchFamily="34" charset="0"/>
-              </a:rPr>
-              <a:t>  and 4</a:t>
-            </a:r>
-            <a:r>
-              <a:rPr lang="en-US" sz="2000" baseline="30000" dirty="0">
-                <a:solidFill>
-                  <a:srgbClr val="404040"/>
-                </a:solidFill>
-                <a:latin typeface="Corbel" panose="020B0503020204020204" pitchFamily="34" charset="0"/>
-              </a:rPr>
-              <a:t>th</a:t>
-            </a:r>
-            <a:r>
-              <a:rPr lang="en-US" sz="2000" dirty="0">
-                <a:solidFill>
-                  <a:srgbClr val="404040"/>
-                </a:solidFill>
-                <a:latin typeface="Corbel" panose="020B0503020204020204" pitchFamily="34" charset="0"/>
-              </a:rPr>
-              <a:t>  steps until all nodes are in the permanent set</a:t>
-            </a:r>
-          </a:p>
-        </p:txBody>
-      </p:sp>
-      <p:pic>
-        <p:nvPicPr>
-          <p:cNvPr id="37" name="Graphic 36" descr="Palm tree">
-            <a:extLst>
-              <a:ext uri="{FF2B5EF4-FFF2-40B4-BE49-F238E27FC236}">
-                <a16:creationId xmlns:a16="http://schemas.microsoft.com/office/drawing/2014/main" id="{79F2EC1B-9713-4CCF-8301-82ED265F3940}"/>
-              </a:ext>
-            </a:extLst>
-          </p:cNvPr>
-          <p:cNvPicPr>
-            <a:picLocks noChangeAspect="1"/>
-          </p:cNvPicPr>
-          <p:nvPr/>
-        </p:nvPicPr>
-        <p:blipFill>
-          <a:blip r:embed="rId4">
-            <a:extLst>
-              <a:ext uri="{28A0092B-C50C-407E-A947-70E740481C1C}">
-                <a14:useLocalDpi xmlns:a14="http://schemas.microsoft.com/office/drawing/2010/main" val="0"/>
-              </a:ext>
-              <a:ext uri="{96DAC541-7B7A-43D3-8B79-37D633B846F1}">
-                <asvg:svgBlip xmlns:asvg="http://schemas.microsoft.com/office/drawing/2016/SVG/main" r:embed="rId5"/>
-              </a:ext>
-            </a:extLst>
-          </a:blip>
-          <a:stretch>
-            <a:fillRect/>
-          </a:stretch>
-        </p:blipFill>
-        <p:spPr>
-          <a:xfrm>
-            <a:off x="8964994" y="809490"/>
-            <a:ext cx="914400" cy="914400"/>
-          </a:xfrm>
-          <a:prstGeom prst="rect">
-            <a:avLst/>
-          </a:prstGeom>
-        </p:spPr>
-      </p:pic>
-      <p:pic>
-        <p:nvPicPr>
-          <p:cNvPr id="38" name="Graphic 37" descr="Palm tree">
-            <a:extLst>
-              <a:ext uri="{FF2B5EF4-FFF2-40B4-BE49-F238E27FC236}">
-                <a16:creationId xmlns:a16="http://schemas.microsoft.com/office/drawing/2014/main" id="{11C9CA6F-B5F0-4837-8E50-85C201ADA4F1}"/>
-              </a:ext>
-            </a:extLst>
-          </p:cNvPr>
-          <p:cNvPicPr>
-            <a:picLocks noChangeAspect="1"/>
-          </p:cNvPicPr>
-          <p:nvPr/>
-        </p:nvPicPr>
-        <p:blipFill>
-          <a:blip r:embed="rId4">
-            <a:extLst>
-              <a:ext uri="{28A0092B-C50C-407E-A947-70E740481C1C}">
-                <a14:useLocalDpi xmlns:a14="http://schemas.microsoft.com/office/drawing/2010/main" val="0"/>
-              </a:ext>
-              <a:ext uri="{96DAC541-7B7A-43D3-8B79-37D633B846F1}">
-                <asvg:svgBlip xmlns:asvg="http://schemas.microsoft.com/office/drawing/2016/SVG/main" r:embed="rId5"/>
-              </a:ext>
-            </a:extLst>
-          </a:blip>
-          <a:stretch>
-            <a:fillRect/>
-          </a:stretch>
-        </p:blipFill>
-        <p:spPr>
-          <a:xfrm>
-            <a:off x="8834542" y="1142112"/>
-            <a:ext cx="553133" cy="553133"/>
-          </a:xfrm>
-          <a:prstGeom prst="rect">
-            <a:avLst/>
-          </a:prstGeom>
-        </p:spPr>
-      </p:pic>
-      <p:pic>
-        <p:nvPicPr>
-          <p:cNvPr id="39" name="Graphic 38" descr="Palm tree">
-            <a:extLst>
-              <a:ext uri="{FF2B5EF4-FFF2-40B4-BE49-F238E27FC236}">
-                <a16:creationId xmlns:a16="http://schemas.microsoft.com/office/drawing/2014/main" id="{585AC1AD-01C8-4E2D-8361-4BEA62A48584}"/>
-              </a:ext>
-            </a:extLst>
-          </p:cNvPr>
-          <p:cNvPicPr>
-            <a:picLocks noChangeAspect="1"/>
-          </p:cNvPicPr>
-          <p:nvPr/>
-        </p:nvPicPr>
-        <p:blipFill>
-          <a:blip r:embed="rId4">
-            <a:extLst>
-              <a:ext uri="{28A0092B-C50C-407E-A947-70E740481C1C}">
-                <a14:useLocalDpi xmlns:a14="http://schemas.microsoft.com/office/drawing/2010/main" val="0"/>
-              </a:ext>
-              <a:ext uri="{96DAC541-7B7A-43D3-8B79-37D633B846F1}">
-                <asvg:svgBlip xmlns:asvg="http://schemas.microsoft.com/office/drawing/2016/SVG/main" r:embed="rId5"/>
-              </a:ext>
-            </a:extLst>
-          </a:blip>
-          <a:stretch>
-            <a:fillRect/>
-          </a:stretch>
-        </p:blipFill>
-        <p:spPr>
-          <a:xfrm>
-            <a:off x="9387675" y="1277468"/>
-            <a:ext cx="404329" cy="404329"/>
-          </a:xfrm>
-          <a:prstGeom prst="rect">
-            <a:avLst/>
-          </a:prstGeom>
-        </p:spPr>
-      </p:pic>
-    </p:spTree>
-    <p:extLst>
-      <p:ext uri="{BB962C8B-B14F-4D97-AF65-F5344CB8AC3E}">
-        <p14:creationId xmlns:p14="http://schemas.microsoft.com/office/powerpoint/2010/main" val="3332945474"/>
-      </p:ext>
-    </p:extLst>
-  </p:cSld>
-  <p:clrMapOvr>
-    <a:masterClrMapping/>
-  </p:clrMapOvr>
-</p:sld>
-</file>
-
-<file path=ppt/slides/slide21.xml><?xml version="1.0" encoding="utf-8"?>
-<p:sld xmlns:a="http://schemas.openxmlformats.org/drawingml/2006/main" xmlns:r="http://schemas.openxmlformats.org/officeDocument/2006/relationships" xmlns:p="http://schemas.openxmlformats.org/presentationml/2006/main">
-  <p:cSld>
-    <p:spTree>
-      <p:nvGrpSpPr>
-        <p:cNvPr id="1" name=""/>
-        <p:cNvGrpSpPr/>
-        <p:nvPr/>
-      </p:nvGrpSpPr>
-      <p:grpSpPr>
-        <a:xfrm>
-          <a:off x="0" y="0"/>
-          <a:ext cx="0" cy="0"/>
-          <a:chOff x="0" y="0"/>
-          <a:chExt cx="0" cy="0"/>
-        </a:xfrm>
-      </p:grpSpPr>
-      <p:sp>
-        <p:nvSpPr>
-          <p:cNvPr id="28" name="Rectangle 27">
-            <a:extLst>
-              <a:ext uri="{FF2B5EF4-FFF2-40B4-BE49-F238E27FC236}">
-                <a16:creationId xmlns:a16="http://schemas.microsoft.com/office/drawing/2014/main" id="{1568D3DA-67F7-464C-95FF-D7D56F4038D6}"/>
-              </a:ext>
-            </a:extLst>
-          </p:cNvPr>
-          <p:cNvSpPr/>
-          <p:nvPr/>
-        </p:nvSpPr>
-        <p:spPr>
-          <a:xfrm rot="19800000">
-            <a:off x="-597297" y="674901"/>
-            <a:ext cx="4026751" cy="269178"/>
-          </a:xfrm>
-          <a:prstGeom prst="rect">
-            <a:avLst/>
-          </a:prstGeom>
-          <a:solidFill>
-            <a:srgbClr val="A71B86"/>
-          </a:solidFill>
-          <a:ln>
-            <a:noFill/>
-          </a:ln>
-        </p:spPr>
-        <p:style>
-          <a:lnRef idx="2">
-            <a:schemeClr val="accent1">
-              <a:shade val="50000"/>
-            </a:schemeClr>
-          </a:lnRef>
-          <a:fillRef idx="1">
-            <a:schemeClr val="accent1"/>
-          </a:fillRef>
-          <a:effectRef idx="0">
-            <a:schemeClr val="accent1"/>
-          </a:effectRef>
-          <a:fontRef idx="minor">
-            <a:schemeClr val="lt1"/>
-          </a:fontRef>
-        </p:style>
-        <p:txBody>
-          <a:bodyPr rtlCol="0" anchor="ctr"/>
-          <a:lstStyle/>
-          <a:p>
-            <a:pPr algn="ctr"/>
-            <a:endParaRPr lang="en-US"/>
-          </a:p>
-        </p:txBody>
-      </p:sp>
-      <p:pic>
-        <p:nvPicPr>
-          <p:cNvPr id="11" name="Picture 10" descr="A large body of water&#10;&#10;Description automatically generated">
-            <a:extLst>
-              <a:ext uri="{FF2B5EF4-FFF2-40B4-BE49-F238E27FC236}">
-                <a16:creationId xmlns:a16="http://schemas.microsoft.com/office/drawing/2014/main" id="{B83B0471-BE25-41B4-B185-53BEB6528B89}"/>
-              </a:ext>
-            </a:extLst>
-          </p:cNvPr>
-          <p:cNvPicPr>
-            <a:picLocks noChangeAspect="1"/>
-          </p:cNvPicPr>
-          <p:nvPr/>
-        </p:nvPicPr>
-        <p:blipFill rotWithShape="1">
-          <a:blip r:embed="rId2">
-            <a:alphaModFix amt="20000"/>
-            <a:extLst>
-              <a:ext uri="{28A0092B-C50C-407E-A947-70E740481C1C}">
-                <a14:useLocalDpi xmlns:a14="http://schemas.microsoft.com/office/drawing/2010/main" val="0"/>
-              </a:ext>
-            </a:extLst>
-          </a:blip>
-          <a:srcRect t="34654" b="43573"/>
-          <a:stretch/>
-        </p:blipFill>
-        <p:spPr>
-          <a:xfrm>
-            <a:off x="773935" y="442465"/>
-            <a:ext cx="9018070" cy="1308226"/>
-          </a:xfrm>
-          <a:prstGeom prst="rect">
-            <a:avLst/>
-          </a:prstGeom>
-        </p:spPr>
-      </p:pic>
-      <p:sp>
-        <p:nvSpPr>
-          <p:cNvPr id="34" name="Rectangle 33">
-            <a:extLst>
-              <a:ext uri="{FF2B5EF4-FFF2-40B4-BE49-F238E27FC236}">
-                <a16:creationId xmlns:a16="http://schemas.microsoft.com/office/drawing/2014/main" id="{BFE7775A-1FAD-4E84-8B9E-DA4B39640B5E}"/>
-              </a:ext>
-            </a:extLst>
-          </p:cNvPr>
-          <p:cNvSpPr/>
-          <p:nvPr/>
-        </p:nvSpPr>
-        <p:spPr>
-          <a:xfrm rot="19800000">
-            <a:off x="9089102" y="5937184"/>
-            <a:ext cx="4026751" cy="269178"/>
-          </a:xfrm>
-          <a:prstGeom prst="rect">
-            <a:avLst/>
-          </a:prstGeom>
-          <a:solidFill>
-            <a:srgbClr val="A71B86"/>
-          </a:solidFill>
-          <a:ln>
-            <a:noFill/>
-          </a:ln>
-        </p:spPr>
-        <p:style>
-          <a:lnRef idx="2">
-            <a:schemeClr val="accent1">
-              <a:shade val="50000"/>
-            </a:schemeClr>
-          </a:lnRef>
-          <a:fillRef idx="1">
-            <a:schemeClr val="accent1"/>
-          </a:fillRef>
-          <a:effectRef idx="0">
-            <a:schemeClr val="accent1"/>
-          </a:effectRef>
-          <a:fontRef idx="minor">
-            <a:schemeClr val="lt1"/>
-          </a:fontRef>
-        </p:style>
-        <p:txBody>
-          <a:bodyPr rtlCol="0" anchor="ctr"/>
-          <a:lstStyle/>
-          <a:p>
-            <a:pPr algn="ctr"/>
-            <a:endParaRPr lang="en-US"/>
-          </a:p>
-        </p:txBody>
-      </p:sp>
-      <p:sp>
-        <p:nvSpPr>
-          <p:cNvPr id="2" name="Title 1">
-            <a:extLst>
-              <a:ext uri="{FF2B5EF4-FFF2-40B4-BE49-F238E27FC236}">
-                <a16:creationId xmlns:a16="http://schemas.microsoft.com/office/drawing/2014/main" id="{95D79E09-6E77-4F87-B358-F18D99FA343D}"/>
-              </a:ext>
-            </a:extLst>
-          </p:cNvPr>
-          <p:cNvSpPr>
-            <a:spLocks noGrp="1"/>
-          </p:cNvSpPr>
-          <p:nvPr>
-            <p:ph type="title"/>
-          </p:nvPr>
-        </p:nvSpPr>
-        <p:spPr>
-          <a:xfrm>
-            <a:off x="773934" y="425128"/>
-            <a:ext cx="9018070" cy="1325563"/>
-          </a:xfrm>
-          <a:noFill/>
-          <a:ln w="76200">
-            <a:solidFill>
-              <a:srgbClr val="11B29F"/>
-            </a:solidFill>
-          </a:ln>
-        </p:spPr>
-        <p:txBody>
-          <a:bodyPr/>
-          <a:lstStyle/>
-          <a:p>
-            <a:pPr algn="ctr"/>
-            <a:r>
-              <a:rPr lang="en-US" dirty="0">
-                <a:solidFill>
-                  <a:srgbClr val="404040"/>
-                </a:solidFill>
-                <a:latin typeface="Bodoni MT" panose="02070603080606020203" pitchFamily="18" charset="0"/>
-              </a:rPr>
-              <a:t>Shortest Route Problem</a:t>
-            </a:r>
-          </a:p>
-        </p:txBody>
-      </p:sp>
-      <p:pic>
-        <p:nvPicPr>
-          <p:cNvPr id="5" name="Content Placeholder 4" descr="A picture containing cage&#10;&#10;Description automatically generated">
-            <a:extLst>
-              <a:ext uri="{FF2B5EF4-FFF2-40B4-BE49-F238E27FC236}">
-                <a16:creationId xmlns:a16="http://schemas.microsoft.com/office/drawing/2014/main" id="{EF817497-4F98-4236-83EE-74FD8376B077}"/>
-              </a:ext>
-            </a:extLst>
-          </p:cNvPr>
-          <p:cNvPicPr>
-            <a:picLocks noGrp="1" noChangeAspect="1"/>
-          </p:cNvPicPr>
-          <p:nvPr>
-            <p:ph idx="1"/>
-          </p:nvPr>
-        </p:nvPicPr>
-        <p:blipFill>
-          <a:blip r:embed="rId3">
-            <a:extLst>
-              <a:ext uri="{28A0092B-C50C-407E-A947-70E740481C1C}">
-                <a14:useLocalDpi xmlns:a14="http://schemas.microsoft.com/office/drawing/2010/main" val="0"/>
-              </a:ext>
-            </a:extLst>
-          </a:blip>
-          <a:stretch>
-            <a:fillRect/>
-          </a:stretch>
-        </p:blipFill>
-        <p:spPr>
-          <a:xfrm>
-            <a:off x="9887140" y="47697"/>
-            <a:ext cx="2143125" cy="2143125"/>
-          </a:xfrm>
-        </p:spPr>
-      </p:pic>
-      <p:sp>
-        <p:nvSpPr>
-          <p:cNvPr id="17" name="Rectangle 16">
-            <a:extLst>
-              <a:ext uri="{FF2B5EF4-FFF2-40B4-BE49-F238E27FC236}">
-                <a16:creationId xmlns:a16="http://schemas.microsoft.com/office/drawing/2014/main" id="{C723ED3C-F5E6-4121-9EF2-DD9574E1A49F}"/>
-              </a:ext>
-            </a:extLst>
-          </p:cNvPr>
-          <p:cNvSpPr/>
-          <p:nvPr/>
-        </p:nvSpPr>
-        <p:spPr>
-          <a:xfrm>
-            <a:off x="10085294" y="2008116"/>
-            <a:ext cx="1776920" cy="76178"/>
-          </a:xfrm>
-          <a:prstGeom prst="rect">
-            <a:avLst/>
-          </a:prstGeom>
-          <a:solidFill>
-            <a:srgbClr val="11B29F"/>
-          </a:solidFill>
-          <a:ln>
-            <a:noFill/>
-          </a:ln>
-        </p:spPr>
-        <p:style>
-          <a:lnRef idx="2">
-            <a:schemeClr val="accent1">
-              <a:shade val="50000"/>
-            </a:schemeClr>
-          </a:lnRef>
-          <a:fillRef idx="1">
-            <a:schemeClr val="accent1"/>
-          </a:fillRef>
-          <a:effectRef idx="0">
-            <a:schemeClr val="accent1"/>
-          </a:effectRef>
-          <a:fontRef idx="minor">
-            <a:schemeClr val="lt1"/>
-          </a:fontRef>
-        </p:style>
-        <p:txBody>
-          <a:bodyPr rtlCol="0" anchor="ctr"/>
-          <a:lstStyle/>
-          <a:p>
-            <a:pPr algn="ctr"/>
-            <a:endParaRPr lang="en-US"/>
-          </a:p>
-        </p:txBody>
-      </p:sp>
-      <p:sp>
-        <p:nvSpPr>
-          <p:cNvPr id="21" name="Rectangle 20">
-            <a:extLst>
-              <a:ext uri="{FF2B5EF4-FFF2-40B4-BE49-F238E27FC236}">
-                <a16:creationId xmlns:a16="http://schemas.microsoft.com/office/drawing/2014/main" id="{F9E0EC60-66D4-4536-A867-30142339BAA7}"/>
-              </a:ext>
-            </a:extLst>
-          </p:cNvPr>
-          <p:cNvSpPr/>
-          <p:nvPr/>
-        </p:nvSpPr>
-        <p:spPr>
-          <a:xfrm>
-            <a:off x="10085294" y="2129819"/>
-            <a:ext cx="1776920" cy="76178"/>
-          </a:xfrm>
-          <a:prstGeom prst="rect">
-            <a:avLst/>
-          </a:prstGeom>
-          <a:solidFill>
-            <a:srgbClr val="A71B86"/>
-          </a:solidFill>
-          <a:ln>
-            <a:noFill/>
-          </a:ln>
-        </p:spPr>
-        <p:style>
-          <a:lnRef idx="2">
-            <a:schemeClr val="accent1">
-              <a:shade val="50000"/>
-            </a:schemeClr>
-          </a:lnRef>
-          <a:fillRef idx="1">
-            <a:schemeClr val="accent1"/>
-          </a:fillRef>
-          <a:effectRef idx="0">
-            <a:schemeClr val="accent1"/>
-          </a:effectRef>
-          <a:fontRef idx="minor">
-            <a:schemeClr val="lt1"/>
-          </a:fontRef>
-        </p:style>
-        <p:txBody>
-          <a:bodyPr rtlCol="0" anchor="ctr"/>
-          <a:lstStyle/>
-          <a:p>
-            <a:pPr algn="ctr"/>
-            <a:endParaRPr lang="en-US"/>
-          </a:p>
-        </p:txBody>
-      </p:sp>
-      <p:sp>
-        <p:nvSpPr>
-          <p:cNvPr id="22" name="Rectangle 21">
-            <a:extLst>
-              <a:ext uri="{FF2B5EF4-FFF2-40B4-BE49-F238E27FC236}">
-                <a16:creationId xmlns:a16="http://schemas.microsoft.com/office/drawing/2014/main" id="{F95AED49-24A8-4D10-9D31-F944565EC1B2}"/>
-              </a:ext>
-            </a:extLst>
-          </p:cNvPr>
-          <p:cNvSpPr/>
-          <p:nvPr/>
-        </p:nvSpPr>
-        <p:spPr>
-          <a:xfrm>
-            <a:off x="10085294" y="2251522"/>
-            <a:ext cx="1776920" cy="150200"/>
-          </a:xfrm>
-          <a:prstGeom prst="rect">
-            <a:avLst/>
-          </a:prstGeom>
-          <a:solidFill>
-            <a:srgbClr val="11B29F"/>
-          </a:solidFill>
-          <a:ln>
-            <a:noFill/>
-          </a:ln>
-        </p:spPr>
-        <p:style>
-          <a:lnRef idx="2">
-            <a:schemeClr val="accent1">
-              <a:shade val="50000"/>
-            </a:schemeClr>
-          </a:lnRef>
-          <a:fillRef idx="1">
-            <a:schemeClr val="accent1"/>
-          </a:fillRef>
-          <a:effectRef idx="0">
-            <a:schemeClr val="accent1"/>
-          </a:effectRef>
-          <a:fontRef idx="minor">
-            <a:schemeClr val="lt1"/>
-          </a:fontRef>
-        </p:style>
-        <p:txBody>
-          <a:bodyPr rtlCol="0" anchor="ctr"/>
-          <a:lstStyle/>
-          <a:p>
-            <a:pPr algn="ctr"/>
-            <a:endParaRPr lang="en-US"/>
-          </a:p>
-        </p:txBody>
-      </p:sp>
-      <p:sp>
-        <p:nvSpPr>
-          <p:cNvPr id="24" name="Rectangle 23">
-            <a:extLst>
-              <a:ext uri="{FF2B5EF4-FFF2-40B4-BE49-F238E27FC236}">
-                <a16:creationId xmlns:a16="http://schemas.microsoft.com/office/drawing/2014/main" id="{993D5826-407C-4F65-BE3A-EB593B942A36}"/>
-              </a:ext>
-            </a:extLst>
-          </p:cNvPr>
-          <p:cNvSpPr/>
-          <p:nvPr/>
-        </p:nvSpPr>
-        <p:spPr>
-          <a:xfrm>
-            <a:off x="10085294" y="2447247"/>
-            <a:ext cx="1776920" cy="150200"/>
-          </a:xfrm>
-          <a:prstGeom prst="rect">
-            <a:avLst/>
-          </a:prstGeom>
-          <a:solidFill>
-            <a:srgbClr val="A71B86"/>
-          </a:solidFill>
-          <a:ln>
-            <a:noFill/>
-          </a:ln>
-        </p:spPr>
-        <p:style>
-          <a:lnRef idx="2">
-            <a:schemeClr val="accent1">
-              <a:shade val="50000"/>
-            </a:schemeClr>
-          </a:lnRef>
-          <a:fillRef idx="1">
-            <a:schemeClr val="accent1"/>
-          </a:fillRef>
-          <a:effectRef idx="0">
-            <a:schemeClr val="accent1"/>
-          </a:effectRef>
-          <a:fontRef idx="minor">
-            <a:schemeClr val="lt1"/>
-          </a:fontRef>
-        </p:style>
-        <p:txBody>
-          <a:bodyPr rtlCol="0" anchor="ctr"/>
-          <a:lstStyle/>
-          <a:p>
-            <a:pPr algn="ctr"/>
-            <a:endParaRPr lang="en-US"/>
-          </a:p>
-        </p:txBody>
-      </p:sp>
-      <p:sp>
-        <p:nvSpPr>
-          <p:cNvPr id="25" name="Rectangle 24">
-            <a:extLst>
-              <a:ext uri="{FF2B5EF4-FFF2-40B4-BE49-F238E27FC236}">
-                <a16:creationId xmlns:a16="http://schemas.microsoft.com/office/drawing/2014/main" id="{D2785A94-4D0B-4559-9303-3C963AA0EF9A}"/>
-              </a:ext>
-            </a:extLst>
-          </p:cNvPr>
-          <p:cNvSpPr/>
-          <p:nvPr/>
-        </p:nvSpPr>
-        <p:spPr>
-          <a:xfrm>
-            <a:off x="10085294" y="2642972"/>
-            <a:ext cx="1776920" cy="362446"/>
-          </a:xfrm>
-          <a:prstGeom prst="rect">
-            <a:avLst/>
-          </a:prstGeom>
-          <a:solidFill>
-            <a:srgbClr val="11B29F"/>
-          </a:solidFill>
-          <a:ln>
-            <a:noFill/>
-          </a:ln>
-        </p:spPr>
-        <p:style>
-          <a:lnRef idx="2">
-            <a:schemeClr val="accent1">
-              <a:shade val="50000"/>
-            </a:schemeClr>
-          </a:lnRef>
-          <a:fillRef idx="1">
-            <a:schemeClr val="accent1"/>
-          </a:fillRef>
-          <a:effectRef idx="0">
-            <a:schemeClr val="accent1"/>
-          </a:effectRef>
-          <a:fontRef idx="minor">
-            <a:schemeClr val="lt1"/>
-          </a:fontRef>
-        </p:style>
-        <p:txBody>
-          <a:bodyPr rtlCol="0" anchor="ctr"/>
-          <a:lstStyle/>
-          <a:p>
-            <a:pPr algn="ctr"/>
-            <a:endParaRPr lang="en-US"/>
-          </a:p>
-        </p:txBody>
-      </p:sp>
-      <p:sp>
-        <p:nvSpPr>
-          <p:cNvPr id="26" name="Rectangle 25">
-            <a:extLst>
-              <a:ext uri="{FF2B5EF4-FFF2-40B4-BE49-F238E27FC236}">
-                <a16:creationId xmlns:a16="http://schemas.microsoft.com/office/drawing/2014/main" id="{B235F2E9-4558-433D-9527-7EFF5C5E78A8}"/>
-              </a:ext>
-            </a:extLst>
-          </p:cNvPr>
-          <p:cNvSpPr/>
-          <p:nvPr/>
-        </p:nvSpPr>
-        <p:spPr>
-          <a:xfrm>
-            <a:off x="10085294" y="3050943"/>
-            <a:ext cx="1776920" cy="362446"/>
-          </a:xfrm>
-          <a:prstGeom prst="rect">
-            <a:avLst/>
-          </a:prstGeom>
-          <a:solidFill>
-            <a:srgbClr val="A71B86"/>
-          </a:solidFill>
-          <a:ln>
-            <a:noFill/>
-          </a:ln>
-        </p:spPr>
-        <p:style>
-          <a:lnRef idx="2">
-            <a:schemeClr val="accent1">
-              <a:shade val="50000"/>
-            </a:schemeClr>
-          </a:lnRef>
-          <a:fillRef idx="1">
-            <a:schemeClr val="accent1"/>
-          </a:fillRef>
-          <a:effectRef idx="0">
-            <a:schemeClr val="accent1"/>
-          </a:effectRef>
-          <a:fontRef idx="minor">
-            <a:schemeClr val="lt1"/>
-          </a:fontRef>
-        </p:style>
-        <p:txBody>
-          <a:bodyPr rtlCol="0" anchor="ctr"/>
-          <a:lstStyle/>
-          <a:p>
-            <a:pPr algn="ctr"/>
-            <a:endParaRPr lang="en-US"/>
-          </a:p>
-        </p:txBody>
-      </p:sp>
-      <p:sp>
-        <p:nvSpPr>
-          <p:cNvPr id="27" name="Rectangle 26">
-            <a:extLst>
-              <a:ext uri="{FF2B5EF4-FFF2-40B4-BE49-F238E27FC236}">
-                <a16:creationId xmlns:a16="http://schemas.microsoft.com/office/drawing/2014/main" id="{99613B87-411B-4008-BF30-F1A3B8F247B5}"/>
-              </a:ext>
-            </a:extLst>
-          </p:cNvPr>
-          <p:cNvSpPr/>
-          <p:nvPr/>
-        </p:nvSpPr>
-        <p:spPr>
-          <a:xfrm>
-            <a:off x="10085294" y="3490136"/>
-            <a:ext cx="1776920" cy="3367864"/>
-          </a:xfrm>
-          <a:prstGeom prst="rect">
-            <a:avLst/>
-          </a:prstGeom>
-          <a:solidFill>
-            <a:srgbClr val="11B29F"/>
-          </a:solidFill>
-          <a:ln>
-            <a:noFill/>
-          </a:ln>
-        </p:spPr>
-        <p:style>
-          <a:lnRef idx="2">
-            <a:schemeClr val="accent1">
-              <a:shade val="50000"/>
-            </a:schemeClr>
-          </a:lnRef>
-          <a:fillRef idx="1">
-            <a:schemeClr val="accent1"/>
-          </a:fillRef>
-          <a:effectRef idx="0">
-            <a:schemeClr val="accent1"/>
-          </a:effectRef>
-          <a:fontRef idx="minor">
-            <a:schemeClr val="lt1"/>
-          </a:fontRef>
-        </p:style>
-        <p:txBody>
-          <a:bodyPr rtlCol="0" anchor="ctr"/>
-          <a:lstStyle/>
-          <a:p>
-            <a:pPr algn="ctr"/>
-            <a:endParaRPr lang="en-US"/>
-          </a:p>
-        </p:txBody>
-      </p:sp>
-      <p:sp>
-        <p:nvSpPr>
-          <p:cNvPr id="32" name="Rectangle 31">
-            <a:extLst>
-              <a:ext uri="{FF2B5EF4-FFF2-40B4-BE49-F238E27FC236}">
-                <a16:creationId xmlns:a16="http://schemas.microsoft.com/office/drawing/2014/main" id="{145B3BD2-B1C1-4ED2-A4E0-5E17DD3736F1}"/>
-              </a:ext>
-            </a:extLst>
-          </p:cNvPr>
-          <p:cNvSpPr/>
-          <p:nvPr/>
-        </p:nvSpPr>
-        <p:spPr>
-          <a:xfrm rot="19800000">
-            <a:off x="-765351" y="385789"/>
-            <a:ext cx="4026751" cy="269178"/>
-          </a:xfrm>
-          <a:prstGeom prst="rect">
-            <a:avLst/>
-          </a:prstGeom>
-          <a:solidFill>
-            <a:srgbClr val="A71B86"/>
-          </a:solidFill>
-          <a:ln>
-            <a:noFill/>
-          </a:ln>
-        </p:spPr>
-        <p:style>
-          <a:lnRef idx="2">
-            <a:schemeClr val="accent1">
-              <a:shade val="50000"/>
-            </a:schemeClr>
-          </a:lnRef>
-          <a:fillRef idx="1">
-            <a:schemeClr val="accent1"/>
-          </a:fillRef>
-          <a:effectRef idx="0">
-            <a:schemeClr val="accent1"/>
-          </a:effectRef>
-          <a:fontRef idx="minor">
-            <a:schemeClr val="lt1"/>
-          </a:fontRef>
-        </p:style>
-        <p:txBody>
-          <a:bodyPr rtlCol="0" anchor="ctr"/>
-          <a:lstStyle/>
-          <a:p>
-            <a:pPr algn="ctr"/>
-            <a:endParaRPr lang="en-US"/>
-          </a:p>
-        </p:txBody>
-      </p:sp>
-      <p:sp>
-        <p:nvSpPr>
-          <p:cNvPr id="33" name="Rectangle 32">
-            <a:extLst>
-              <a:ext uri="{FF2B5EF4-FFF2-40B4-BE49-F238E27FC236}">
-                <a16:creationId xmlns:a16="http://schemas.microsoft.com/office/drawing/2014/main" id="{DC3B2826-65DD-408B-8F18-8CCD6C052D8D}"/>
-              </a:ext>
-            </a:extLst>
-          </p:cNvPr>
-          <p:cNvSpPr/>
-          <p:nvPr/>
-        </p:nvSpPr>
-        <p:spPr>
-          <a:xfrm rot="19800000">
-            <a:off x="9257156" y="6226296"/>
-            <a:ext cx="4026751" cy="269178"/>
-          </a:xfrm>
-          <a:prstGeom prst="rect">
-            <a:avLst/>
-          </a:prstGeom>
-          <a:solidFill>
-            <a:srgbClr val="A71B86"/>
-          </a:solidFill>
-          <a:ln>
-            <a:noFill/>
-          </a:ln>
-        </p:spPr>
-        <p:style>
-          <a:lnRef idx="2">
-            <a:schemeClr val="accent1">
-              <a:shade val="50000"/>
-            </a:schemeClr>
-          </a:lnRef>
-          <a:fillRef idx="1">
-            <a:schemeClr val="accent1"/>
-          </a:fillRef>
-          <a:effectRef idx="0">
-            <a:schemeClr val="accent1"/>
-          </a:effectRef>
-          <a:fontRef idx="minor">
-            <a:schemeClr val="lt1"/>
-          </a:fontRef>
-        </p:style>
-        <p:txBody>
-          <a:bodyPr rtlCol="0" anchor="ctr"/>
-          <a:lstStyle/>
-          <a:p>
-            <a:pPr algn="ctr"/>
-            <a:endParaRPr lang="en-US"/>
-          </a:p>
-        </p:txBody>
-      </p:sp>
-      <p:sp>
-        <p:nvSpPr>
-          <p:cNvPr id="35" name="Rectangle 34">
-            <a:extLst>
-              <a:ext uri="{FF2B5EF4-FFF2-40B4-BE49-F238E27FC236}">
-                <a16:creationId xmlns:a16="http://schemas.microsoft.com/office/drawing/2014/main" id="{4935F901-F632-4698-8C7A-AC29B2397A6C}"/>
-              </a:ext>
-            </a:extLst>
-          </p:cNvPr>
-          <p:cNvSpPr/>
-          <p:nvPr/>
-        </p:nvSpPr>
-        <p:spPr>
-          <a:xfrm rot="19800000">
-            <a:off x="8263809" y="5824178"/>
-            <a:ext cx="4731177" cy="269178"/>
-          </a:xfrm>
-          <a:prstGeom prst="rect">
-            <a:avLst/>
-          </a:prstGeom>
-          <a:solidFill>
-            <a:srgbClr val="A71B86"/>
-          </a:solidFill>
-          <a:ln>
-            <a:noFill/>
-          </a:ln>
-        </p:spPr>
-        <p:style>
-          <a:lnRef idx="2">
-            <a:schemeClr val="accent1">
-              <a:shade val="50000"/>
-            </a:schemeClr>
-          </a:lnRef>
-          <a:fillRef idx="1">
-            <a:schemeClr val="accent1"/>
-          </a:fillRef>
-          <a:effectRef idx="0">
-            <a:schemeClr val="accent1"/>
-          </a:effectRef>
-          <a:fontRef idx="minor">
-            <a:schemeClr val="lt1"/>
-          </a:fontRef>
-        </p:style>
-        <p:txBody>
-          <a:bodyPr rtlCol="0" anchor="ctr"/>
-          <a:lstStyle/>
-          <a:p>
-            <a:pPr algn="ctr"/>
-            <a:endParaRPr lang="en-US"/>
-          </a:p>
-        </p:txBody>
-      </p:sp>
-      <p:sp>
-        <p:nvSpPr>
-          <p:cNvPr id="36" name="TextBox 35">
-            <a:extLst>
-              <a:ext uri="{FF2B5EF4-FFF2-40B4-BE49-F238E27FC236}">
-                <a16:creationId xmlns:a16="http://schemas.microsoft.com/office/drawing/2014/main" id="{389720C5-6DCB-428D-8C4F-A02DEC239333}"/>
-              </a:ext>
-            </a:extLst>
-          </p:cNvPr>
-          <p:cNvSpPr txBox="1"/>
-          <p:nvPr/>
-        </p:nvSpPr>
-        <p:spPr>
-          <a:xfrm>
-            <a:off x="773934" y="1947592"/>
-            <a:ext cx="9048941" cy="4401205"/>
-          </a:xfrm>
-          <a:prstGeom prst="rect">
-            <a:avLst/>
-          </a:prstGeom>
-          <a:noFill/>
-        </p:spPr>
-        <p:txBody>
-          <a:bodyPr wrap="square" rtlCol="0">
-            <a:spAutoFit/>
-          </a:bodyPr>
-          <a:lstStyle/>
-          <a:p>
-            <a:pPr marL="285750" indent="-285750">
-              <a:buFont typeface="Arial" panose="020B0604020202020204" pitchFamily="34" charset="0"/>
-              <a:buChar char="•"/>
-            </a:pPr>
-            <a:r>
-              <a:rPr lang="en-US" sz="2000" dirty="0">
-                <a:solidFill>
-                  <a:srgbClr val="404040"/>
-                </a:solidFill>
-                <a:latin typeface="Corbel" panose="020B0503020204020204" pitchFamily="34" charset="0"/>
-              </a:rPr>
-              <a:t>We want to reformulate the problem as a linear program</a:t>
-            </a:r>
-          </a:p>
-          <a:p>
-            <a:pPr marL="285750" indent="-285750">
-              <a:buFont typeface="Arial" panose="020B0604020202020204" pitchFamily="34" charset="0"/>
-              <a:buChar char="•"/>
-            </a:pPr>
-            <a:endParaRPr lang="en-US" sz="2000" dirty="0">
-              <a:solidFill>
-                <a:srgbClr val="404040"/>
-              </a:solidFill>
-              <a:latin typeface="Corbel" panose="020B0503020204020204" pitchFamily="34" charset="0"/>
-            </a:endParaRPr>
-          </a:p>
-          <a:p>
-            <a:pPr marL="285750" indent="-285750">
-              <a:buFont typeface="Arial" panose="020B0604020202020204" pitchFamily="34" charset="0"/>
-              <a:buChar char="•"/>
-            </a:pPr>
-            <a:r>
-              <a:rPr lang="en-US" sz="2000" dirty="0">
-                <a:solidFill>
-                  <a:srgbClr val="404040"/>
-                </a:solidFill>
-                <a:latin typeface="Corbel" panose="020B0503020204020204" pitchFamily="34" charset="0"/>
-              </a:rPr>
-              <a:t>The origin in the shortest route problem can be thought of as a single </a:t>
-            </a:r>
-            <a:r>
-              <a:rPr lang="en-US" sz="2000" dirty="0">
-                <a:solidFill>
-                  <a:srgbClr val="A71B86"/>
-                </a:solidFill>
-                <a:latin typeface="Corbel" panose="020B0503020204020204" pitchFamily="34" charset="0"/>
-              </a:rPr>
-              <a:t>supply</a:t>
-            </a:r>
-            <a:r>
-              <a:rPr lang="en-US" sz="2000" dirty="0">
-                <a:solidFill>
-                  <a:srgbClr val="404040"/>
-                </a:solidFill>
-                <a:latin typeface="Corbel" panose="020B0503020204020204" pitchFamily="34" charset="0"/>
-              </a:rPr>
-              <a:t> node</a:t>
-            </a:r>
-          </a:p>
-          <a:p>
-            <a:pPr marL="285750" indent="-285750">
-              <a:buFont typeface="Arial" panose="020B0604020202020204" pitchFamily="34" charset="0"/>
-              <a:buChar char="•"/>
-            </a:pPr>
-            <a:endParaRPr lang="en-US" sz="2000" dirty="0">
-              <a:solidFill>
-                <a:srgbClr val="404040"/>
-              </a:solidFill>
-              <a:latin typeface="Corbel" panose="020B0503020204020204" pitchFamily="34" charset="0"/>
-            </a:endParaRPr>
-          </a:p>
-          <a:p>
-            <a:pPr marL="285750" indent="-285750">
-              <a:buFont typeface="Arial" panose="020B0604020202020204" pitchFamily="34" charset="0"/>
-              <a:buChar char="•"/>
-            </a:pPr>
-            <a:r>
-              <a:rPr lang="en-US" sz="2000" dirty="0">
-                <a:solidFill>
-                  <a:srgbClr val="404040"/>
-                </a:solidFill>
-                <a:latin typeface="Corbel" panose="020B0503020204020204" pitchFamily="34" charset="0"/>
-              </a:rPr>
-              <a:t>The other nodes can be thought of as </a:t>
-            </a:r>
-            <a:r>
-              <a:rPr lang="en-US" sz="2000" dirty="0">
-                <a:solidFill>
-                  <a:srgbClr val="A71B86"/>
-                </a:solidFill>
-                <a:latin typeface="Corbel" panose="020B0503020204020204" pitchFamily="34" charset="0"/>
-              </a:rPr>
-              <a:t>demand</a:t>
-            </a:r>
-            <a:r>
-              <a:rPr lang="en-US" sz="2000" dirty="0">
-                <a:solidFill>
-                  <a:srgbClr val="404040"/>
-                </a:solidFill>
-                <a:latin typeface="Corbel" panose="020B0503020204020204" pitchFamily="34" charset="0"/>
-              </a:rPr>
-              <a:t> nodes</a:t>
-            </a:r>
-          </a:p>
-          <a:p>
-            <a:pPr marL="285750" indent="-285750">
-              <a:buFont typeface="Arial" panose="020B0604020202020204" pitchFamily="34" charset="0"/>
-              <a:buChar char="•"/>
-            </a:pPr>
-            <a:endParaRPr lang="en-US" sz="2000" dirty="0">
-              <a:solidFill>
-                <a:srgbClr val="404040"/>
-              </a:solidFill>
-              <a:latin typeface="Corbel" panose="020B0503020204020204" pitchFamily="34" charset="0"/>
-            </a:endParaRPr>
-          </a:p>
-          <a:p>
-            <a:pPr marL="285750" indent="-285750">
-              <a:buFont typeface="Arial" panose="020B0604020202020204" pitchFamily="34" charset="0"/>
-              <a:buChar char="•"/>
-            </a:pPr>
-            <a:r>
-              <a:rPr lang="en-US" sz="2000" dirty="0">
-                <a:solidFill>
-                  <a:srgbClr val="404040"/>
-                </a:solidFill>
-                <a:latin typeface="Corbel" panose="020B0503020204020204" pitchFamily="34" charset="0"/>
-              </a:rPr>
-              <a:t>Source has supply equal to the number of nodes in the graph minus one (itself)</a:t>
-            </a:r>
-          </a:p>
-          <a:p>
-            <a:pPr marL="285750" indent="-285750">
-              <a:buFont typeface="Arial" panose="020B0604020202020204" pitchFamily="34" charset="0"/>
-              <a:buChar char="•"/>
-            </a:pPr>
-            <a:endParaRPr lang="en-US" sz="2000" dirty="0">
-              <a:solidFill>
-                <a:srgbClr val="404040"/>
-              </a:solidFill>
-              <a:latin typeface="Corbel" panose="020B0503020204020204" pitchFamily="34" charset="0"/>
-            </a:endParaRPr>
-          </a:p>
-          <a:p>
-            <a:pPr marL="285750" indent="-285750">
-              <a:buFont typeface="Arial" panose="020B0604020202020204" pitchFamily="34" charset="0"/>
-              <a:buChar char="•"/>
-            </a:pPr>
-            <a:r>
-              <a:rPr lang="en-US" sz="2000" dirty="0">
-                <a:solidFill>
-                  <a:srgbClr val="404040"/>
-                </a:solidFill>
-                <a:latin typeface="Corbel" panose="020B0503020204020204" pitchFamily="34" charset="0"/>
-              </a:rPr>
-              <a:t>Each demand node requires a single unit</a:t>
-            </a:r>
-          </a:p>
-          <a:p>
-            <a:pPr marL="285750" indent="-285750">
-              <a:buFont typeface="Arial" panose="020B0604020202020204" pitchFamily="34" charset="0"/>
-              <a:buChar char="•"/>
-            </a:pPr>
-            <a:endParaRPr lang="en-US" sz="2000" dirty="0">
-              <a:solidFill>
-                <a:srgbClr val="404040"/>
-              </a:solidFill>
-              <a:latin typeface="Corbel" panose="020B0503020204020204" pitchFamily="34" charset="0"/>
-            </a:endParaRPr>
-          </a:p>
-          <a:p>
-            <a:pPr marL="285750" indent="-285750">
-              <a:buFont typeface="Arial" panose="020B0604020202020204" pitchFamily="34" charset="0"/>
-              <a:buChar char="•"/>
-            </a:pPr>
-            <a:r>
-              <a:rPr lang="en-US" sz="2000" dirty="0">
-                <a:solidFill>
-                  <a:srgbClr val="404040"/>
-                </a:solidFill>
-                <a:latin typeface="Corbel" panose="020B0503020204020204" pitchFamily="34" charset="0"/>
-              </a:rPr>
-              <a:t>Distance between nodes corresponds to transportation cost of that edge</a:t>
-            </a:r>
-          </a:p>
-          <a:p>
-            <a:pPr marL="285750" indent="-285750">
-              <a:buFont typeface="Arial" panose="020B0604020202020204" pitchFamily="34" charset="0"/>
-              <a:buChar char="•"/>
-            </a:pPr>
-            <a:endParaRPr lang="en-US" sz="2000" dirty="0">
-              <a:solidFill>
-                <a:srgbClr val="404040"/>
-              </a:solidFill>
-              <a:latin typeface="Corbel" panose="020B0503020204020204" pitchFamily="34" charset="0"/>
-            </a:endParaRPr>
-          </a:p>
-          <a:p>
-            <a:pPr marL="285750" indent="-285750">
-              <a:buFont typeface="Arial" panose="020B0604020202020204" pitchFamily="34" charset="0"/>
-              <a:buChar char="•"/>
-            </a:pPr>
-            <a:r>
-              <a:rPr lang="en-US" sz="2000" dirty="0">
-                <a:solidFill>
-                  <a:srgbClr val="404040"/>
-                </a:solidFill>
-                <a:latin typeface="Corbel" panose="020B0503020204020204" pitchFamily="34" charset="0"/>
-              </a:rPr>
-              <a:t>To reduce the number of variables, we assume units only flow in the direction of a higher node number</a:t>
-            </a:r>
-          </a:p>
-        </p:txBody>
-      </p:sp>
-      <p:pic>
-        <p:nvPicPr>
-          <p:cNvPr id="37" name="Graphic 36" descr="Palm tree">
-            <a:extLst>
-              <a:ext uri="{FF2B5EF4-FFF2-40B4-BE49-F238E27FC236}">
-                <a16:creationId xmlns:a16="http://schemas.microsoft.com/office/drawing/2014/main" id="{79F2EC1B-9713-4CCF-8301-82ED265F3940}"/>
-              </a:ext>
-            </a:extLst>
-          </p:cNvPr>
-          <p:cNvPicPr>
-            <a:picLocks noChangeAspect="1"/>
-          </p:cNvPicPr>
-          <p:nvPr/>
-        </p:nvPicPr>
-        <p:blipFill>
-          <a:blip r:embed="rId4">
-            <a:extLst>
-              <a:ext uri="{28A0092B-C50C-407E-A947-70E740481C1C}">
-                <a14:useLocalDpi xmlns:a14="http://schemas.microsoft.com/office/drawing/2010/main" val="0"/>
-              </a:ext>
-              <a:ext uri="{96DAC541-7B7A-43D3-8B79-37D633B846F1}">
-                <asvg:svgBlip xmlns:asvg="http://schemas.microsoft.com/office/drawing/2016/SVG/main" r:embed="rId5"/>
-              </a:ext>
-            </a:extLst>
-          </a:blip>
-          <a:stretch>
-            <a:fillRect/>
-          </a:stretch>
-        </p:blipFill>
-        <p:spPr>
-          <a:xfrm>
-            <a:off x="8964994" y="809490"/>
-            <a:ext cx="914400" cy="914400"/>
-          </a:xfrm>
-          <a:prstGeom prst="rect">
-            <a:avLst/>
-          </a:prstGeom>
-        </p:spPr>
-      </p:pic>
-      <p:pic>
-        <p:nvPicPr>
-          <p:cNvPr id="38" name="Graphic 37" descr="Palm tree">
-            <a:extLst>
-              <a:ext uri="{FF2B5EF4-FFF2-40B4-BE49-F238E27FC236}">
-                <a16:creationId xmlns:a16="http://schemas.microsoft.com/office/drawing/2014/main" id="{11C9CA6F-B5F0-4837-8E50-85C201ADA4F1}"/>
-              </a:ext>
-            </a:extLst>
-          </p:cNvPr>
-          <p:cNvPicPr>
-            <a:picLocks noChangeAspect="1"/>
-          </p:cNvPicPr>
-          <p:nvPr/>
-        </p:nvPicPr>
-        <p:blipFill>
-          <a:blip r:embed="rId4">
-            <a:extLst>
-              <a:ext uri="{28A0092B-C50C-407E-A947-70E740481C1C}">
-                <a14:useLocalDpi xmlns:a14="http://schemas.microsoft.com/office/drawing/2010/main" val="0"/>
-              </a:ext>
-              <a:ext uri="{96DAC541-7B7A-43D3-8B79-37D633B846F1}">
-                <asvg:svgBlip xmlns:asvg="http://schemas.microsoft.com/office/drawing/2016/SVG/main" r:embed="rId5"/>
-              </a:ext>
-            </a:extLst>
-          </a:blip>
-          <a:stretch>
-            <a:fillRect/>
-          </a:stretch>
-        </p:blipFill>
-        <p:spPr>
-          <a:xfrm>
-            <a:off x="8834542" y="1142112"/>
-            <a:ext cx="553133" cy="553133"/>
-          </a:xfrm>
-          <a:prstGeom prst="rect">
-            <a:avLst/>
-          </a:prstGeom>
-        </p:spPr>
-      </p:pic>
-      <p:pic>
-        <p:nvPicPr>
-          <p:cNvPr id="39" name="Graphic 38" descr="Palm tree">
-            <a:extLst>
-              <a:ext uri="{FF2B5EF4-FFF2-40B4-BE49-F238E27FC236}">
-                <a16:creationId xmlns:a16="http://schemas.microsoft.com/office/drawing/2014/main" id="{585AC1AD-01C8-4E2D-8361-4BEA62A48584}"/>
-              </a:ext>
-            </a:extLst>
-          </p:cNvPr>
-          <p:cNvPicPr>
-            <a:picLocks noChangeAspect="1"/>
-          </p:cNvPicPr>
-          <p:nvPr/>
-        </p:nvPicPr>
-        <p:blipFill>
-          <a:blip r:embed="rId4">
-            <a:extLst>
-              <a:ext uri="{28A0092B-C50C-407E-A947-70E740481C1C}">
-                <a14:useLocalDpi xmlns:a14="http://schemas.microsoft.com/office/drawing/2010/main" val="0"/>
-              </a:ext>
-              <a:ext uri="{96DAC541-7B7A-43D3-8B79-37D633B846F1}">
-                <asvg:svgBlip xmlns:asvg="http://schemas.microsoft.com/office/drawing/2016/SVG/main" r:embed="rId5"/>
-              </a:ext>
-            </a:extLst>
-          </a:blip>
-          <a:stretch>
-            <a:fillRect/>
-          </a:stretch>
-        </p:blipFill>
-        <p:spPr>
-          <a:xfrm>
-            <a:off x="9387675" y="1277468"/>
-            <a:ext cx="404329" cy="404329"/>
-          </a:xfrm>
-          <a:prstGeom prst="rect">
-            <a:avLst/>
-          </a:prstGeom>
-        </p:spPr>
-      </p:pic>
-      <mc:AlternateContent xmlns:mc="http://schemas.openxmlformats.org/markup-compatibility/2006">
-        <mc:Choice xmlns:a14="http://schemas.microsoft.com/office/drawing/2010/main" Requires="a14">
-          <p:sp>
-            <p:nvSpPr>
-              <p:cNvPr id="3" name="TextBox 2">
-                <a:extLst>
-                  <a:ext uri="{FF2B5EF4-FFF2-40B4-BE49-F238E27FC236}">
-                    <a16:creationId xmlns:a16="http://schemas.microsoft.com/office/drawing/2014/main" id="{A8BEE387-8DE3-4F24-A2EA-0CCC54425FF4}"/>
-                  </a:ext>
-                </a:extLst>
-              </p:cNvPr>
-              <p:cNvSpPr txBox="1"/>
-              <p:nvPr/>
-            </p:nvSpPr>
-            <p:spPr>
-              <a:xfrm>
-                <a:off x="1085775" y="6333300"/>
-                <a:ext cx="2271424" cy="424796"/>
-              </a:xfrm>
-              <a:prstGeom prst="rect">
-                <a:avLst/>
-              </a:prstGeom>
-              <a:noFill/>
-            </p:spPr>
-            <p:txBody>
-              <a:bodyPr wrap="square" rtlCol="0">
-                <a:spAutoFit/>
-              </a:bodyPr>
-              <a:lstStyle/>
-              <a:p>
-                <a:r>
-                  <a:rPr lang="en-US" sz="2000" dirty="0"/>
-                  <a:t>Ignore </a:t>
-                </a:r>
-                <a14:m>
-                  <m:oMath xmlns:m="http://schemas.openxmlformats.org/officeDocument/2006/math">
-                    <m:sSub>
-                      <m:sSubPr>
-                        <m:ctrlPr>
-                          <a:rPr lang="en-US" sz="2000" i="1">
-                            <a:solidFill>
-                              <a:srgbClr val="404040"/>
-                            </a:solidFill>
-                            <a:latin typeface="Cambria Math" panose="02040503050406030204" pitchFamily="18" charset="0"/>
-                          </a:rPr>
-                        </m:ctrlPr>
-                      </m:sSubPr>
-                      <m:e>
-                        <m:r>
-                          <a:rPr lang="en-US" sz="2000" i="1">
-                            <a:solidFill>
-                              <a:srgbClr val="404040"/>
-                            </a:solidFill>
-                            <a:latin typeface="Cambria Math" panose="02040503050406030204" pitchFamily="18" charset="0"/>
-                          </a:rPr>
-                          <m:t>𝑥</m:t>
-                        </m:r>
-                      </m:e>
-                      <m:sub>
-                        <m:r>
-                          <a:rPr lang="en-US" sz="2000" i="1">
-                            <a:solidFill>
-                              <a:srgbClr val="404040"/>
-                            </a:solidFill>
-                            <a:latin typeface="Cambria Math" panose="02040503050406030204" pitchFamily="18" charset="0"/>
-                          </a:rPr>
-                          <m:t>𝑖𝑗</m:t>
-                        </m:r>
-                      </m:sub>
-                    </m:sSub>
-                    <m:r>
-                      <a:rPr lang="en-US" sz="2000" i="1">
-                        <a:solidFill>
-                          <a:srgbClr val="404040"/>
-                        </a:solidFill>
-                        <a:latin typeface="Cambria Math" panose="02040503050406030204" pitchFamily="18" charset="0"/>
-                      </a:rPr>
-                      <m:t>  </m:t>
-                    </m:r>
-                    <m:r>
-                      <m:rPr>
-                        <m:sty m:val="p"/>
-                      </m:rPr>
-                      <a:rPr lang="en-US" sz="2000">
-                        <a:solidFill>
-                          <a:srgbClr val="404040"/>
-                        </a:solidFill>
-                        <a:latin typeface="Cambria Math" panose="02040503050406030204" pitchFamily="18" charset="0"/>
-                      </a:rPr>
-                      <m:t>if</m:t>
-                    </m:r>
-                    <m:r>
-                      <a:rPr lang="en-US" sz="2000" i="1">
-                        <a:solidFill>
-                          <a:srgbClr val="404040"/>
-                        </a:solidFill>
-                        <a:latin typeface="Cambria Math" panose="02040503050406030204" pitchFamily="18" charset="0"/>
-                      </a:rPr>
-                      <m:t>  </m:t>
-                    </m:r>
-                    <m:r>
-                      <a:rPr lang="en-US" sz="2000" i="1">
-                        <a:solidFill>
-                          <a:srgbClr val="404040"/>
-                        </a:solidFill>
-                        <a:latin typeface="Cambria Math" panose="02040503050406030204" pitchFamily="18" charset="0"/>
-                      </a:rPr>
-                      <m:t>𝑖</m:t>
-                    </m:r>
-                    <m:r>
-                      <a:rPr lang="en-US" sz="2000" i="1">
-                        <a:solidFill>
-                          <a:srgbClr val="404040"/>
-                        </a:solidFill>
-                        <a:latin typeface="Cambria Math" panose="02040503050406030204" pitchFamily="18" charset="0"/>
-                      </a:rPr>
-                      <m:t>≥</m:t>
-                    </m:r>
-                    <m:r>
-                      <a:rPr lang="en-US" sz="2000" i="1">
-                        <a:solidFill>
-                          <a:srgbClr val="404040"/>
-                        </a:solidFill>
-                        <a:latin typeface="Cambria Math" panose="02040503050406030204" pitchFamily="18" charset="0"/>
-                      </a:rPr>
-                      <m:t>𝑗</m:t>
-                    </m:r>
-                  </m:oMath>
-                </a14:m>
-                <a:r>
-                  <a:rPr lang="en-US" sz="2000" dirty="0"/>
-                  <a:t> </a:t>
-                </a:r>
-              </a:p>
-            </p:txBody>
-          </p:sp>
-        </mc:Choice>
-        <mc:Fallback>
-          <p:sp>
-            <p:nvSpPr>
-              <p:cNvPr id="3" name="TextBox 2">
-                <a:extLst>
-                  <a:ext uri="{FF2B5EF4-FFF2-40B4-BE49-F238E27FC236}">
-                    <a16:creationId xmlns:a16="http://schemas.microsoft.com/office/drawing/2014/main" id="{A8BEE387-8DE3-4F24-A2EA-0CCC54425FF4}"/>
-                  </a:ext>
-                </a:extLst>
-              </p:cNvPr>
-              <p:cNvSpPr txBox="1">
-                <a:spLocks noRot="1" noChangeAspect="1" noMove="1" noResize="1" noEditPoints="1" noAdjustHandles="1" noChangeArrowheads="1" noChangeShapeType="1" noTextEdit="1"/>
-              </p:cNvSpPr>
-              <p:nvPr/>
-            </p:nvSpPr>
-            <p:spPr>
-              <a:xfrm>
-                <a:off x="1085775" y="6333300"/>
-                <a:ext cx="2271424" cy="424796"/>
-              </a:xfrm>
-              <a:prstGeom prst="rect">
-                <a:avLst/>
-              </a:prstGeom>
-              <a:blipFill>
-                <a:blip r:embed="rId6"/>
-                <a:stretch>
-                  <a:fillRect l="-2681" t="-7143" b="-20000"/>
-                </a:stretch>
-              </a:blipFill>
-            </p:spPr>
-            <p:txBody>
-              <a:bodyPr/>
-              <a:lstStyle/>
-              <a:p>
-                <a:r>
-                  <a:rPr lang="en-US">
-                    <a:noFill/>
-                  </a:rPr>
-                  <a:t> </a:t>
-                </a:r>
-              </a:p>
-            </p:txBody>
-          </p:sp>
-        </mc:Fallback>
-      </mc:AlternateContent>
-    </p:spTree>
-    <p:extLst>
-      <p:ext uri="{BB962C8B-B14F-4D97-AF65-F5344CB8AC3E}">
-        <p14:creationId xmlns:p14="http://schemas.microsoft.com/office/powerpoint/2010/main" val="3097638881"/>
-      </p:ext>
-    </p:extLst>
-  </p:cSld>
-  <p:clrMapOvr>
-    <a:masterClrMapping/>
-  </p:clrMapOvr>
-</p:sld>
-</file>
-
-<file path=ppt/slides/slide22.xml><?xml version="1.0" encoding="utf-8"?>
-<p:sld xmlns:a="http://schemas.openxmlformats.org/drawingml/2006/main" xmlns:r="http://schemas.openxmlformats.org/officeDocument/2006/relationships" xmlns:p="http://schemas.openxmlformats.org/presentationml/2006/main">
-  <p:cSld>
-    <p:spTree>
-      <p:nvGrpSpPr>
-        <p:cNvPr id="1" name=""/>
-        <p:cNvGrpSpPr/>
-        <p:nvPr/>
-      </p:nvGrpSpPr>
-      <p:grpSpPr>
-        <a:xfrm>
-          <a:off x="0" y="0"/>
-          <a:ext cx="0" cy="0"/>
-          <a:chOff x="0" y="0"/>
-          <a:chExt cx="0" cy="0"/>
-        </a:xfrm>
-      </p:grpSpPr>
-      <p:sp>
-        <p:nvSpPr>
-          <p:cNvPr id="28" name="Rectangle 27">
-            <a:extLst>
-              <a:ext uri="{FF2B5EF4-FFF2-40B4-BE49-F238E27FC236}">
-                <a16:creationId xmlns:a16="http://schemas.microsoft.com/office/drawing/2014/main" id="{1568D3DA-67F7-464C-95FF-D7D56F4038D6}"/>
-              </a:ext>
-            </a:extLst>
-          </p:cNvPr>
-          <p:cNvSpPr/>
-          <p:nvPr/>
-        </p:nvSpPr>
-        <p:spPr>
-          <a:xfrm rot="19800000">
-            <a:off x="-597297" y="674901"/>
-            <a:ext cx="4026751" cy="269178"/>
-          </a:xfrm>
-          <a:prstGeom prst="rect">
-            <a:avLst/>
-          </a:prstGeom>
-          <a:solidFill>
-            <a:srgbClr val="A71B86"/>
-          </a:solidFill>
-          <a:ln>
-            <a:noFill/>
-          </a:ln>
-        </p:spPr>
-        <p:style>
-          <a:lnRef idx="2">
-            <a:schemeClr val="accent1">
-              <a:shade val="50000"/>
-            </a:schemeClr>
-          </a:lnRef>
-          <a:fillRef idx="1">
-            <a:schemeClr val="accent1"/>
-          </a:fillRef>
-          <a:effectRef idx="0">
-            <a:schemeClr val="accent1"/>
-          </a:effectRef>
-          <a:fontRef idx="minor">
-            <a:schemeClr val="lt1"/>
-          </a:fontRef>
-        </p:style>
-        <p:txBody>
-          <a:bodyPr rtlCol="0" anchor="ctr"/>
-          <a:lstStyle/>
-          <a:p>
-            <a:pPr algn="ctr"/>
-            <a:endParaRPr lang="en-US"/>
-          </a:p>
-        </p:txBody>
-      </p:sp>
-      <p:pic>
-        <p:nvPicPr>
-          <p:cNvPr id="11" name="Picture 10" descr="A large body of water&#10;&#10;Description automatically generated">
-            <a:extLst>
-              <a:ext uri="{FF2B5EF4-FFF2-40B4-BE49-F238E27FC236}">
-                <a16:creationId xmlns:a16="http://schemas.microsoft.com/office/drawing/2014/main" id="{B83B0471-BE25-41B4-B185-53BEB6528B89}"/>
-              </a:ext>
-            </a:extLst>
-          </p:cNvPr>
-          <p:cNvPicPr>
-            <a:picLocks noChangeAspect="1"/>
-          </p:cNvPicPr>
-          <p:nvPr/>
-        </p:nvPicPr>
-        <p:blipFill rotWithShape="1">
-          <a:blip r:embed="rId2">
-            <a:alphaModFix amt="20000"/>
-            <a:extLst>
-              <a:ext uri="{28A0092B-C50C-407E-A947-70E740481C1C}">
-                <a14:useLocalDpi xmlns:a14="http://schemas.microsoft.com/office/drawing/2010/main" val="0"/>
-              </a:ext>
-            </a:extLst>
-          </a:blip>
-          <a:srcRect t="34654" b="43573"/>
-          <a:stretch/>
-        </p:blipFill>
-        <p:spPr>
-          <a:xfrm>
-            <a:off x="773935" y="442465"/>
-            <a:ext cx="9018070" cy="1308226"/>
-          </a:xfrm>
-          <a:prstGeom prst="rect">
-            <a:avLst/>
-          </a:prstGeom>
-        </p:spPr>
-      </p:pic>
-      <p:sp>
-        <p:nvSpPr>
-          <p:cNvPr id="34" name="Rectangle 33">
-            <a:extLst>
-              <a:ext uri="{FF2B5EF4-FFF2-40B4-BE49-F238E27FC236}">
-                <a16:creationId xmlns:a16="http://schemas.microsoft.com/office/drawing/2014/main" id="{BFE7775A-1FAD-4E84-8B9E-DA4B39640B5E}"/>
-              </a:ext>
-            </a:extLst>
-          </p:cNvPr>
-          <p:cNvSpPr/>
-          <p:nvPr/>
-        </p:nvSpPr>
-        <p:spPr>
-          <a:xfrm rot="19800000">
-            <a:off x="9089102" y="5937184"/>
-            <a:ext cx="4026751" cy="269178"/>
-          </a:xfrm>
-          <a:prstGeom prst="rect">
-            <a:avLst/>
-          </a:prstGeom>
-          <a:solidFill>
-            <a:srgbClr val="A71B86"/>
-          </a:solidFill>
-          <a:ln>
-            <a:noFill/>
-          </a:ln>
-        </p:spPr>
-        <p:style>
-          <a:lnRef idx="2">
-            <a:schemeClr val="accent1">
-              <a:shade val="50000"/>
-            </a:schemeClr>
-          </a:lnRef>
-          <a:fillRef idx="1">
-            <a:schemeClr val="accent1"/>
-          </a:fillRef>
-          <a:effectRef idx="0">
-            <a:schemeClr val="accent1"/>
-          </a:effectRef>
-          <a:fontRef idx="minor">
-            <a:schemeClr val="lt1"/>
-          </a:fontRef>
-        </p:style>
-        <p:txBody>
-          <a:bodyPr rtlCol="0" anchor="ctr"/>
-          <a:lstStyle/>
-          <a:p>
-            <a:pPr algn="ctr"/>
-            <a:endParaRPr lang="en-US"/>
-          </a:p>
-        </p:txBody>
-      </p:sp>
-      <p:sp>
-        <p:nvSpPr>
-          <p:cNvPr id="2" name="Title 1">
-            <a:extLst>
-              <a:ext uri="{FF2B5EF4-FFF2-40B4-BE49-F238E27FC236}">
-                <a16:creationId xmlns:a16="http://schemas.microsoft.com/office/drawing/2014/main" id="{95D79E09-6E77-4F87-B358-F18D99FA343D}"/>
-              </a:ext>
-            </a:extLst>
-          </p:cNvPr>
-          <p:cNvSpPr>
-            <a:spLocks noGrp="1"/>
-          </p:cNvSpPr>
-          <p:nvPr>
-            <p:ph type="title"/>
-          </p:nvPr>
-        </p:nvSpPr>
-        <p:spPr>
-          <a:xfrm>
-            <a:off x="773934" y="425128"/>
-            <a:ext cx="9018070" cy="1325563"/>
-          </a:xfrm>
-          <a:noFill/>
-          <a:ln w="76200">
-            <a:solidFill>
-              <a:srgbClr val="11B29F"/>
-            </a:solidFill>
-          </a:ln>
-        </p:spPr>
-        <p:txBody>
-          <a:bodyPr/>
-          <a:lstStyle/>
-          <a:p>
-            <a:pPr algn="ctr"/>
-            <a:r>
-              <a:rPr lang="en-US" dirty="0">
-                <a:solidFill>
-                  <a:srgbClr val="404040"/>
-                </a:solidFill>
-                <a:latin typeface="Bodoni MT" panose="02070603080606020203" pitchFamily="18" charset="0"/>
-              </a:rPr>
-              <a:t>Ex: Shortest Shipping Route</a:t>
-            </a:r>
-          </a:p>
-        </p:txBody>
-      </p:sp>
-      <p:pic>
-        <p:nvPicPr>
-          <p:cNvPr id="5" name="Content Placeholder 4" descr="A picture containing cage&#10;&#10;Description automatically generated">
-            <a:extLst>
-              <a:ext uri="{FF2B5EF4-FFF2-40B4-BE49-F238E27FC236}">
-                <a16:creationId xmlns:a16="http://schemas.microsoft.com/office/drawing/2014/main" id="{EF817497-4F98-4236-83EE-74FD8376B077}"/>
-              </a:ext>
-            </a:extLst>
-          </p:cNvPr>
-          <p:cNvPicPr>
-            <a:picLocks noGrp="1" noChangeAspect="1"/>
-          </p:cNvPicPr>
-          <p:nvPr>
-            <p:ph idx="1"/>
-          </p:nvPr>
-        </p:nvPicPr>
-        <p:blipFill>
-          <a:blip r:embed="rId3">
-            <a:extLst>
-              <a:ext uri="{28A0092B-C50C-407E-A947-70E740481C1C}">
-                <a14:useLocalDpi xmlns:a14="http://schemas.microsoft.com/office/drawing/2010/main" val="0"/>
-              </a:ext>
-            </a:extLst>
-          </a:blip>
-          <a:stretch>
-            <a:fillRect/>
-          </a:stretch>
-        </p:blipFill>
-        <p:spPr>
-          <a:xfrm>
-            <a:off x="9887140" y="47697"/>
-            <a:ext cx="2143125" cy="2143125"/>
-          </a:xfrm>
-        </p:spPr>
-      </p:pic>
-      <p:sp>
-        <p:nvSpPr>
-          <p:cNvPr id="17" name="Rectangle 16">
-            <a:extLst>
-              <a:ext uri="{FF2B5EF4-FFF2-40B4-BE49-F238E27FC236}">
-                <a16:creationId xmlns:a16="http://schemas.microsoft.com/office/drawing/2014/main" id="{C723ED3C-F5E6-4121-9EF2-DD9574E1A49F}"/>
-              </a:ext>
-            </a:extLst>
-          </p:cNvPr>
-          <p:cNvSpPr/>
-          <p:nvPr/>
-        </p:nvSpPr>
-        <p:spPr>
-          <a:xfrm>
-            <a:off x="10085294" y="2008116"/>
-            <a:ext cx="1776920" cy="76178"/>
-          </a:xfrm>
-          <a:prstGeom prst="rect">
-            <a:avLst/>
-          </a:prstGeom>
-          <a:solidFill>
-            <a:srgbClr val="11B29F"/>
-          </a:solidFill>
-          <a:ln>
-            <a:noFill/>
-          </a:ln>
-        </p:spPr>
-        <p:style>
-          <a:lnRef idx="2">
-            <a:schemeClr val="accent1">
-              <a:shade val="50000"/>
-            </a:schemeClr>
-          </a:lnRef>
-          <a:fillRef idx="1">
-            <a:schemeClr val="accent1"/>
-          </a:fillRef>
-          <a:effectRef idx="0">
-            <a:schemeClr val="accent1"/>
-          </a:effectRef>
-          <a:fontRef idx="minor">
-            <a:schemeClr val="lt1"/>
-          </a:fontRef>
-        </p:style>
-        <p:txBody>
-          <a:bodyPr rtlCol="0" anchor="ctr"/>
-          <a:lstStyle/>
-          <a:p>
-            <a:pPr algn="ctr"/>
-            <a:endParaRPr lang="en-US"/>
-          </a:p>
-        </p:txBody>
-      </p:sp>
-      <p:sp>
-        <p:nvSpPr>
-          <p:cNvPr id="21" name="Rectangle 20">
-            <a:extLst>
-              <a:ext uri="{FF2B5EF4-FFF2-40B4-BE49-F238E27FC236}">
-                <a16:creationId xmlns:a16="http://schemas.microsoft.com/office/drawing/2014/main" id="{F9E0EC60-66D4-4536-A867-30142339BAA7}"/>
-              </a:ext>
-            </a:extLst>
-          </p:cNvPr>
-          <p:cNvSpPr/>
-          <p:nvPr/>
-        </p:nvSpPr>
-        <p:spPr>
-          <a:xfrm>
-            <a:off x="10085294" y="2129819"/>
-            <a:ext cx="1776920" cy="76178"/>
-          </a:xfrm>
-          <a:prstGeom prst="rect">
-            <a:avLst/>
-          </a:prstGeom>
-          <a:solidFill>
-            <a:srgbClr val="A71B86"/>
-          </a:solidFill>
-          <a:ln>
-            <a:noFill/>
-          </a:ln>
-        </p:spPr>
-        <p:style>
-          <a:lnRef idx="2">
-            <a:schemeClr val="accent1">
-              <a:shade val="50000"/>
-            </a:schemeClr>
-          </a:lnRef>
-          <a:fillRef idx="1">
-            <a:schemeClr val="accent1"/>
-          </a:fillRef>
-          <a:effectRef idx="0">
-            <a:schemeClr val="accent1"/>
-          </a:effectRef>
-          <a:fontRef idx="minor">
-            <a:schemeClr val="lt1"/>
-          </a:fontRef>
-        </p:style>
-        <p:txBody>
-          <a:bodyPr rtlCol="0" anchor="ctr"/>
-          <a:lstStyle/>
-          <a:p>
-            <a:pPr algn="ctr"/>
-            <a:endParaRPr lang="en-US"/>
-          </a:p>
-        </p:txBody>
-      </p:sp>
-      <p:sp>
-        <p:nvSpPr>
-          <p:cNvPr id="22" name="Rectangle 21">
-            <a:extLst>
-              <a:ext uri="{FF2B5EF4-FFF2-40B4-BE49-F238E27FC236}">
-                <a16:creationId xmlns:a16="http://schemas.microsoft.com/office/drawing/2014/main" id="{F95AED49-24A8-4D10-9D31-F944565EC1B2}"/>
-              </a:ext>
-            </a:extLst>
-          </p:cNvPr>
-          <p:cNvSpPr/>
-          <p:nvPr/>
-        </p:nvSpPr>
-        <p:spPr>
-          <a:xfrm>
-            <a:off x="10085294" y="2251522"/>
-            <a:ext cx="1776920" cy="150200"/>
-          </a:xfrm>
-          <a:prstGeom prst="rect">
-            <a:avLst/>
-          </a:prstGeom>
-          <a:solidFill>
-            <a:srgbClr val="11B29F"/>
-          </a:solidFill>
-          <a:ln>
-            <a:noFill/>
-          </a:ln>
-        </p:spPr>
-        <p:style>
-          <a:lnRef idx="2">
-            <a:schemeClr val="accent1">
-              <a:shade val="50000"/>
-            </a:schemeClr>
-          </a:lnRef>
-          <a:fillRef idx="1">
-            <a:schemeClr val="accent1"/>
-          </a:fillRef>
-          <a:effectRef idx="0">
-            <a:schemeClr val="accent1"/>
-          </a:effectRef>
-          <a:fontRef idx="minor">
-            <a:schemeClr val="lt1"/>
-          </a:fontRef>
-        </p:style>
-        <p:txBody>
-          <a:bodyPr rtlCol="0" anchor="ctr"/>
-          <a:lstStyle/>
-          <a:p>
-            <a:pPr algn="ctr"/>
-            <a:endParaRPr lang="en-US"/>
-          </a:p>
-        </p:txBody>
-      </p:sp>
-      <p:sp>
-        <p:nvSpPr>
-          <p:cNvPr id="24" name="Rectangle 23">
-            <a:extLst>
-              <a:ext uri="{FF2B5EF4-FFF2-40B4-BE49-F238E27FC236}">
-                <a16:creationId xmlns:a16="http://schemas.microsoft.com/office/drawing/2014/main" id="{993D5826-407C-4F65-BE3A-EB593B942A36}"/>
-              </a:ext>
-            </a:extLst>
-          </p:cNvPr>
-          <p:cNvSpPr/>
-          <p:nvPr/>
-        </p:nvSpPr>
-        <p:spPr>
-          <a:xfrm>
-            <a:off x="10085294" y="2447247"/>
-            <a:ext cx="1776920" cy="150200"/>
-          </a:xfrm>
-          <a:prstGeom prst="rect">
-            <a:avLst/>
-          </a:prstGeom>
-          <a:solidFill>
-            <a:srgbClr val="A71B86"/>
-          </a:solidFill>
-          <a:ln>
-            <a:noFill/>
-          </a:ln>
-        </p:spPr>
-        <p:style>
-          <a:lnRef idx="2">
-            <a:schemeClr val="accent1">
-              <a:shade val="50000"/>
-            </a:schemeClr>
-          </a:lnRef>
-          <a:fillRef idx="1">
-            <a:schemeClr val="accent1"/>
-          </a:fillRef>
-          <a:effectRef idx="0">
-            <a:schemeClr val="accent1"/>
-          </a:effectRef>
-          <a:fontRef idx="minor">
-            <a:schemeClr val="lt1"/>
-          </a:fontRef>
-        </p:style>
-        <p:txBody>
-          <a:bodyPr rtlCol="0" anchor="ctr"/>
-          <a:lstStyle/>
-          <a:p>
-            <a:pPr algn="ctr"/>
-            <a:endParaRPr lang="en-US"/>
-          </a:p>
-        </p:txBody>
-      </p:sp>
-      <p:sp>
-        <p:nvSpPr>
-          <p:cNvPr id="25" name="Rectangle 24">
-            <a:extLst>
-              <a:ext uri="{FF2B5EF4-FFF2-40B4-BE49-F238E27FC236}">
-                <a16:creationId xmlns:a16="http://schemas.microsoft.com/office/drawing/2014/main" id="{D2785A94-4D0B-4559-9303-3C963AA0EF9A}"/>
-              </a:ext>
-            </a:extLst>
-          </p:cNvPr>
-          <p:cNvSpPr/>
-          <p:nvPr/>
-        </p:nvSpPr>
-        <p:spPr>
-          <a:xfrm>
-            <a:off x="10085294" y="2642972"/>
-            <a:ext cx="1776920" cy="362446"/>
-          </a:xfrm>
-          <a:prstGeom prst="rect">
-            <a:avLst/>
-          </a:prstGeom>
-          <a:solidFill>
-            <a:srgbClr val="11B29F"/>
-          </a:solidFill>
-          <a:ln>
-            <a:noFill/>
-          </a:ln>
-        </p:spPr>
-        <p:style>
-          <a:lnRef idx="2">
-            <a:schemeClr val="accent1">
-              <a:shade val="50000"/>
-            </a:schemeClr>
-          </a:lnRef>
-          <a:fillRef idx="1">
-            <a:schemeClr val="accent1"/>
-          </a:fillRef>
-          <a:effectRef idx="0">
-            <a:schemeClr val="accent1"/>
-          </a:effectRef>
-          <a:fontRef idx="minor">
-            <a:schemeClr val="lt1"/>
-          </a:fontRef>
-        </p:style>
-        <p:txBody>
-          <a:bodyPr rtlCol="0" anchor="ctr"/>
-          <a:lstStyle/>
-          <a:p>
-            <a:pPr algn="ctr"/>
-            <a:endParaRPr lang="en-US"/>
-          </a:p>
-        </p:txBody>
-      </p:sp>
-      <p:sp>
-        <p:nvSpPr>
-          <p:cNvPr id="26" name="Rectangle 25">
-            <a:extLst>
-              <a:ext uri="{FF2B5EF4-FFF2-40B4-BE49-F238E27FC236}">
-                <a16:creationId xmlns:a16="http://schemas.microsoft.com/office/drawing/2014/main" id="{B235F2E9-4558-433D-9527-7EFF5C5E78A8}"/>
-              </a:ext>
-            </a:extLst>
-          </p:cNvPr>
-          <p:cNvSpPr/>
-          <p:nvPr/>
-        </p:nvSpPr>
-        <p:spPr>
-          <a:xfrm>
-            <a:off x="10085294" y="3050943"/>
-            <a:ext cx="1776920" cy="362446"/>
-          </a:xfrm>
-          <a:prstGeom prst="rect">
-            <a:avLst/>
-          </a:prstGeom>
-          <a:solidFill>
-            <a:srgbClr val="A71B86"/>
-          </a:solidFill>
-          <a:ln>
-            <a:noFill/>
-          </a:ln>
-        </p:spPr>
-        <p:style>
-          <a:lnRef idx="2">
-            <a:schemeClr val="accent1">
-              <a:shade val="50000"/>
-            </a:schemeClr>
-          </a:lnRef>
-          <a:fillRef idx="1">
-            <a:schemeClr val="accent1"/>
-          </a:fillRef>
-          <a:effectRef idx="0">
-            <a:schemeClr val="accent1"/>
-          </a:effectRef>
-          <a:fontRef idx="minor">
-            <a:schemeClr val="lt1"/>
-          </a:fontRef>
-        </p:style>
-        <p:txBody>
-          <a:bodyPr rtlCol="0" anchor="ctr"/>
-          <a:lstStyle/>
-          <a:p>
-            <a:pPr algn="ctr"/>
-            <a:endParaRPr lang="en-US"/>
-          </a:p>
-        </p:txBody>
-      </p:sp>
-      <p:sp>
-        <p:nvSpPr>
-          <p:cNvPr id="27" name="Rectangle 26">
-            <a:extLst>
-              <a:ext uri="{FF2B5EF4-FFF2-40B4-BE49-F238E27FC236}">
-                <a16:creationId xmlns:a16="http://schemas.microsoft.com/office/drawing/2014/main" id="{99613B87-411B-4008-BF30-F1A3B8F247B5}"/>
-              </a:ext>
-            </a:extLst>
-          </p:cNvPr>
-          <p:cNvSpPr/>
-          <p:nvPr/>
-        </p:nvSpPr>
-        <p:spPr>
-          <a:xfrm>
-            <a:off x="10085294" y="3490136"/>
-            <a:ext cx="1776920" cy="3367864"/>
-          </a:xfrm>
-          <a:prstGeom prst="rect">
-            <a:avLst/>
-          </a:prstGeom>
-          <a:solidFill>
-            <a:srgbClr val="11B29F"/>
-          </a:solidFill>
-          <a:ln>
-            <a:noFill/>
-          </a:ln>
-        </p:spPr>
-        <p:style>
-          <a:lnRef idx="2">
-            <a:schemeClr val="accent1">
-              <a:shade val="50000"/>
-            </a:schemeClr>
-          </a:lnRef>
-          <a:fillRef idx="1">
-            <a:schemeClr val="accent1"/>
-          </a:fillRef>
-          <a:effectRef idx="0">
-            <a:schemeClr val="accent1"/>
-          </a:effectRef>
-          <a:fontRef idx="minor">
-            <a:schemeClr val="lt1"/>
-          </a:fontRef>
-        </p:style>
-        <p:txBody>
-          <a:bodyPr rtlCol="0" anchor="ctr"/>
-          <a:lstStyle/>
-          <a:p>
-            <a:pPr algn="ctr"/>
-            <a:endParaRPr lang="en-US"/>
-          </a:p>
-        </p:txBody>
-      </p:sp>
-      <p:sp>
-        <p:nvSpPr>
-          <p:cNvPr id="32" name="Rectangle 31">
-            <a:extLst>
-              <a:ext uri="{FF2B5EF4-FFF2-40B4-BE49-F238E27FC236}">
-                <a16:creationId xmlns:a16="http://schemas.microsoft.com/office/drawing/2014/main" id="{145B3BD2-B1C1-4ED2-A4E0-5E17DD3736F1}"/>
-              </a:ext>
-            </a:extLst>
-          </p:cNvPr>
-          <p:cNvSpPr/>
-          <p:nvPr/>
-        </p:nvSpPr>
-        <p:spPr>
-          <a:xfrm rot="19800000">
-            <a:off x="-765351" y="385789"/>
-            <a:ext cx="4026751" cy="269178"/>
-          </a:xfrm>
-          <a:prstGeom prst="rect">
-            <a:avLst/>
-          </a:prstGeom>
-          <a:solidFill>
-            <a:srgbClr val="A71B86"/>
-          </a:solidFill>
-          <a:ln>
-            <a:noFill/>
-          </a:ln>
-        </p:spPr>
-        <p:style>
-          <a:lnRef idx="2">
-            <a:schemeClr val="accent1">
-              <a:shade val="50000"/>
-            </a:schemeClr>
-          </a:lnRef>
-          <a:fillRef idx="1">
-            <a:schemeClr val="accent1"/>
-          </a:fillRef>
-          <a:effectRef idx="0">
-            <a:schemeClr val="accent1"/>
-          </a:effectRef>
-          <a:fontRef idx="minor">
-            <a:schemeClr val="lt1"/>
-          </a:fontRef>
-        </p:style>
-        <p:txBody>
-          <a:bodyPr rtlCol="0" anchor="ctr"/>
-          <a:lstStyle/>
-          <a:p>
-            <a:pPr algn="ctr"/>
-            <a:endParaRPr lang="en-US"/>
-          </a:p>
-        </p:txBody>
-      </p:sp>
-      <p:sp>
-        <p:nvSpPr>
-          <p:cNvPr id="33" name="Rectangle 32">
-            <a:extLst>
-              <a:ext uri="{FF2B5EF4-FFF2-40B4-BE49-F238E27FC236}">
-                <a16:creationId xmlns:a16="http://schemas.microsoft.com/office/drawing/2014/main" id="{DC3B2826-65DD-408B-8F18-8CCD6C052D8D}"/>
-              </a:ext>
-            </a:extLst>
-          </p:cNvPr>
-          <p:cNvSpPr/>
-          <p:nvPr/>
-        </p:nvSpPr>
-        <p:spPr>
-          <a:xfrm rot="19800000">
-            <a:off x="9257156" y="6226296"/>
-            <a:ext cx="4026751" cy="269178"/>
-          </a:xfrm>
-          <a:prstGeom prst="rect">
-            <a:avLst/>
-          </a:prstGeom>
-          <a:solidFill>
-            <a:srgbClr val="A71B86"/>
-          </a:solidFill>
-          <a:ln>
-            <a:noFill/>
-          </a:ln>
-        </p:spPr>
-        <p:style>
-          <a:lnRef idx="2">
-            <a:schemeClr val="accent1">
-              <a:shade val="50000"/>
-            </a:schemeClr>
-          </a:lnRef>
-          <a:fillRef idx="1">
-            <a:schemeClr val="accent1"/>
-          </a:fillRef>
-          <a:effectRef idx="0">
-            <a:schemeClr val="accent1"/>
-          </a:effectRef>
-          <a:fontRef idx="minor">
-            <a:schemeClr val="lt1"/>
-          </a:fontRef>
-        </p:style>
-        <p:txBody>
-          <a:bodyPr rtlCol="0" anchor="ctr"/>
-          <a:lstStyle/>
-          <a:p>
-            <a:pPr algn="ctr"/>
-            <a:endParaRPr lang="en-US"/>
-          </a:p>
-        </p:txBody>
-      </p:sp>
-      <p:sp>
-        <p:nvSpPr>
-          <p:cNvPr id="35" name="Rectangle 34">
-            <a:extLst>
-              <a:ext uri="{FF2B5EF4-FFF2-40B4-BE49-F238E27FC236}">
-                <a16:creationId xmlns:a16="http://schemas.microsoft.com/office/drawing/2014/main" id="{4935F901-F632-4698-8C7A-AC29B2397A6C}"/>
-              </a:ext>
-            </a:extLst>
-          </p:cNvPr>
-          <p:cNvSpPr/>
-          <p:nvPr/>
-        </p:nvSpPr>
-        <p:spPr>
-          <a:xfrm rot="19800000">
-            <a:off x="8263809" y="5824178"/>
-            <a:ext cx="4731177" cy="269178"/>
-          </a:xfrm>
-          <a:prstGeom prst="rect">
-            <a:avLst/>
-          </a:prstGeom>
-          <a:solidFill>
-            <a:srgbClr val="A71B86"/>
-          </a:solidFill>
-          <a:ln>
-            <a:noFill/>
-          </a:ln>
-        </p:spPr>
-        <p:style>
-          <a:lnRef idx="2">
-            <a:schemeClr val="accent1">
-              <a:shade val="50000"/>
-            </a:schemeClr>
-          </a:lnRef>
-          <a:fillRef idx="1">
-            <a:schemeClr val="accent1"/>
-          </a:fillRef>
-          <a:effectRef idx="0">
-            <a:schemeClr val="accent1"/>
-          </a:effectRef>
-          <a:fontRef idx="minor">
-            <a:schemeClr val="lt1"/>
-          </a:fontRef>
-        </p:style>
-        <p:txBody>
-          <a:bodyPr rtlCol="0" anchor="ctr"/>
-          <a:lstStyle/>
-          <a:p>
-            <a:pPr algn="ctr"/>
-            <a:endParaRPr lang="en-US"/>
-          </a:p>
-        </p:txBody>
-      </p:sp>
-      <mc:AlternateContent xmlns:mc="http://schemas.openxmlformats.org/markup-compatibility/2006">
-        <mc:Choice xmlns:a14="http://schemas.microsoft.com/office/drawing/2010/main" Requires="a14">
-          <p:sp>
-            <p:nvSpPr>
-              <p:cNvPr id="36" name="TextBox 35">
-                <a:extLst>
-                  <a:ext uri="{FF2B5EF4-FFF2-40B4-BE49-F238E27FC236}">
-                    <a16:creationId xmlns:a16="http://schemas.microsoft.com/office/drawing/2014/main" id="{389720C5-6DCB-428D-8C4F-A02DEC239333}"/>
-                  </a:ext>
-                </a:extLst>
-              </p:cNvPr>
-              <p:cNvSpPr txBox="1"/>
-              <p:nvPr/>
-            </p:nvSpPr>
-            <p:spPr>
-              <a:xfrm>
-                <a:off x="773934" y="1947592"/>
-                <a:ext cx="9048941" cy="2271456"/>
-              </a:xfrm>
-              <a:prstGeom prst="rect">
-                <a:avLst/>
-              </a:prstGeom>
-              <a:noFill/>
-            </p:spPr>
-            <p:txBody>
-              <a:bodyPr wrap="square" rtlCol="0">
-                <a:spAutoFit/>
-              </a:bodyPr>
-              <a:lstStyle/>
-              <a:p>
-                <a:pPr marL="342900" indent="-342900">
-                  <a:buFont typeface="Arial" panose="020B0604020202020204" pitchFamily="34" charset="0"/>
-                  <a:buChar char="•"/>
-                </a:pPr>
-                <a:r>
-                  <a:rPr lang="en-US" sz="2000" dirty="0">
-                    <a:solidFill>
-                      <a:srgbClr val="404040"/>
-                    </a:solidFill>
-                    <a:latin typeface="Corbel" panose="020B0503020204020204" pitchFamily="34" charset="0"/>
-                  </a:rPr>
-                  <a:t>Decision variables </a:t>
-                </a:r>
-              </a:p>
-              <a:p>
-                <a:pPr marL="800100" lvl="1" indent="-342900">
-                  <a:buFont typeface="Arial" panose="020B0604020202020204" pitchFamily="34" charset="0"/>
-                  <a:buChar char="•"/>
-                </a:pPr>
-                <a14:m>
-                  <m:oMath xmlns:m="http://schemas.openxmlformats.org/officeDocument/2006/math">
-                    <m:sSub>
-                      <m:sSubPr>
-                        <m:ctrlPr>
-                          <a:rPr lang="en-US" sz="2000" b="0" i="1" smtClean="0">
-                            <a:solidFill>
-                              <a:srgbClr val="404040"/>
-                            </a:solidFill>
-                            <a:latin typeface="Cambria Math" panose="02040503050406030204" pitchFamily="18" charset="0"/>
-                          </a:rPr>
-                        </m:ctrlPr>
-                      </m:sSubPr>
-                      <m:e>
-                        <m:r>
-                          <a:rPr lang="en-US" sz="2000" b="0" i="1" smtClean="0">
-                            <a:solidFill>
-                              <a:srgbClr val="404040"/>
-                            </a:solidFill>
-                            <a:latin typeface="Cambria Math" panose="02040503050406030204" pitchFamily="18" charset="0"/>
-                          </a:rPr>
-                          <m:t>𝑥</m:t>
-                        </m:r>
-                      </m:e>
-                      <m:sub>
-                        <m:r>
-                          <a:rPr lang="en-US" sz="2000" b="0" i="1" smtClean="0">
-                            <a:solidFill>
-                              <a:srgbClr val="404040"/>
-                            </a:solidFill>
-                            <a:latin typeface="Cambria Math" panose="02040503050406030204" pitchFamily="18" charset="0"/>
-                          </a:rPr>
-                          <m:t>𝑖𝑗</m:t>
-                        </m:r>
-                      </m:sub>
-                    </m:sSub>
-                    <m:r>
-                      <a:rPr lang="en-US" sz="2000" b="0" i="1" smtClean="0">
-                        <a:solidFill>
-                          <a:srgbClr val="404040"/>
-                        </a:solidFill>
-                        <a:latin typeface="Cambria Math" panose="02040503050406030204" pitchFamily="18" charset="0"/>
-                      </a:rPr>
-                      <m:t>=</m:t>
-                    </m:r>
-                    <m:r>
-                      <a:rPr lang="en-US" sz="2000" b="0" i="1" smtClean="0">
-                        <a:solidFill>
-                          <a:srgbClr val="404040"/>
-                        </a:solidFill>
-                        <a:latin typeface="Cambria Math" panose="02040503050406030204" pitchFamily="18" charset="0"/>
-                      </a:rPr>
-                      <m:t>𝑛𝑢𝑚𝑏𝑒𝑟</m:t>
-                    </m:r>
-                    <m:r>
-                      <a:rPr lang="en-US" sz="2000" b="0" i="1" smtClean="0">
-                        <a:solidFill>
-                          <a:srgbClr val="404040"/>
-                        </a:solidFill>
-                        <a:latin typeface="Cambria Math" panose="02040503050406030204" pitchFamily="18" charset="0"/>
-                      </a:rPr>
-                      <m:t> </m:t>
-                    </m:r>
-                    <m:r>
-                      <a:rPr lang="en-US" sz="2000" b="0" i="1" smtClean="0">
-                        <a:solidFill>
-                          <a:srgbClr val="404040"/>
-                        </a:solidFill>
-                        <a:latin typeface="Cambria Math" panose="02040503050406030204" pitchFamily="18" charset="0"/>
-                      </a:rPr>
-                      <m:t>𝑜𝑓</m:t>
-                    </m:r>
-                    <m:r>
-                      <a:rPr lang="en-US" sz="2000" b="0" i="1" smtClean="0">
-                        <a:solidFill>
-                          <a:srgbClr val="404040"/>
-                        </a:solidFill>
-                        <a:latin typeface="Cambria Math" panose="02040503050406030204" pitchFamily="18" charset="0"/>
-                      </a:rPr>
-                      <m:t> </m:t>
-                    </m:r>
-                    <m:r>
-                      <a:rPr lang="en-US" sz="2000" b="0" i="1" smtClean="0">
-                        <a:solidFill>
-                          <a:srgbClr val="404040"/>
-                        </a:solidFill>
-                        <a:latin typeface="Cambria Math" panose="02040503050406030204" pitchFamily="18" charset="0"/>
-                      </a:rPr>
-                      <m:t>𝑡𝑟𝑢𝑐𝑘𝑠</m:t>
-                    </m:r>
-                    <m:r>
-                      <a:rPr lang="en-US" sz="2000" b="0" i="1" smtClean="0">
-                        <a:solidFill>
-                          <a:srgbClr val="404040"/>
-                        </a:solidFill>
-                        <a:latin typeface="Cambria Math" panose="02040503050406030204" pitchFamily="18" charset="0"/>
-                      </a:rPr>
-                      <m:t> </m:t>
-                    </m:r>
-                    <m:r>
-                      <a:rPr lang="en-US" sz="2000" b="0" i="1" smtClean="0">
-                        <a:solidFill>
-                          <a:srgbClr val="404040"/>
-                        </a:solidFill>
-                        <a:latin typeface="Cambria Math" panose="02040503050406030204" pitchFamily="18" charset="0"/>
-                      </a:rPr>
-                      <m:t>𝑡𝑟𝑎𝑛𝑠𝑝𝑜𝑟𝑡𝑒𝑑</m:t>
-                    </m:r>
-                    <m:r>
-                      <a:rPr lang="en-US" sz="2000" b="0" i="1" smtClean="0">
-                        <a:solidFill>
-                          <a:srgbClr val="404040"/>
-                        </a:solidFill>
-                        <a:latin typeface="Cambria Math" panose="02040503050406030204" pitchFamily="18" charset="0"/>
-                      </a:rPr>
-                      <m:t> </m:t>
-                    </m:r>
-                    <m:r>
-                      <a:rPr lang="en-US" sz="2000" b="0" i="1" smtClean="0">
-                        <a:solidFill>
-                          <a:srgbClr val="404040"/>
-                        </a:solidFill>
-                        <a:latin typeface="Cambria Math" panose="02040503050406030204" pitchFamily="18" charset="0"/>
-                      </a:rPr>
-                      <m:t>𝑎𝑙𝑜𝑛𝑔</m:t>
-                    </m:r>
-                    <m:r>
-                      <a:rPr lang="en-US" sz="2000" b="0" i="1" smtClean="0">
-                        <a:solidFill>
-                          <a:srgbClr val="404040"/>
-                        </a:solidFill>
-                        <a:latin typeface="Cambria Math" panose="02040503050406030204" pitchFamily="18" charset="0"/>
-                      </a:rPr>
-                      <m:t> </m:t>
-                    </m:r>
-                    <m:r>
-                      <a:rPr lang="en-US" sz="2000" b="0" i="1" smtClean="0">
-                        <a:solidFill>
-                          <a:srgbClr val="404040"/>
-                        </a:solidFill>
-                        <a:latin typeface="Cambria Math" panose="02040503050406030204" pitchFamily="18" charset="0"/>
-                      </a:rPr>
-                      <m:t>𝑒𝑑𝑔𝑒</m:t>
-                    </m:r>
-                    <m:r>
-                      <a:rPr lang="en-US" sz="2000" b="0" i="1" smtClean="0">
-                        <a:solidFill>
-                          <a:srgbClr val="404040"/>
-                        </a:solidFill>
-                        <a:latin typeface="Cambria Math" panose="02040503050406030204" pitchFamily="18" charset="0"/>
-                      </a:rPr>
-                      <m:t> </m:t>
-                    </m:r>
-                    <m:d>
-                      <m:dPr>
-                        <m:ctrlPr>
-                          <a:rPr lang="en-US" sz="2000" b="0" i="1" smtClean="0">
-                            <a:solidFill>
-                              <a:srgbClr val="404040"/>
-                            </a:solidFill>
-                            <a:latin typeface="Cambria Math" panose="02040503050406030204" pitchFamily="18" charset="0"/>
-                          </a:rPr>
-                        </m:ctrlPr>
-                      </m:dPr>
-                      <m:e>
-                        <m:r>
-                          <a:rPr lang="en-US" sz="2000" b="0" i="1" smtClean="0">
-                            <a:solidFill>
-                              <a:srgbClr val="404040"/>
-                            </a:solidFill>
-                            <a:latin typeface="Cambria Math" panose="02040503050406030204" pitchFamily="18" charset="0"/>
-                          </a:rPr>
-                          <m:t>𝑖</m:t>
-                        </m:r>
-                        <m:r>
-                          <a:rPr lang="en-US" sz="2000" b="0" i="1" smtClean="0">
-                            <a:solidFill>
-                              <a:srgbClr val="404040"/>
-                            </a:solidFill>
-                            <a:latin typeface="Cambria Math" panose="02040503050406030204" pitchFamily="18" charset="0"/>
-                          </a:rPr>
-                          <m:t>,</m:t>
-                        </m:r>
-                        <m:r>
-                          <a:rPr lang="en-US" sz="2000" b="0" i="1" smtClean="0">
-                            <a:solidFill>
-                              <a:srgbClr val="404040"/>
-                            </a:solidFill>
-                            <a:latin typeface="Cambria Math" panose="02040503050406030204" pitchFamily="18" charset="0"/>
-                          </a:rPr>
-                          <m:t>𝑗</m:t>
-                        </m:r>
-                      </m:e>
-                    </m:d>
-                  </m:oMath>
-                </a14:m>
-                <a:endParaRPr lang="en-US" sz="2000" b="0" dirty="0">
-                  <a:solidFill>
-                    <a:srgbClr val="404040"/>
-                  </a:solidFill>
-                  <a:latin typeface="Corbel" panose="020B0503020204020204" pitchFamily="34" charset="0"/>
-                </a:endParaRPr>
-              </a:p>
-              <a:p>
-                <a:pPr marL="800100" lvl="1" indent="-342900">
-                  <a:buFont typeface="Arial" panose="020B0604020202020204" pitchFamily="34" charset="0"/>
-                  <a:buChar char="•"/>
-                </a:pPr>
-                <a14:m>
-                  <m:oMath xmlns:m="http://schemas.openxmlformats.org/officeDocument/2006/math">
-                    <m:r>
-                      <a:rPr lang="en-US" sz="2000" b="0" i="1" smtClean="0">
-                        <a:solidFill>
-                          <a:srgbClr val="404040"/>
-                        </a:solidFill>
-                        <a:latin typeface="Cambria Math" panose="02040503050406030204" pitchFamily="18" charset="0"/>
-                      </a:rPr>
-                      <m:t>𝑖</m:t>
-                    </m:r>
-                    <m:r>
-                      <a:rPr lang="en-US" sz="2000" b="0" i="1" smtClean="0">
-                        <a:solidFill>
-                          <a:srgbClr val="404040"/>
-                        </a:solidFill>
-                        <a:latin typeface="Cambria Math" panose="02040503050406030204" pitchFamily="18" charset="0"/>
-                      </a:rPr>
-                      <m:t>=</m:t>
-                    </m:r>
-                    <m:r>
-                      <m:rPr>
-                        <m:lit/>
-                      </m:rPr>
-                      <a:rPr lang="en-US" sz="2000" b="0" i="1" smtClean="0">
-                        <a:solidFill>
-                          <a:srgbClr val="404040"/>
-                        </a:solidFill>
-                        <a:latin typeface="Cambria Math" panose="02040503050406030204" pitchFamily="18" charset="0"/>
-                      </a:rPr>
-                      <m:t>{</m:t>
-                    </m:r>
-                    <m:r>
-                      <a:rPr lang="en-US" sz="2000" b="0" i="1" smtClean="0">
-                        <a:solidFill>
-                          <a:srgbClr val="404040"/>
-                        </a:solidFill>
-                        <a:latin typeface="Cambria Math" panose="02040503050406030204" pitchFamily="18" charset="0"/>
-                      </a:rPr>
-                      <m:t>1,2,3,⋯, 7}</m:t>
-                    </m:r>
-                  </m:oMath>
-                </a14:m>
-                <a:endParaRPr lang="en-US" sz="2000" dirty="0">
-                  <a:solidFill>
-                    <a:srgbClr val="404040"/>
-                  </a:solidFill>
-                  <a:latin typeface="Corbel" panose="020B0503020204020204" pitchFamily="34" charset="0"/>
-                </a:endParaRPr>
-              </a:p>
-              <a:p>
-                <a:pPr marL="800100" lvl="1" indent="-342900">
-                  <a:buFont typeface="Arial" panose="020B0604020202020204" pitchFamily="34" charset="0"/>
-                  <a:buChar char="•"/>
-                </a:pPr>
-                <a14:m>
-                  <m:oMath xmlns:m="http://schemas.openxmlformats.org/officeDocument/2006/math">
-                    <m:r>
-                      <a:rPr lang="en-US" sz="2000" b="0" i="1" smtClean="0">
-                        <a:solidFill>
-                          <a:srgbClr val="404040"/>
-                        </a:solidFill>
-                        <a:latin typeface="Cambria Math" panose="02040503050406030204" pitchFamily="18" charset="0"/>
-                      </a:rPr>
-                      <m:t>𝑗</m:t>
-                    </m:r>
-                    <m:r>
-                      <a:rPr lang="en-US" sz="2000" b="0" i="1" smtClean="0">
-                        <a:solidFill>
-                          <a:srgbClr val="404040"/>
-                        </a:solidFill>
-                        <a:latin typeface="Cambria Math" panose="02040503050406030204" pitchFamily="18" charset="0"/>
-                      </a:rPr>
-                      <m:t>=</m:t>
-                    </m:r>
-                    <m:d>
-                      <m:dPr>
-                        <m:begChr m:val="{"/>
-                        <m:endChr m:val="}"/>
-                        <m:ctrlPr>
-                          <a:rPr lang="en-US" sz="2000" b="0" i="1" smtClean="0">
-                            <a:solidFill>
-                              <a:srgbClr val="404040"/>
-                            </a:solidFill>
-                            <a:latin typeface="Cambria Math" panose="02040503050406030204" pitchFamily="18" charset="0"/>
-                          </a:rPr>
-                        </m:ctrlPr>
-                      </m:dPr>
-                      <m:e>
-                        <m:r>
-                          <a:rPr lang="en-US" sz="2000" b="0" i="1" smtClean="0">
-                            <a:solidFill>
-                              <a:srgbClr val="404040"/>
-                            </a:solidFill>
-                            <a:latin typeface="Cambria Math" panose="02040503050406030204" pitchFamily="18" charset="0"/>
-                          </a:rPr>
-                          <m:t>1,2,3,⋯,7</m:t>
-                        </m:r>
-                      </m:e>
-                    </m:d>
-                  </m:oMath>
-                </a14:m>
-                <a:endParaRPr lang="en-US" sz="2000" b="0" dirty="0">
-                  <a:solidFill>
-                    <a:srgbClr val="404040"/>
-                  </a:solidFill>
-                  <a:latin typeface="Corbel" panose="020B0503020204020204" pitchFamily="34" charset="0"/>
-                </a:endParaRPr>
-              </a:p>
-              <a:p>
-                <a:pPr marL="800100" lvl="1" indent="-342900">
-                  <a:buFont typeface="Arial" panose="020B0604020202020204" pitchFamily="34" charset="0"/>
-                  <a:buChar char="•"/>
-                </a:pPr>
-                <a14:m>
-                  <m:oMath xmlns:m="http://schemas.openxmlformats.org/officeDocument/2006/math">
-                    <m:r>
-                      <a:rPr lang="en-US" sz="2000" b="0" i="1" smtClean="0">
-                        <a:solidFill>
-                          <a:srgbClr val="404040"/>
-                        </a:solidFill>
-                        <a:latin typeface="Cambria Math" panose="02040503050406030204" pitchFamily="18" charset="0"/>
-                      </a:rPr>
-                      <m:t>𝑖</m:t>
-                    </m:r>
-                    <m:r>
-                      <a:rPr lang="en-US" sz="2000" b="0" i="1" smtClean="0">
-                        <a:solidFill>
-                          <a:srgbClr val="404040"/>
-                        </a:solidFill>
-                        <a:latin typeface="Cambria Math" panose="02040503050406030204" pitchFamily="18" charset="0"/>
-                      </a:rPr>
-                      <m:t>&lt;</m:t>
-                    </m:r>
-                    <m:r>
-                      <a:rPr lang="en-US" sz="2000" b="0" i="1" smtClean="0">
-                        <a:solidFill>
-                          <a:srgbClr val="404040"/>
-                        </a:solidFill>
-                        <a:latin typeface="Cambria Math" panose="02040503050406030204" pitchFamily="18" charset="0"/>
-                      </a:rPr>
-                      <m:t>𝑗</m:t>
-                    </m:r>
-                  </m:oMath>
-                </a14:m>
-                <a:endParaRPr lang="en-US" sz="2000" dirty="0">
-                  <a:solidFill>
-                    <a:srgbClr val="404040"/>
-                  </a:solidFill>
-                  <a:latin typeface="Corbel" panose="020B0503020204020204" pitchFamily="34" charset="0"/>
-                </a:endParaRPr>
-              </a:p>
-              <a:p>
-                <a:pPr marL="800100" lvl="1" indent="-342900">
-                  <a:buFont typeface="Arial" panose="020B0604020202020204" pitchFamily="34" charset="0"/>
-                  <a:buChar char="•"/>
-                </a:pPr>
-                <a:endParaRPr lang="en-US" sz="2000" dirty="0">
-                  <a:solidFill>
-                    <a:srgbClr val="404040"/>
-                  </a:solidFill>
-                  <a:latin typeface="Corbel" panose="020B0503020204020204" pitchFamily="34" charset="0"/>
-                </a:endParaRPr>
-              </a:p>
-              <a:p>
-                <a:pPr marL="342900" indent="-342900">
-                  <a:buFont typeface="Arial" panose="020B0604020202020204" pitchFamily="34" charset="0"/>
-                  <a:buChar char="•"/>
-                </a:pPr>
-                <a:r>
-                  <a:rPr lang="en-US" sz="2000" dirty="0">
-                    <a:solidFill>
-                      <a:srgbClr val="404040"/>
-                    </a:solidFill>
-                    <a:latin typeface="Corbel" panose="020B0503020204020204" pitchFamily="34" charset="0"/>
-                  </a:rPr>
-                  <a:t>Objective function</a:t>
-                </a:r>
-              </a:p>
-            </p:txBody>
-          </p:sp>
-        </mc:Choice>
-        <mc:Fallback>
-          <p:sp>
-            <p:nvSpPr>
-              <p:cNvPr id="36" name="TextBox 35">
-                <a:extLst>
-                  <a:ext uri="{FF2B5EF4-FFF2-40B4-BE49-F238E27FC236}">
-                    <a16:creationId xmlns:a16="http://schemas.microsoft.com/office/drawing/2014/main" id="{389720C5-6DCB-428D-8C4F-A02DEC239333}"/>
-                  </a:ext>
-                </a:extLst>
-              </p:cNvPr>
-              <p:cNvSpPr txBox="1">
-                <a:spLocks noRot="1" noChangeAspect="1" noMove="1" noResize="1" noEditPoints="1" noAdjustHandles="1" noChangeArrowheads="1" noChangeShapeType="1" noTextEdit="1"/>
-              </p:cNvSpPr>
-              <p:nvPr/>
-            </p:nvSpPr>
-            <p:spPr>
-              <a:xfrm>
-                <a:off x="773934" y="1947592"/>
-                <a:ext cx="9048941" cy="2271456"/>
-              </a:xfrm>
-              <a:prstGeom prst="rect">
-                <a:avLst/>
-              </a:prstGeom>
-              <a:blipFill>
-                <a:blip r:embed="rId4"/>
-                <a:stretch>
-                  <a:fillRect l="-606" t="-1340" b="-3753"/>
-                </a:stretch>
-              </a:blipFill>
-            </p:spPr>
-            <p:txBody>
-              <a:bodyPr/>
-              <a:lstStyle/>
-              <a:p>
-                <a:r>
-                  <a:rPr lang="en-US">
-                    <a:noFill/>
-                  </a:rPr>
-                  <a:t> </a:t>
-                </a:r>
-              </a:p>
-            </p:txBody>
-          </p:sp>
-        </mc:Fallback>
-      </mc:AlternateContent>
-      <p:pic>
-        <p:nvPicPr>
-          <p:cNvPr id="37" name="Graphic 36" descr="Palm tree">
-            <a:extLst>
-              <a:ext uri="{FF2B5EF4-FFF2-40B4-BE49-F238E27FC236}">
-                <a16:creationId xmlns:a16="http://schemas.microsoft.com/office/drawing/2014/main" id="{79F2EC1B-9713-4CCF-8301-82ED265F3940}"/>
-              </a:ext>
-            </a:extLst>
-          </p:cNvPr>
-          <p:cNvPicPr>
-            <a:picLocks noChangeAspect="1"/>
-          </p:cNvPicPr>
-          <p:nvPr/>
-        </p:nvPicPr>
-        <p:blipFill>
-          <a:blip r:embed="rId5">
-            <a:extLst>
-              <a:ext uri="{28A0092B-C50C-407E-A947-70E740481C1C}">
-                <a14:useLocalDpi xmlns:a14="http://schemas.microsoft.com/office/drawing/2010/main" val="0"/>
-              </a:ext>
-              <a:ext uri="{96DAC541-7B7A-43D3-8B79-37D633B846F1}">
-                <asvg:svgBlip xmlns:asvg="http://schemas.microsoft.com/office/drawing/2016/SVG/main" r:embed="rId6"/>
-              </a:ext>
-            </a:extLst>
-          </a:blip>
-          <a:stretch>
-            <a:fillRect/>
-          </a:stretch>
-        </p:blipFill>
-        <p:spPr>
-          <a:xfrm>
-            <a:off x="8964994" y="809490"/>
-            <a:ext cx="914400" cy="914400"/>
-          </a:xfrm>
-          <a:prstGeom prst="rect">
-            <a:avLst/>
-          </a:prstGeom>
-        </p:spPr>
-      </p:pic>
-      <p:pic>
-        <p:nvPicPr>
-          <p:cNvPr id="38" name="Graphic 37" descr="Palm tree">
-            <a:extLst>
-              <a:ext uri="{FF2B5EF4-FFF2-40B4-BE49-F238E27FC236}">
-                <a16:creationId xmlns:a16="http://schemas.microsoft.com/office/drawing/2014/main" id="{11C9CA6F-B5F0-4837-8E50-85C201ADA4F1}"/>
-              </a:ext>
-            </a:extLst>
-          </p:cNvPr>
-          <p:cNvPicPr>
-            <a:picLocks noChangeAspect="1"/>
-          </p:cNvPicPr>
-          <p:nvPr/>
-        </p:nvPicPr>
-        <p:blipFill>
-          <a:blip r:embed="rId5">
-            <a:extLst>
-              <a:ext uri="{28A0092B-C50C-407E-A947-70E740481C1C}">
-                <a14:useLocalDpi xmlns:a14="http://schemas.microsoft.com/office/drawing/2010/main" val="0"/>
-              </a:ext>
-              <a:ext uri="{96DAC541-7B7A-43D3-8B79-37D633B846F1}">
-                <asvg:svgBlip xmlns:asvg="http://schemas.microsoft.com/office/drawing/2016/SVG/main" r:embed="rId6"/>
-              </a:ext>
-            </a:extLst>
-          </a:blip>
-          <a:stretch>
-            <a:fillRect/>
-          </a:stretch>
-        </p:blipFill>
-        <p:spPr>
-          <a:xfrm>
-            <a:off x="8834542" y="1142112"/>
-            <a:ext cx="553133" cy="553133"/>
-          </a:xfrm>
-          <a:prstGeom prst="rect">
-            <a:avLst/>
-          </a:prstGeom>
-        </p:spPr>
-      </p:pic>
-      <p:pic>
-        <p:nvPicPr>
-          <p:cNvPr id="39" name="Graphic 38" descr="Palm tree">
-            <a:extLst>
-              <a:ext uri="{FF2B5EF4-FFF2-40B4-BE49-F238E27FC236}">
-                <a16:creationId xmlns:a16="http://schemas.microsoft.com/office/drawing/2014/main" id="{585AC1AD-01C8-4E2D-8361-4BEA62A48584}"/>
-              </a:ext>
-            </a:extLst>
-          </p:cNvPr>
-          <p:cNvPicPr>
-            <a:picLocks noChangeAspect="1"/>
-          </p:cNvPicPr>
-          <p:nvPr/>
-        </p:nvPicPr>
-        <p:blipFill>
-          <a:blip r:embed="rId5">
-            <a:extLst>
-              <a:ext uri="{28A0092B-C50C-407E-A947-70E740481C1C}">
-                <a14:useLocalDpi xmlns:a14="http://schemas.microsoft.com/office/drawing/2010/main" val="0"/>
-              </a:ext>
-              <a:ext uri="{96DAC541-7B7A-43D3-8B79-37D633B846F1}">
-                <asvg:svgBlip xmlns:asvg="http://schemas.microsoft.com/office/drawing/2016/SVG/main" r:embed="rId6"/>
-              </a:ext>
-            </a:extLst>
-          </a:blip>
-          <a:stretch>
-            <a:fillRect/>
-          </a:stretch>
-        </p:blipFill>
-        <p:spPr>
-          <a:xfrm>
-            <a:off x="9387675" y="1277468"/>
-            <a:ext cx="404329" cy="404329"/>
-          </a:xfrm>
-          <a:prstGeom prst="rect">
-            <a:avLst/>
-          </a:prstGeom>
-        </p:spPr>
-      </p:pic>
-      <mc:AlternateContent xmlns:mc="http://schemas.openxmlformats.org/markup-compatibility/2006">
-        <mc:Choice xmlns:a14="http://schemas.microsoft.com/office/drawing/2010/main" Requires="a14">
-          <p:sp>
-            <p:nvSpPr>
-              <p:cNvPr id="23" name="TextBox 22">
-                <a:extLst>
-                  <a:ext uri="{FF2B5EF4-FFF2-40B4-BE49-F238E27FC236}">
-                    <a16:creationId xmlns:a16="http://schemas.microsoft.com/office/drawing/2014/main" id="{D15B37BD-34A6-4F9D-A3CC-EA66B5C9D0B7}"/>
-                  </a:ext>
-                </a:extLst>
-              </p:cNvPr>
-              <p:cNvSpPr txBox="1"/>
-              <p:nvPr/>
-            </p:nvSpPr>
-            <p:spPr>
-              <a:xfrm>
-                <a:off x="-2660308" y="4185657"/>
-                <a:ext cx="11625302" cy="1015663"/>
-              </a:xfrm>
-              <a:prstGeom prst="rect">
-                <a:avLst/>
-              </a:prstGeom>
-              <a:noFill/>
-            </p:spPr>
-            <p:txBody>
-              <a:bodyPr wrap="square" rtlCol="0">
-                <a:spAutoFit/>
-              </a:bodyPr>
-              <a:lstStyle/>
-              <a:p>
-                <a14:m>
-                  <m:oMathPara xmlns:m="http://schemas.openxmlformats.org/officeDocument/2006/math">
-                    <m:oMathParaPr>
-                      <m:jc m:val="centerGroup"/>
-                    </m:oMathParaPr>
-                    <m:oMath xmlns:m="http://schemas.openxmlformats.org/officeDocument/2006/math">
-                      <m:r>
-                        <a:rPr lang="en-US" sz="2000" b="0" i="1" smtClean="0">
-                          <a:latin typeface="Cambria Math" panose="02040503050406030204" pitchFamily="18" charset="0"/>
-                        </a:rPr>
-                        <m:t>𝑍</m:t>
-                      </m:r>
-                      <m:r>
-                        <a:rPr lang="en-US" sz="2000" b="0" i="1" smtClean="0">
-                          <a:latin typeface="Cambria Math" panose="02040503050406030204" pitchFamily="18" charset="0"/>
-                        </a:rPr>
-                        <m:t>=16</m:t>
-                      </m:r>
-                      <m:sSub>
-                        <m:sSubPr>
-                          <m:ctrlPr>
-                            <a:rPr lang="en-US" sz="2000" b="0" i="1" smtClean="0">
-                              <a:latin typeface="Cambria Math" panose="02040503050406030204" pitchFamily="18" charset="0"/>
-                            </a:rPr>
-                          </m:ctrlPr>
-                        </m:sSubPr>
-                        <m:e>
-                          <m:r>
-                            <a:rPr lang="en-US" sz="2000" b="0" i="1" smtClean="0">
-                              <a:latin typeface="Cambria Math" panose="02040503050406030204" pitchFamily="18" charset="0"/>
-                            </a:rPr>
-                            <m:t>𝑥</m:t>
-                          </m:r>
-                        </m:e>
-                        <m:sub>
-                          <m:r>
-                            <a:rPr lang="en-US" sz="2000" b="0" i="1" smtClean="0">
-                              <a:latin typeface="Cambria Math" panose="02040503050406030204" pitchFamily="18" charset="0"/>
-                            </a:rPr>
-                            <m:t>12</m:t>
-                          </m:r>
-                        </m:sub>
-                      </m:sSub>
-                      <m:r>
-                        <a:rPr lang="en-US" sz="2000" b="0" i="0" smtClean="0">
-                          <a:latin typeface="Cambria Math" panose="02040503050406030204" pitchFamily="18" charset="0"/>
-                        </a:rPr>
-                        <m:t>+35</m:t>
-                      </m:r>
-                      <m:sSub>
-                        <m:sSubPr>
-                          <m:ctrlPr>
-                            <a:rPr lang="en-US" sz="2000" b="0" i="0" smtClean="0">
-                              <a:latin typeface="Cambria Math" panose="02040503050406030204" pitchFamily="18" charset="0"/>
-                            </a:rPr>
-                          </m:ctrlPr>
-                        </m:sSubPr>
-                        <m:e>
-                          <m:r>
-                            <m:rPr>
-                              <m:sty m:val="p"/>
-                            </m:rPr>
-                            <a:rPr lang="en-US" sz="2000" b="0" i="0" smtClean="0">
-                              <a:latin typeface="Cambria Math" panose="02040503050406030204" pitchFamily="18" charset="0"/>
-                            </a:rPr>
-                            <m:t>x</m:t>
-                          </m:r>
-                        </m:e>
-                        <m:sub>
-                          <m:r>
-                            <a:rPr lang="en-US" sz="2000" b="0" i="0" smtClean="0">
-                              <a:latin typeface="Cambria Math" panose="02040503050406030204" pitchFamily="18" charset="0"/>
-                            </a:rPr>
-                            <m:t>14</m:t>
-                          </m:r>
-                        </m:sub>
-                      </m:sSub>
-                      <m:r>
-                        <a:rPr lang="en-US" sz="2000" b="0" i="0" smtClean="0">
-                          <a:latin typeface="Cambria Math" panose="02040503050406030204" pitchFamily="18" charset="0"/>
-                        </a:rPr>
-                        <m:t>+9</m:t>
-                      </m:r>
-                      <m:sSub>
-                        <m:sSubPr>
-                          <m:ctrlPr>
-                            <a:rPr lang="en-US" sz="2000" b="0" i="0" smtClean="0">
-                              <a:latin typeface="Cambria Math" panose="02040503050406030204" pitchFamily="18" charset="0"/>
-                            </a:rPr>
-                          </m:ctrlPr>
-                        </m:sSubPr>
-                        <m:e>
-                          <m:r>
-                            <m:rPr>
-                              <m:sty m:val="p"/>
-                            </m:rPr>
-                            <a:rPr lang="en-US" sz="2000" b="0" i="0" smtClean="0">
-                              <a:latin typeface="Cambria Math" panose="02040503050406030204" pitchFamily="18" charset="0"/>
-                            </a:rPr>
-                            <m:t>x</m:t>
-                          </m:r>
-                        </m:e>
-                        <m:sub>
-                          <m:r>
-                            <a:rPr lang="en-US" sz="2000" b="0" i="0" smtClean="0">
-                              <a:latin typeface="Cambria Math" panose="02040503050406030204" pitchFamily="18" charset="0"/>
-                            </a:rPr>
-                            <m:t>13</m:t>
-                          </m:r>
-                        </m:sub>
-                      </m:sSub>
-                      <m:r>
-                        <a:rPr lang="en-US" sz="2000" b="0" i="0" smtClean="0">
-                          <a:latin typeface="Cambria Math" panose="02040503050406030204" pitchFamily="18" charset="0"/>
-                        </a:rPr>
-                        <m:t>+12</m:t>
-                      </m:r>
-                      <m:sSub>
-                        <m:sSubPr>
-                          <m:ctrlPr>
-                            <a:rPr lang="en-US" sz="2000" b="0" i="0" smtClean="0">
-                              <a:latin typeface="Cambria Math" panose="02040503050406030204" pitchFamily="18" charset="0"/>
-                            </a:rPr>
-                          </m:ctrlPr>
-                        </m:sSubPr>
-                        <m:e>
-                          <m:r>
-                            <m:rPr>
-                              <m:sty m:val="p"/>
-                            </m:rPr>
-                            <a:rPr lang="en-US" sz="2000" b="0" i="0" smtClean="0">
-                              <a:latin typeface="Cambria Math" panose="02040503050406030204" pitchFamily="18" charset="0"/>
-                            </a:rPr>
-                            <m:t>x</m:t>
-                          </m:r>
-                        </m:e>
-                        <m:sub>
-                          <m:r>
-                            <a:rPr lang="en-US" sz="2000" b="0" i="0" smtClean="0">
-                              <a:latin typeface="Cambria Math" panose="02040503050406030204" pitchFamily="18" charset="0"/>
-                            </a:rPr>
-                            <m:t>24</m:t>
-                          </m:r>
-                        </m:sub>
-                      </m:sSub>
-                    </m:oMath>
-                  </m:oMathPara>
-                </a14:m>
-                <a:endParaRPr lang="en-US" sz="2000" b="0" i="0" dirty="0">
-                  <a:latin typeface="Cambria Math" panose="02040503050406030204" pitchFamily="18" charset="0"/>
-                </a:endParaRPr>
-              </a:p>
-              <a:p>
-                <a:r>
-                  <a:rPr lang="en-US" sz="2000" dirty="0"/>
-                  <a:t>				        </a:t>
-                </a:r>
-                <a14:m>
-                  <m:oMath xmlns:m="http://schemas.openxmlformats.org/officeDocument/2006/math">
-                    <m:r>
-                      <a:rPr lang="en-US" sz="2000" b="0" i="0" smtClean="0">
-                        <a:latin typeface="Cambria Math" panose="02040503050406030204" pitchFamily="18" charset="0"/>
-                      </a:rPr>
-                      <m:t>+15</m:t>
-                    </m:r>
-                    <m:sSub>
-                      <m:sSubPr>
-                        <m:ctrlPr>
-                          <a:rPr lang="en-US" sz="2000" b="0" i="0" smtClean="0">
-                            <a:latin typeface="Cambria Math" panose="02040503050406030204" pitchFamily="18" charset="0"/>
-                          </a:rPr>
-                        </m:ctrlPr>
-                      </m:sSubPr>
-                      <m:e>
-                        <m:r>
-                          <m:rPr>
-                            <m:sty m:val="p"/>
-                          </m:rPr>
-                          <a:rPr lang="en-US" sz="2000" b="0" i="0" smtClean="0">
-                            <a:latin typeface="Cambria Math" panose="02040503050406030204" pitchFamily="18" charset="0"/>
-                          </a:rPr>
-                          <m:t>x</m:t>
-                        </m:r>
-                      </m:e>
-                      <m:sub>
-                        <m:r>
-                          <a:rPr lang="en-US" sz="2000" b="0" i="0" smtClean="0">
-                            <a:latin typeface="Cambria Math" panose="02040503050406030204" pitchFamily="18" charset="0"/>
-                          </a:rPr>
-                          <m:t>34</m:t>
-                        </m:r>
-                      </m:sub>
-                    </m:sSub>
-                    <m:r>
-                      <a:rPr lang="en-US" sz="2000" b="0" i="0" smtClean="0">
-                        <a:latin typeface="Cambria Math" panose="02040503050406030204" pitchFamily="18" charset="0"/>
-                      </a:rPr>
-                      <m:t>+25</m:t>
-                    </m:r>
-                    <m:sSub>
-                      <m:sSubPr>
-                        <m:ctrlPr>
-                          <a:rPr lang="en-US" sz="2000" b="0" i="0" smtClean="0">
-                            <a:latin typeface="Cambria Math" panose="02040503050406030204" pitchFamily="18" charset="0"/>
-                          </a:rPr>
-                        </m:ctrlPr>
-                      </m:sSubPr>
-                      <m:e>
-                        <m:r>
-                          <m:rPr>
-                            <m:sty m:val="p"/>
-                          </m:rPr>
-                          <a:rPr lang="en-US" sz="2000" b="0" i="0" smtClean="0">
-                            <a:latin typeface="Cambria Math" panose="02040503050406030204" pitchFamily="18" charset="0"/>
-                          </a:rPr>
-                          <m:t>x</m:t>
-                        </m:r>
-                      </m:e>
-                      <m:sub>
-                        <m:r>
-                          <a:rPr lang="en-US" sz="2000" b="0" i="0" smtClean="0">
-                            <a:latin typeface="Cambria Math" panose="02040503050406030204" pitchFamily="18" charset="0"/>
-                          </a:rPr>
-                          <m:t>25</m:t>
-                        </m:r>
-                      </m:sub>
-                    </m:sSub>
-                    <m:r>
-                      <a:rPr lang="en-US" sz="2000" b="0" i="0" smtClean="0">
-                        <a:latin typeface="Cambria Math" panose="02040503050406030204" pitchFamily="18" charset="0"/>
-                      </a:rPr>
-                      <m:t>+14</m:t>
-                    </m:r>
-                    <m:sSub>
-                      <m:sSubPr>
-                        <m:ctrlPr>
-                          <a:rPr lang="en-US" sz="2000" b="0" i="0" smtClean="0">
-                            <a:latin typeface="Cambria Math" panose="02040503050406030204" pitchFamily="18" charset="0"/>
-                          </a:rPr>
-                        </m:ctrlPr>
-                      </m:sSubPr>
-                      <m:e>
-                        <m:r>
-                          <m:rPr>
-                            <m:sty m:val="p"/>
-                          </m:rPr>
-                          <a:rPr lang="en-US" sz="2000" b="0" i="0" smtClean="0">
-                            <a:latin typeface="Cambria Math" panose="02040503050406030204" pitchFamily="18" charset="0"/>
-                          </a:rPr>
-                          <m:t>x</m:t>
-                        </m:r>
-                      </m:e>
-                      <m:sub>
-                        <m:r>
-                          <a:rPr lang="en-US" sz="2000" b="0" i="0" smtClean="0">
-                            <a:latin typeface="Cambria Math" panose="02040503050406030204" pitchFamily="18" charset="0"/>
-                          </a:rPr>
-                          <m:t>45</m:t>
-                        </m:r>
-                      </m:sub>
-                    </m:sSub>
-                    <m:r>
-                      <a:rPr lang="en-US" sz="2000" b="0" i="0" smtClean="0">
-                        <a:latin typeface="Cambria Math" panose="02040503050406030204" pitchFamily="18" charset="0"/>
-                      </a:rPr>
-                      <m:t>+17</m:t>
-                    </m:r>
-                    <m:sSub>
-                      <m:sSubPr>
-                        <m:ctrlPr>
-                          <a:rPr lang="en-US" sz="2000" b="0" i="0" smtClean="0">
-                            <a:latin typeface="Cambria Math" panose="02040503050406030204" pitchFamily="18" charset="0"/>
-                          </a:rPr>
-                        </m:ctrlPr>
-                      </m:sSubPr>
-                      <m:e>
-                        <m:r>
-                          <m:rPr>
-                            <m:sty m:val="p"/>
-                          </m:rPr>
-                          <a:rPr lang="en-US" sz="2000" b="0" i="0" smtClean="0">
-                            <a:latin typeface="Cambria Math" panose="02040503050406030204" pitchFamily="18" charset="0"/>
-                          </a:rPr>
-                          <m:t>x</m:t>
-                        </m:r>
-                      </m:e>
-                      <m:sub>
-                        <m:r>
-                          <a:rPr lang="en-US" sz="2000" b="0" i="0" smtClean="0">
-                            <a:latin typeface="Cambria Math" panose="02040503050406030204" pitchFamily="18" charset="0"/>
-                          </a:rPr>
-                          <m:t>46</m:t>
-                        </m:r>
-                      </m:sub>
-                    </m:sSub>
-                  </m:oMath>
-                </a14:m>
-                <a:endParaRPr lang="en-US" sz="2000" b="0" i="0" dirty="0">
-                  <a:latin typeface="Cambria Math" panose="02040503050406030204" pitchFamily="18" charset="0"/>
-                </a:endParaRPr>
-              </a:p>
-              <a:p>
-                <a:r>
-                  <a:rPr lang="en-US" sz="2000" b="0" dirty="0"/>
-                  <a:t>				        </a:t>
-                </a:r>
-                <a14:m>
-                  <m:oMath xmlns:m="http://schemas.openxmlformats.org/officeDocument/2006/math">
-                    <m:r>
-                      <a:rPr lang="en-US" sz="2000" b="0" i="0" smtClean="0">
-                        <a:latin typeface="Cambria Math" panose="02040503050406030204" pitchFamily="18" charset="0"/>
-                      </a:rPr>
-                      <m:t>+22</m:t>
-                    </m:r>
-                    <m:sSub>
-                      <m:sSubPr>
-                        <m:ctrlPr>
-                          <a:rPr lang="en-US" sz="2000" b="0" i="0" smtClean="0">
-                            <a:latin typeface="Cambria Math" panose="02040503050406030204" pitchFamily="18" charset="0"/>
-                          </a:rPr>
-                        </m:ctrlPr>
-                      </m:sSubPr>
-                      <m:e>
-                        <m:r>
-                          <m:rPr>
-                            <m:sty m:val="p"/>
-                          </m:rPr>
-                          <a:rPr lang="en-US" sz="2000" b="0" i="0" smtClean="0">
-                            <a:latin typeface="Cambria Math" panose="02040503050406030204" pitchFamily="18" charset="0"/>
-                          </a:rPr>
-                          <m:t>x</m:t>
-                        </m:r>
-                      </m:e>
-                      <m:sub>
-                        <m:r>
-                          <a:rPr lang="en-US" sz="2000" b="0" i="0" smtClean="0">
-                            <a:latin typeface="Cambria Math" panose="02040503050406030204" pitchFamily="18" charset="0"/>
-                          </a:rPr>
-                          <m:t>36</m:t>
-                        </m:r>
-                      </m:sub>
-                    </m:sSub>
-                    <m:r>
-                      <a:rPr lang="en-US" sz="2000" b="0" i="0" smtClean="0">
-                        <a:latin typeface="Cambria Math" panose="02040503050406030204" pitchFamily="18" charset="0"/>
-                      </a:rPr>
-                      <m:t>+8</m:t>
-                    </m:r>
-                    <m:sSub>
-                      <m:sSubPr>
-                        <m:ctrlPr>
-                          <a:rPr lang="en-US" sz="2000" b="0" i="0" smtClean="0">
-                            <a:latin typeface="Cambria Math" panose="02040503050406030204" pitchFamily="18" charset="0"/>
-                          </a:rPr>
-                        </m:ctrlPr>
-                      </m:sSubPr>
-                      <m:e>
-                        <m:r>
-                          <m:rPr>
-                            <m:sty m:val="p"/>
-                          </m:rPr>
-                          <a:rPr lang="en-US" sz="2000" b="0" i="0" smtClean="0">
-                            <a:latin typeface="Cambria Math" panose="02040503050406030204" pitchFamily="18" charset="0"/>
-                          </a:rPr>
-                          <m:t>x</m:t>
-                        </m:r>
-                      </m:e>
-                      <m:sub>
-                        <m:r>
-                          <a:rPr lang="en-US" sz="2000" b="0" i="0" smtClean="0">
-                            <a:latin typeface="Cambria Math" panose="02040503050406030204" pitchFamily="18" charset="0"/>
-                          </a:rPr>
-                          <m:t>57</m:t>
-                        </m:r>
-                      </m:sub>
-                    </m:sSub>
-                    <m:r>
-                      <a:rPr lang="en-US" sz="2000" b="0" i="0" smtClean="0">
-                        <a:latin typeface="Cambria Math" panose="02040503050406030204" pitchFamily="18" charset="0"/>
-                      </a:rPr>
-                      <m:t>+19</m:t>
-                    </m:r>
-                    <m:sSub>
-                      <m:sSubPr>
-                        <m:ctrlPr>
-                          <a:rPr lang="en-US" sz="2000" b="0" i="0" smtClean="0">
-                            <a:latin typeface="Cambria Math" panose="02040503050406030204" pitchFamily="18" charset="0"/>
-                          </a:rPr>
-                        </m:ctrlPr>
-                      </m:sSubPr>
-                      <m:e>
-                        <m:r>
-                          <m:rPr>
-                            <m:sty m:val="p"/>
-                          </m:rPr>
-                          <a:rPr lang="en-US" sz="2000" b="0" i="0" smtClean="0">
-                            <a:latin typeface="Cambria Math" panose="02040503050406030204" pitchFamily="18" charset="0"/>
-                          </a:rPr>
-                          <m:t>x</m:t>
-                        </m:r>
-                      </m:e>
-                      <m:sub>
-                        <m:r>
-                          <a:rPr lang="en-US" sz="2000" b="0" i="0" smtClean="0">
-                            <a:latin typeface="Cambria Math" panose="02040503050406030204" pitchFamily="18" charset="0"/>
-                          </a:rPr>
-                          <m:t>47</m:t>
-                        </m:r>
-                      </m:sub>
-                    </m:sSub>
-                    <m:r>
-                      <a:rPr lang="en-US" sz="2000" b="0" i="0" smtClean="0">
-                        <a:latin typeface="Cambria Math" panose="02040503050406030204" pitchFamily="18" charset="0"/>
-                      </a:rPr>
-                      <m:t>+14</m:t>
-                    </m:r>
-                    <m:sSub>
-                      <m:sSubPr>
-                        <m:ctrlPr>
-                          <a:rPr lang="en-US" sz="2000" b="0" i="0" smtClean="0">
-                            <a:latin typeface="Cambria Math" panose="02040503050406030204" pitchFamily="18" charset="0"/>
-                          </a:rPr>
-                        </m:ctrlPr>
-                      </m:sSubPr>
-                      <m:e>
-                        <m:r>
-                          <m:rPr>
-                            <m:sty m:val="p"/>
-                          </m:rPr>
-                          <a:rPr lang="en-US" sz="2000" b="0" i="0" smtClean="0">
-                            <a:latin typeface="Cambria Math" panose="02040503050406030204" pitchFamily="18" charset="0"/>
-                          </a:rPr>
-                          <m:t>x</m:t>
-                        </m:r>
-                      </m:e>
-                      <m:sub>
-                        <m:r>
-                          <a:rPr lang="en-US" sz="2000" b="0" i="0" smtClean="0">
-                            <a:latin typeface="Cambria Math" panose="02040503050406030204" pitchFamily="18" charset="0"/>
-                          </a:rPr>
-                          <m:t>67</m:t>
-                        </m:r>
-                      </m:sub>
-                    </m:sSub>
-                  </m:oMath>
-                </a14:m>
-                <a:r>
-                  <a:rPr lang="en-US" sz="2000" dirty="0"/>
-                  <a:t> </a:t>
-                </a:r>
-              </a:p>
-            </p:txBody>
-          </p:sp>
-        </mc:Choice>
-        <mc:Fallback>
-          <p:sp>
-            <p:nvSpPr>
-              <p:cNvPr id="23" name="TextBox 22">
-                <a:extLst>
-                  <a:ext uri="{FF2B5EF4-FFF2-40B4-BE49-F238E27FC236}">
-                    <a16:creationId xmlns:a16="http://schemas.microsoft.com/office/drawing/2014/main" id="{D15B37BD-34A6-4F9D-A3CC-EA66B5C9D0B7}"/>
-                  </a:ext>
-                </a:extLst>
-              </p:cNvPr>
-              <p:cNvSpPr txBox="1">
-                <a:spLocks noRot="1" noChangeAspect="1" noMove="1" noResize="1" noEditPoints="1" noAdjustHandles="1" noChangeArrowheads="1" noChangeShapeType="1" noTextEdit="1"/>
-              </p:cNvSpPr>
-              <p:nvPr/>
-            </p:nvSpPr>
-            <p:spPr>
-              <a:xfrm>
-                <a:off x="-2660308" y="4185657"/>
-                <a:ext cx="11625302" cy="1015663"/>
-              </a:xfrm>
-              <a:prstGeom prst="rect">
-                <a:avLst/>
-              </a:prstGeom>
-              <a:blipFill>
-                <a:blip r:embed="rId7"/>
-                <a:stretch>
-                  <a:fillRect/>
-                </a:stretch>
-              </a:blipFill>
-            </p:spPr>
-            <p:txBody>
-              <a:bodyPr/>
-              <a:lstStyle/>
-              <a:p>
-                <a:r>
-                  <a:rPr lang="en-US">
-                    <a:noFill/>
-                  </a:rPr>
-                  <a:t> </a:t>
-                </a:r>
-              </a:p>
-            </p:txBody>
-          </p:sp>
-        </mc:Fallback>
-      </mc:AlternateContent>
-      <p:pic>
-        <p:nvPicPr>
-          <p:cNvPr id="29" name="Picture 28">
-            <a:extLst>
-              <a:ext uri="{FF2B5EF4-FFF2-40B4-BE49-F238E27FC236}">
-                <a16:creationId xmlns:a16="http://schemas.microsoft.com/office/drawing/2014/main" id="{003D2A30-DB18-4D5A-AC2D-D09E09E3BF4E}"/>
-              </a:ext>
-            </a:extLst>
-          </p:cNvPr>
-          <p:cNvPicPr>
-            <a:picLocks noChangeAspect="1"/>
-          </p:cNvPicPr>
-          <p:nvPr/>
-        </p:nvPicPr>
-        <p:blipFill>
-          <a:blip r:embed="rId8"/>
-          <a:stretch>
-            <a:fillRect/>
-          </a:stretch>
-        </p:blipFill>
-        <p:spPr>
-          <a:xfrm>
-            <a:off x="5617013" y="4686216"/>
-            <a:ext cx="4209906" cy="2023135"/>
-          </a:xfrm>
-          <a:prstGeom prst="rect">
-            <a:avLst/>
-          </a:prstGeom>
-          <a:ln w="38100">
-            <a:solidFill>
-              <a:srgbClr val="11B29F"/>
-            </a:solidFill>
-          </a:ln>
-          <a:effectLst>
-            <a:outerShdw blurRad="292100" dist="139700" dir="2700000" algn="tl" rotWithShape="0">
-              <a:srgbClr val="333333">
-                <a:alpha val="65000"/>
-              </a:srgbClr>
-            </a:outerShdw>
-          </a:effectLst>
-        </p:spPr>
-      </p:pic>
-    </p:spTree>
-    <p:extLst>
-      <p:ext uri="{BB962C8B-B14F-4D97-AF65-F5344CB8AC3E}">
-        <p14:creationId xmlns:p14="http://schemas.microsoft.com/office/powerpoint/2010/main" val="2458120240"/>
-      </p:ext>
-    </p:extLst>
-  </p:cSld>
-  <p:clrMapOvr>
-    <a:masterClrMapping/>
-  </p:clrMapOvr>
-</p:sld>
-</file>
-
-<file path=ppt/slides/slide23.xml><?xml version="1.0" encoding="utf-8"?>
-<p:sld xmlns:a="http://schemas.openxmlformats.org/drawingml/2006/main" xmlns:r="http://schemas.openxmlformats.org/officeDocument/2006/relationships" xmlns:p="http://schemas.openxmlformats.org/presentationml/2006/main">
-  <p:cSld>
-    <p:spTree>
-      <p:nvGrpSpPr>
-        <p:cNvPr id="1" name=""/>
-        <p:cNvGrpSpPr/>
-        <p:nvPr/>
-      </p:nvGrpSpPr>
-      <p:grpSpPr>
-        <a:xfrm>
-          <a:off x="0" y="0"/>
-          <a:ext cx="0" cy="0"/>
-          <a:chOff x="0" y="0"/>
-          <a:chExt cx="0" cy="0"/>
-        </a:xfrm>
-      </p:grpSpPr>
-      <p:sp>
-        <p:nvSpPr>
-          <p:cNvPr id="28" name="Rectangle 27">
-            <a:extLst>
-              <a:ext uri="{FF2B5EF4-FFF2-40B4-BE49-F238E27FC236}">
-                <a16:creationId xmlns:a16="http://schemas.microsoft.com/office/drawing/2014/main" id="{1568D3DA-67F7-464C-95FF-D7D56F4038D6}"/>
-              </a:ext>
-            </a:extLst>
-          </p:cNvPr>
-          <p:cNvSpPr/>
-          <p:nvPr/>
-        </p:nvSpPr>
-        <p:spPr>
-          <a:xfrm rot="19800000">
-            <a:off x="-597297" y="674901"/>
-            <a:ext cx="4026751" cy="269178"/>
-          </a:xfrm>
-          <a:prstGeom prst="rect">
-            <a:avLst/>
-          </a:prstGeom>
-          <a:solidFill>
-            <a:srgbClr val="A71B86"/>
-          </a:solidFill>
-          <a:ln>
-            <a:noFill/>
-          </a:ln>
-        </p:spPr>
-        <p:style>
-          <a:lnRef idx="2">
-            <a:schemeClr val="accent1">
-              <a:shade val="50000"/>
-            </a:schemeClr>
-          </a:lnRef>
-          <a:fillRef idx="1">
-            <a:schemeClr val="accent1"/>
-          </a:fillRef>
-          <a:effectRef idx="0">
-            <a:schemeClr val="accent1"/>
-          </a:effectRef>
-          <a:fontRef idx="minor">
-            <a:schemeClr val="lt1"/>
-          </a:fontRef>
-        </p:style>
-        <p:txBody>
-          <a:bodyPr rtlCol="0" anchor="ctr"/>
-          <a:lstStyle/>
-          <a:p>
-            <a:pPr algn="ctr"/>
-            <a:endParaRPr lang="en-US"/>
-          </a:p>
-        </p:txBody>
-      </p:sp>
-      <p:pic>
-        <p:nvPicPr>
-          <p:cNvPr id="11" name="Picture 10" descr="A large body of water&#10;&#10;Description automatically generated">
-            <a:extLst>
-              <a:ext uri="{FF2B5EF4-FFF2-40B4-BE49-F238E27FC236}">
-                <a16:creationId xmlns:a16="http://schemas.microsoft.com/office/drawing/2014/main" id="{B83B0471-BE25-41B4-B185-53BEB6528B89}"/>
-              </a:ext>
-            </a:extLst>
-          </p:cNvPr>
-          <p:cNvPicPr>
-            <a:picLocks noChangeAspect="1"/>
-          </p:cNvPicPr>
-          <p:nvPr/>
-        </p:nvPicPr>
-        <p:blipFill rotWithShape="1">
-          <a:blip r:embed="rId2">
-            <a:alphaModFix amt="20000"/>
-            <a:extLst>
-              <a:ext uri="{28A0092B-C50C-407E-A947-70E740481C1C}">
-                <a14:useLocalDpi xmlns:a14="http://schemas.microsoft.com/office/drawing/2010/main" val="0"/>
-              </a:ext>
-            </a:extLst>
-          </a:blip>
-          <a:srcRect t="34654" b="43573"/>
-          <a:stretch/>
-        </p:blipFill>
-        <p:spPr>
-          <a:xfrm>
-            <a:off x="773935" y="442465"/>
-            <a:ext cx="9018070" cy="1308226"/>
-          </a:xfrm>
-          <a:prstGeom prst="rect">
-            <a:avLst/>
-          </a:prstGeom>
-        </p:spPr>
-      </p:pic>
-      <p:sp>
-        <p:nvSpPr>
-          <p:cNvPr id="34" name="Rectangle 33">
-            <a:extLst>
-              <a:ext uri="{FF2B5EF4-FFF2-40B4-BE49-F238E27FC236}">
-                <a16:creationId xmlns:a16="http://schemas.microsoft.com/office/drawing/2014/main" id="{BFE7775A-1FAD-4E84-8B9E-DA4B39640B5E}"/>
-              </a:ext>
-            </a:extLst>
-          </p:cNvPr>
-          <p:cNvSpPr/>
-          <p:nvPr/>
-        </p:nvSpPr>
-        <p:spPr>
-          <a:xfrm rot="19800000">
-            <a:off x="9089102" y="5937184"/>
-            <a:ext cx="4026751" cy="269178"/>
-          </a:xfrm>
-          <a:prstGeom prst="rect">
-            <a:avLst/>
-          </a:prstGeom>
-          <a:solidFill>
-            <a:srgbClr val="A71B86"/>
-          </a:solidFill>
-          <a:ln>
-            <a:noFill/>
-          </a:ln>
-        </p:spPr>
-        <p:style>
-          <a:lnRef idx="2">
-            <a:schemeClr val="accent1">
-              <a:shade val="50000"/>
-            </a:schemeClr>
-          </a:lnRef>
-          <a:fillRef idx="1">
-            <a:schemeClr val="accent1"/>
-          </a:fillRef>
-          <a:effectRef idx="0">
-            <a:schemeClr val="accent1"/>
-          </a:effectRef>
-          <a:fontRef idx="minor">
-            <a:schemeClr val="lt1"/>
-          </a:fontRef>
-        </p:style>
-        <p:txBody>
-          <a:bodyPr rtlCol="0" anchor="ctr"/>
-          <a:lstStyle/>
-          <a:p>
-            <a:pPr algn="ctr"/>
-            <a:endParaRPr lang="en-US"/>
-          </a:p>
-        </p:txBody>
-      </p:sp>
-      <p:sp>
-        <p:nvSpPr>
-          <p:cNvPr id="2" name="Title 1">
-            <a:extLst>
-              <a:ext uri="{FF2B5EF4-FFF2-40B4-BE49-F238E27FC236}">
-                <a16:creationId xmlns:a16="http://schemas.microsoft.com/office/drawing/2014/main" id="{95D79E09-6E77-4F87-B358-F18D99FA343D}"/>
-              </a:ext>
-            </a:extLst>
-          </p:cNvPr>
-          <p:cNvSpPr>
-            <a:spLocks noGrp="1"/>
-          </p:cNvSpPr>
-          <p:nvPr>
-            <p:ph type="title"/>
-          </p:nvPr>
-        </p:nvSpPr>
-        <p:spPr>
-          <a:xfrm>
-            <a:off x="773934" y="425128"/>
-            <a:ext cx="9018070" cy="1325563"/>
-          </a:xfrm>
-          <a:noFill/>
-          <a:ln w="76200">
-            <a:solidFill>
-              <a:srgbClr val="11B29F"/>
-            </a:solidFill>
-          </a:ln>
-        </p:spPr>
-        <p:txBody>
-          <a:bodyPr/>
-          <a:lstStyle/>
-          <a:p>
-            <a:pPr algn="ctr"/>
-            <a:r>
-              <a:rPr lang="en-US" dirty="0">
-                <a:solidFill>
-                  <a:srgbClr val="404040"/>
-                </a:solidFill>
-                <a:latin typeface="Bodoni MT" panose="02070603080606020203" pitchFamily="18" charset="0"/>
-              </a:rPr>
-              <a:t>Ex: Shortest Shipping Route</a:t>
-            </a:r>
-          </a:p>
-        </p:txBody>
-      </p:sp>
-      <p:pic>
-        <p:nvPicPr>
-          <p:cNvPr id="5" name="Content Placeholder 4" descr="A picture containing cage&#10;&#10;Description automatically generated">
-            <a:extLst>
-              <a:ext uri="{FF2B5EF4-FFF2-40B4-BE49-F238E27FC236}">
-                <a16:creationId xmlns:a16="http://schemas.microsoft.com/office/drawing/2014/main" id="{EF817497-4F98-4236-83EE-74FD8376B077}"/>
-              </a:ext>
-            </a:extLst>
-          </p:cNvPr>
-          <p:cNvPicPr>
-            <a:picLocks noGrp="1" noChangeAspect="1"/>
-          </p:cNvPicPr>
-          <p:nvPr>
-            <p:ph idx="1"/>
-          </p:nvPr>
-        </p:nvPicPr>
-        <p:blipFill>
-          <a:blip r:embed="rId3">
-            <a:extLst>
-              <a:ext uri="{28A0092B-C50C-407E-A947-70E740481C1C}">
-                <a14:useLocalDpi xmlns:a14="http://schemas.microsoft.com/office/drawing/2010/main" val="0"/>
-              </a:ext>
-            </a:extLst>
-          </a:blip>
-          <a:stretch>
-            <a:fillRect/>
-          </a:stretch>
-        </p:blipFill>
-        <p:spPr>
-          <a:xfrm>
-            <a:off x="9887140" y="47697"/>
-            <a:ext cx="2143125" cy="2143125"/>
-          </a:xfrm>
-        </p:spPr>
-      </p:pic>
-      <p:sp>
-        <p:nvSpPr>
-          <p:cNvPr id="17" name="Rectangle 16">
-            <a:extLst>
-              <a:ext uri="{FF2B5EF4-FFF2-40B4-BE49-F238E27FC236}">
-                <a16:creationId xmlns:a16="http://schemas.microsoft.com/office/drawing/2014/main" id="{C723ED3C-F5E6-4121-9EF2-DD9574E1A49F}"/>
-              </a:ext>
-            </a:extLst>
-          </p:cNvPr>
-          <p:cNvSpPr/>
-          <p:nvPr/>
-        </p:nvSpPr>
-        <p:spPr>
-          <a:xfrm>
-            <a:off x="10085294" y="2008116"/>
-            <a:ext cx="1776920" cy="76178"/>
-          </a:xfrm>
-          <a:prstGeom prst="rect">
-            <a:avLst/>
-          </a:prstGeom>
-          <a:solidFill>
-            <a:srgbClr val="11B29F"/>
-          </a:solidFill>
-          <a:ln>
-            <a:noFill/>
-          </a:ln>
-        </p:spPr>
-        <p:style>
-          <a:lnRef idx="2">
-            <a:schemeClr val="accent1">
-              <a:shade val="50000"/>
-            </a:schemeClr>
-          </a:lnRef>
-          <a:fillRef idx="1">
-            <a:schemeClr val="accent1"/>
-          </a:fillRef>
-          <a:effectRef idx="0">
-            <a:schemeClr val="accent1"/>
-          </a:effectRef>
-          <a:fontRef idx="minor">
-            <a:schemeClr val="lt1"/>
-          </a:fontRef>
-        </p:style>
-        <p:txBody>
-          <a:bodyPr rtlCol="0" anchor="ctr"/>
-          <a:lstStyle/>
-          <a:p>
-            <a:pPr algn="ctr"/>
-            <a:endParaRPr lang="en-US"/>
-          </a:p>
-        </p:txBody>
-      </p:sp>
-      <p:sp>
-        <p:nvSpPr>
-          <p:cNvPr id="21" name="Rectangle 20">
-            <a:extLst>
-              <a:ext uri="{FF2B5EF4-FFF2-40B4-BE49-F238E27FC236}">
-                <a16:creationId xmlns:a16="http://schemas.microsoft.com/office/drawing/2014/main" id="{F9E0EC60-66D4-4536-A867-30142339BAA7}"/>
-              </a:ext>
-            </a:extLst>
-          </p:cNvPr>
-          <p:cNvSpPr/>
-          <p:nvPr/>
-        </p:nvSpPr>
-        <p:spPr>
-          <a:xfrm>
-            <a:off x="10085294" y="2129819"/>
-            <a:ext cx="1776920" cy="76178"/>
-          </a:xfrm>
-          <a:prstGeom prst="rect">
-            <a:avLst/>
-          </a:prstGeom>
-          <a:solidFill>
-            <a:srgbClr val="A71B86"/>
-          </a:solidFill>
-          <a:ln>
-            <a:noFill/>
-          </a:ln>
-        </p:spPr>
-        <p:style>
-          <a:lnRef idx="2">
-            <a:schemeClr val="accent1">
-              <a:shade val="50000"/>
-            </a:schemeClr>
-          </a:lnRef>
-          <a:fillRef idx="1">
-            <a:schemeClr val="accent1"/>
-          </a:fillRef>
-          <a:effectRef idx="0">
-            <a:schemeClr val="accent1"/>
-          </a:effectRef>
-          <a:fontRef idx="minor">
-            <a:schemeClr val="lt1"/>
-          </a:fontRef>
-        </p:style>
-        <p:txBody>
-          <a:bodyPr rtlCol="0" anchor="ctr"/>
-          <a:lstStyle/>
-          <a:p>
-            <a:pPr algn="ctr"/>
-            <a:endParaRPr lang="en-US"/>
-          </a:p>
-        </p:txBody>
-      </p:sp>
-      <p:sp>
-        <p:nvSpPr>
-          <p:cNvPr id="22" name="Rectangle 21">
-            <a:extLst>
-              <a:ext uri="{FF2B5EF4-FFF2-40B4-BE49-F238E27FC236}">
-                <a16:creationId xmlns:a16="http://schemas.microsoft.com/office/drawing/2014/main" id="{F95AED49-24A8-4D10-9D31-F944565EC1B2}"/>
-              </a:ext>
-            </a:extLst>
-          </p:cNvPr>
-          <p:cNvSpPr/>
-          <p:nvPr/>
-        </p:nvSpPr>
-        <p:spPr>
-          <a:xfrm>
-            <a:off x="10085294" y="2251522"/>
-            <a:ext cx="1776920" cy="150200"/>
-          </a:xfrm>
-          <a:prstGeom prst="rect">
-            <a:avLst/>
-          </a:prstGeom>
-          <a:solidFill>
-            <a:srgbClr val="11B29F"/>
-          </a:solidFill>
-          <a:ln>
-            <a:noFill/>
-          </a:ln>
-        </p:spPr>
-        <p:style>
-          <a:lnRef idx="2">
-            <a:schemeClr val="accent1">
-              <a:shade val="50000"/>
-            </a:schemeClr>
-          </a:lnRef>
-          <a:fillRef idx="1">
-            <a:schemeClr val="accent1"/>
-          </a:fillRef>
-          <a:effectRef idx="0">
-            <a:schemeClr val="accent1"/>
-          </a:effectRef>
-          <a:fontRef idx="minor">
-            <a:schemeClr val="lt1"/>
-          </a:fontRef>
-        </p:style>
-        <p:txBody>
-          <a:bodyPr rtlCol="0" anchor="ctr"/>
-          <a:lstStyle/>
-          <a:p>
-            <a:pPr algn="ctr"/>
-            <a:endParaRPr lang="en-US"/>
-          </a:p>
-        </p:txBody>
-      </p:sp>
-      <p:sp>
-        <p:nvSpPr>
-          <p:cNvPr id="24" name="Rectangle 23">
-            <a:extLst>
-              <a:ext uri="{FF2B5EF4-FFF2-40B4-BE49-F238E27FC236}">
-                <a16:creationId xmlns:a16="http://schemas.microsoft.com/office/drawing/2014/main" id="{993D5826-407C-4F65-BE3A-EB593B942A36}"/>
-              </a:ext>
-            </a:extLst>
-          </p:cNvPr>
-          <p:cNvSpPr/>
-          <p:nvPr/>
-        </p:nvSpPr>
-        <p:spPr>
-          <a:xfrm>
-            <a:off x="10085294" y="2447247"/>
-            <a:ext cx="1776920" cy="150200"/>
-          </a:xfrm>
-          <a:prstGeom prst="rect">
-            <a:avLst/>
-          </a:prstGeom>
-          <a:solidFill>
-            <a:srgbClr val="A71B86"/>
-          </a:solidFill>
-          <a:ln>
-            <a:noFill/>
-          </a:ln>
-        </p:spPr>
-        <p:style>
-          <a:lnRef idx="2">
-            <a:schemeClr val="accent1">
-              <a:shade val="50000"/>
-            </a:schemeClr>
-          </a:lnRef>
-          <a:fillRef idx="1">
-            <a:schemeClr val="accent1"/>
-          </a:fillRef>
-          <a:effectRef idx="0">
-            <a:schemeClr val="accent1"/>
-          </a:effectRef>
-          <a:fontRef idx="minor">
-            <a:schemeClr val="lt1"/>
-          </a:fontRef>
-        </p:style>
-        <p:txBody>
-          <a:bodyPr rtlCol="0" anchor="ctr"/>
-          <a:lstStyle/>
-          <a:p>
-            <a:pPr algn="ctr"/>
-            <a:endParaRPr lang="en-US"/>
-          </a:p>
-        </p:txBody>
-      </p:sp>
-      <p:sp>
-        <p:nvSpPr>
-          <p:cNvPr id="25" name="Rectangle 24">
-            <a:extLst>
-              <a:ext uri="{FF2B5EF4-FFF2-40B4-BE49-F238E27FC236}">
-                <a16:creationId xmlns:a16="http://schemas.microsoft.com/office/drawing/2014/main" id="{D2785A94-4D0B-4559-9303-3C963AA0EF9A}"/>
-              </a:ext>
-            </a:extLst>
-          </p:cNvPr>
-          <p:cNvSpPr/>
-          <p:nvPr/>
-        </p:nvSpPr>
-        <p:spPr>
-          <a:xfrm>
-            <a:off x="10085294" y="2642972"/>
-            <a:ext cx="1776920" cy="362446"/>
-          </a:xfrm>
-          <a:prstGeom prst="rect">
-            <a:avLst/>
-          </a:prstGeom>
-          <a:solidFill>
-            <a:srgbClr val="11B29F"/>
-          </a:solidFill>
-          <a:ln>
-            <a:noFill/>
-          </a:ln>
-        </p:spPr>
-        <p:style>
-          <a:lnRef idx="2">
-            <a:schemeClr val="accent1">
-              <a:shade val="50000"/>
-            </a:schemeClr>
-          </a:lnRef>
-          <a:fillRef idx="1">
-            <a:schemeClr val="accent1"/>
-          </a:fillRef>
-          <a:effectRef idx="0">
-            <a:schemeClr val="accent1"/>
-          </a:effectRef>
-          <a:fontRef idx="minor">
-            <a:schemeClr val="lt1"/>
-          </a:fontRef>
-        </p:style>
-        <p:txBody>
-          <a:bodyPr rtlCol="0" anchor="ctr"/>
-          <a:lstStyle/>
-          <a:p>
-            <a:pPr algn="ctr"/>
-            <a:endParaRPr lang="en-US"/>
-          </a:p>
-        </p:txBody>
-      </p:sp>
-      <p:sp>
-        <p:nvSpPr>
-          <p:cNvPr id="26" name="Rectangle 25">
-            <a:extLst>
-              <a:ext uri="{FF2B5EF4-FFF2-40B4-BE49-F238E27FC236}">
-                <a16:creationId xmlns:a16="http://schemas.microsoft.com/office/drawing/2014/main" id="{B235F2E9-4558-433D-9527-7EFF5C5E78A8}"/>
-              </a:ext>
-            </a:extLst>
-          </p:cNvPr>
-          <p:cNvSpPr/>
-          <p:nvPr/>
-        </p:nvSpPr>
-        <p:spPr>
-          <a:xfrm>
-            <a:off x="10085294" y="3050943"/>
-            <a:ext cx="1776920" cy="362446"/>
-          </a:xfrm>
-          <a:prstGeom prst="rect">
-            <a:avLst/>
-          </a:prstGeom>
-          <a:solidFill>
-            <a:srgbClr val="A71B86"/>
-          </a:solidFill>
-          <a:ln>
-            <a:noFill/>
-          </a:ln>
-        </p:spPr>
-        <p:style>
-          <a:lnRef idx="2">
-            <a:schemeClr val="accent1">
-              <a:shade val="50000"/>
-            </a:schemeClr>
-          </a:lnRef>
-          <a:fillRef idx="1">
-            <a:schemeClr val="accent1"/>
-          </a:fillRef>
-          <a:effectRef idx="0">
-            <a:schemeClr val="accent1"/>
-          </a:effectRef>
-          <a:fontRef idx="minor">
-            <a:schemeClr val="lt1"/>
-          </a:fontRef>
-        </p:style>
-        <p:txBody>
-          <a:bodyPr rtlCol="0" anchor="ctr"/>
-          <a:lstStyle/>
-          <a:p>
-            <a:pPr algn="ctr"/>
-            <a:endParaRPr lang="en-US"/>
-          </a:p>
-        </p:txBody>
-      </p:sp>
-      <p:sp>
-        <p:nvSpPr>
-          <p:cNvPr id="27" name="Rectangle 26">
-            <a:extLst>
-              <a:ext uri="{FF2B5EF4-FFF2-40B4-BE49-F238E27FC236}">
-                <a16:creationId xmlns:a16="http://schemas.microsoft.com/office/drawing/2014/main" id="{99613B87-411B-4008-BF30-F1A3B8F247B5}"/>
-              </a:ext>
-            </a:extLst>
-          </p:cNvPr>
-          <p:cNvSpPr/>
-          <p:nvPr/>
-        </p:nvSpPr>
-        <p:spPr>
-          <a:xfrm>
-            <a:off x="10085294" y="3490136"/>
-            <a:ext cx="1776920" cy="3367864"/>
-          </a:xfrm>
-          <a:prstGeom prst="rect">
-            <a:avLst/>
-          </a:prstGeom>
-          <a:solidFill>
-            <a:srgbClr val="11B29F"/>
-          </a:solidFill>
-          <a:ln>
-            <a:noFill/>
-          </a:ln>
-        </p:spPr>
-        <p:style>
-          <a:lnRef idx="2">
-            <a:schemeClr val="accent1">
-              <a:shade val="50000"/>
-            </a:schemeClr>
-          </a:lnRef>
-          <a:fillRef idx="1">
-            <a:schemeClr val="accent1"/>
-          </a:fillRef>
-          <a:effectRef idx="0">
-            <a:schemeClr val="accent1"/>
-          </a:effectRef>
-          <a:fontRef idx="minor">
-            <a:schemeClr val="lt1"/>
-          </a:fontRef>
-        </p:style>
-        <p:txBody>
-          <a:bodyPr rtlCol="0" anchor="ctr"/>
-          <a:lstStyle/>
-          <a:p>
-            <a:pPr algn="ctr"/>
-            <a:endParaRPr lang="en-US"/>
-          </a:p>
-        </p:txBody>
-      </p:sp>
-      <p:sp>
-        <p:nvSpPr>
-          <p:cNvPr id="32" name="Rectangle 31">
-            <a:extLst>
-              <a:ext uri="{FF2B5EF4-FFF2-40B4-BE49-F238E27FC236}">
-                <a16:creationId xmlns:a16="http://schemas.microsoft.com/office/drawing/2014/main" id="{145B3BD2-B1C1-4ED2-A4E0-5E17DD3736F1}"/>
-              </a:ext>
-            </a:extLst>
-          </p:cNvPr>
-          <p:cNvSpPr/>
-          <p:nvPr/>
-        </p:nvSpPr>
-        <p:spPr>
-          <a:xfrm rot="19800000">
-            <a:off x="-765351" y="385789"/>
-            <a:ext cx="4026751" cy="269178"/>
-          </a:xfrm>
-          <a:prstGeom prst="rect">
-            <a:avLst/>
-          </a:prstGeom>
-          <a:solidFill>
-            <a:srgbClr val="A71B86"/>
-          </a:solidFill>
-          <a:ln>
-            <a:noFill/>
-          </a:ln>
-        </p:spPr>
-        <p:style>
-          <a:lnRef idx="2">
-            <a:schemeClr val="accent1">
-              <a:shade val="50000"/>
-            </a:schemeClr>
-          </a:lnRef>
-          <a:fillRef idx="1">
-            <a:schemeClr val="accent1"/>
-          </a:fillRef>
-          <a:effectRef idx="0">
-            <a:schemeClr val="accent1"/>
-          </a:effectRef>
-          <a:fontRef idx="minor">
-            <a:schemeClr val="lt1"/>
-          </a:fontRef>
-        </p:style>
-        <p:txBody>
-          <a:bodyPr rtlCol="0" anchor="ctr"/>
-          <a:lstStyle/>
-          <a:p>
-            <a:pPr algn="ctr"/>
-            <a:endParaRPr lang="en-US"/>
-          </a:p>
-        </p:txBody>
-      </p:sp>
-      <p:sp>
-        <p:nvSpPr>
-          <p:cNvPr id="33" name="Rectangle 32">
-            <a:extLst>
-              <a:ext uri="{FF2B5EF4-FFF2-40B4-BE49-F238E27FC236}">
-                <a16:creationId xmlns:a16="http://schemas.microsoft.com/office/drawing/2014/main" id="{DC3B2826-65DD-408B-8F18-8CCD6C052D8D}"/>
-              </a:ext>
-            </a:extLst>
-          </p:cNvPr>
-          <p:cNvSpPr/>
-          <p:nvPr/>
-        </p:nvSpPr>
-        <p:spPr>
-          <a:xfrm rot="19800000">
-            <a:off x="9257156" y="6226296"/>
-            <a:ext cx="4026751" cy="269178"/>
-          </a:xfrm>
-          <a:prstGeom prst="rect">
-            <a:avLst/>
-          </a:prstGeom>
-          <a:solidFill>
-            <a:srgbClr val="A71B86"/>
-          </a:solidFill>
-          <a:ln>
-            <a:noFill/>
-          </a:ln>
-        </p:spPr>
-        <p:style>
-          <a:lnRef idx="2">
-            <a:schemeClr val="accent1">
-              <a:shade val="50000"/>
-            </a:schemeClr>
-          </a:lnRef>
-          <a:fillRef idx="1">
-            <a:schemeClr val="accent1"/>
-          </a:fillRef>
-          <a:effectRef idx="0">
-            <a:schemeClr val="accent1"/>
-          </a:effectRef>
-          <a:fontRef idx="minor">
-            <a:schemeClr val="lt1"/>
-          </a:fontRef>
-        </p:style>
-        <p:txBody>
-          <a:bodyPr rtlCol="0" anchor="ctr"/>
-          <a:lstStyle/>
-          <a:p>
-            <a:pPr algn="ctr"/>
-            <a:endParaRPr lang="en-US"/>
-          </a:p>
-        </p:txBody>
-      </p:sp>
-      <p:sp>
-        <p:nvSpPr>
-          <p:cNvPr id="35" name="Rectangle 34">
-            <a:extLst>
-              <a:ext uri="{FF2B5EF4-FFF2-40B4-BE49-F238E27FC236}">
-                <a16:creationId xmlns:a16="http://schemas.microsoft.com/office/drawing/2014/main" id="{4935F901-F632-4698-8C7A-AC29B2397A6C}"/>
-              </a:ext>
-            </a:extLst>
-          </p:cNvPr>
-          <p:cNvSpPr/>
-          <p:nvPr/>
-        </p:nvSpPr>
-        <p:spPr>
-          <a:xfrm rot="19800000">
-            <a:off x="8263809" y="5824178"/>
-            <a:ext cx="4731177" cy="269178"/>
-          </a:xfrm>
-          <a:prstGeom prst="rect">
-            <a:avLst/>
-          </a:prstGeom>
-          <a:solidFill>
-            <a:srgbClr val="A71B86"/>
-          </a:solidFill>
-          <a:ln>
-            <a:noFill/>
-          </a:ln>
-        </p:spPr>
-        <p:style>
-          <a:lnRef idx="2">
-            <a:schemeClr val="accent1">
-              <a:shade val="50000"/>
-            </a:schemeClr>
-          </a:lnRef>
-          <a:fillRef idx="1">
-            <a:schemeClr val="accent1"/>
-          </a:fillRef>
-          <a:effectRef idx="0">
-            <a:schemeClr val="accent1"/>
-          </a:effectRef>
-          <a:fontRef idx="minor">
-            <a:schemeClr val="lt1"/>
-          </a:fontRef>
-        </p:style>
-        <p:txBody>
-          <a:bodyPr rtlCol="0" anchor="ctr"/>
-          <a:lstStyle/>
-          <a:p>
-            <a:pPr algn="ctr"/>
-            <a:endParaRPr lang="en-US"/>
-          </a:p>
-        </p:txBody>
-      </p:sp>
-      <mc:AlternateContent xmlns:mc="http://schemas.openxmlformats.org/markup-compatibility/2006">
-        <mc:Choice xmlns:a14="http://schemas.microsoft.com/office/drawing/2010/main" Requires="a14">
-          <p:sp>
-            <p:nvSpPr>
-              <p:cNvPr id="36" name="TextBox 35">
-                <a:extLst>
-                  <a:ext uri="{FF2B5EF4-FFF2-40B4-BE49-F238E27FC236}">
-                    <a16:creationId xmlns:a16="http://schemas.microsoft.com/office/drawing/2014/main" id="{389720C5-6DCB-428D-8C4F-A02DEC239333}"/>
-                  </a:ext>
-                </a:extLst>
-              </p:cNvPr>
-              <p:cNvSpPr txBox="1"/>
-              <p:nvPr/>
-            </p:nvSpPr>
-            <p:spPr>
-              <a:xfrm>
-                <a:off x="773935" y="1947592"/>
-                <a:ext cx="9018070" cy="4708981"/>
-              </a:xfrm>
-              <a:prstGeom prst="rect">
-                <a:avLst/>
-              </a:prstGeom>
-              <a:noFill/>
-            </p:spPr>
-            <p:txBody>
-              <a:bodyPr wrap="square" rtlCol="0">
-                <a:spAutoFit/>
-              </a:bodyPr>
-              <a:lstStyle/>
-              <a:p>
-                <a:pPr marL="342900" indent="-342900">
-                  <a:buFont typeface="Arial" panose="020B0604020202020204" pitchFamily="34" charset="0"/>
-                  <a:buChar char="•"/>
-                </a:pPr>
-                <a:r>
-                  <a:rPr lang="en-US" sz="2000" dirty="0">
-                    <a:solidFill>
-                      <a:srgbClr val="404040"/>
-                    </a:solidFill>
-                    <a:latin typeface="Corbel" panose="020B0503020204020204" pitchFamily="34" charset="0"/>
-                  </a:rPr>
-                  <a:t>Whatever gets into a node leaves the node is known as </a:t>
-                </a:r>
-                <a:r>
-                  <a:rPr lang="en-US" sz="2000" dirty="0">
-                    <a:solidFill>
-                      <a:srgbClr val="A71B86"/>
-                    </a:solidFill>
-                    <a:latin typeface="Corbel" panose="020B0503020204020204" pitchFamily="34" charset="0"/>
-                  </a:rPr>
-                  <a:t>flow conservation</a:t>
-                </a:r>
-              </a:p>
-              <a:p>
-                <a:pPr marL="342900" indent="-342900">
-                  <a:buFont typeface="Arial" panose="020B0604020202020204" pitchFamily="34" charset="0"/>
-                  <a:buChar char="•"/>
-                </a:pPr>
-                <a:endParaRPr lang="en-US" sz="2000" dirty="0">
-                  <a:solidFill>
-                    <a:srgbClr val="404040"/>
-                  </a:solidFill>
-                  <a:latin typeface="Corbel" panose="020B0503020204020204" pitchFamily="34" charset="0"/>
-                </a:endParaRPr>
-              </a:p>
-              <a:p>
-                <a:pPr marL="342900" indent="-342900">
-                  <a:buFont typeface="Arial" panose="020B0604020202020204" pitchFamily="34" charset="0"/>
-                  <a:buChar char="•"/>
-                </a:pPr>
-                <a:r>
-                  <a:rPr lang="en-US" sz="2000" dirty="0">
-                    <a:solidFill>
-                      <a:srgbClr val="404040"/>
-                    </a:solidFill>
-                    <a:latin typeface="Corbel" panose="020B0503020204020204" pitchFamily="34" charset="0"/>
-                  </a:rPr>
-                  <a:t>Origin produces 1 unit of flow and the node with largest index must get 1 unit</a:t>
-                </a:r>
-              </a:p>
-              <a:p>
-                <a:pPr marL="342900" indent="-342900">
-                  <a:buFont typeface="Arial" panose="020B0604020202020204" pitchFamily="34" charset="0"/>
-                  <a:buChar char="•"/>
-                </a:pPr>
-                <a:endParaRPr lang="en-US" sz="2000" dirty="0">
-                  <a:solidFill>
-                    <a:srgbClr val="404040"/>
-                  </a:solidFill>
-                  <a:latin typeface="Corbel" panose="020B0503020204020204" pitchFamily="34" charset="0"/>
-                </a:endParaRPr>
-              </a:p>
-              <a:p>
-                <a:pPr marL="342900" indent="-342900">
-                  <a:buFont typeface="Arial" panose="020B0604020202020204" pitchFamily="34" charset="0"/>
-                  <a:buChar char="•"/>
-                </a:pPr>
-                <a:r>
-                  <a:rPr lang="en-US" sz="2000" dirty="0">
-                    <a:solidFill>
-                      <a:srgbClr val="404040"/>
-                    </a:solidFill>
-                    <a:latin typeface="Corbel" panose="020B0503020204020204" pitchFamily="34" charset="0"/>
-                  </a:rPr>
-                  <a:t>Constraints</a:t>
-                </a:r>
-              </a:p>
-              <a:p>
-                <a:pPr marL="800100" lvl="1" indent="-342900">
-                  <a:buFont typeface="Arial" panose="020B0604020202020204" pitchFamily="34" charset="0"/>
-                  <a:buChar char="•"/>
-                </a:pPr>
-                <a14:m>
-                  <m:oMath xmlns:m="http://schemas.openxmlformats.org/officeDocument/2006/math">
-                    <m:sSub>
-                      <m:sSubPr>
-                        <m:ctrlPr>
-                          <a:rPr lang="en-US" sz="2000" b="0" i="1" smtClean="0">
-                            <a:solidFill>
-                              <a:srgbClr val="404040"/>
-                            </a:solidFill>
-                            <a:latin typeface="Cambria Math" panose="02040503050406030204" pitchFamily="18" charset="0"/>
-                          </a:rPr>
-                        </m:ctrlPr>
-                      </m:sSubPr>
-                      <m:e>
-                        <m:r>
-                          <a:rPr lang="en-US" sz="2000" b="0" i="1" smtClean="0">
-                            <a:solidFill>
-                              <a:srgbClr val="404040"/>
-                            </a:solidFill>
-                            <a:latin typeface="Cambria Math" panose="02040503050406030204" pitchFamily="18" charset="0"/>
-                          </a:rPr>
-                          <m:t>𝑥</m:t>
-                        </m:r>
-                      </m:e>
-                      <m:sub>
-                        <m:r>
-                          <a:rPr lang="en-US" sz="2000" b="0" i="1" smtClean="0">
-                            <a:solidFill>
-                              <a:srgbClr val="404040"/>
-                            </a:solidFill>
-                            <a:latin typeface="Cambria Math" panose="02040503050406030204" pitchFamily="18" charset="0"/>
-                          </a:rPr>
-                          <m:t>12</m:t>
-                        </m:r>
-                      </m:sub>
-                    </m:sSub>
-                    <m:r>
-                      <a:rPr lang="en-US" sz="2000" b="0" i="1" smtClean="0">
-                        <a:solidFill>
-                          <a:srgbClr val="404040"/>
-                        </a:solidFill>
-                        <a:latin typeface="Cambria Math" panose="02040503050406030204" pitchFamily="18" charset="0"/>
-                      </a:rPr>
-                      <m:t>+</m:t>
-                    </m:r>
-                    <m:sSub>
-                      <m:sSubPr>
-                        <m:ctrlPr>
-                          <a:rPr lang="en-US" sz="2000" b="0" i="1" smtClean="0">
-                            <a:solidFill>
-                              <a:srgbClr val="404040"/>
-                            </a:solidFill>
-                            <a:latin typeface="Cambria Math" panose="02040503050406030204" pitchFamily="18" charset="0"/>
-                          </a:rPr>
-                        </m:ctrlPr>
-                      </m:sSubPr>
-                      <m:e>
-                        <m:r>
-                          <a:rPr lang="en-US" sz="2000" b="0" i="1" smtClean="0">
-                            <a:solidFill>
-                              <a:srgbClr val="404040"/>
-                            </a:solidFill>
-                            <a:latin typeface="Cambria Math" panose="02040503050406030204" pitchFamily="18" charset="0"/>
-                          </a:rPr>
-                          <m:t>𝑥</m:t>
-                        </m:r>
-                      </m:e>
-                      <m:sub>
-                        <m:r>
-                          <a:rPr lang="en-US" sz="2000" b="0" i="1" smtClean="0">
-                            <a:solidFill>
-                              <a:srgbClr val="404040"/>
-                            </a:solidFill>
-                            <a:latin typeface="Cambria Math" panose="02040503050406030204" pitchFamily="18" charset="0"/>
-                          </a:rPr>
-                          <m:t>13</m:t>
-                        </m:r>
-                      </m:sub>
-                    </m:sSub>
-                    <m:r>
-                      <a:rPr lang="en-US" sz="2000" b="0" i="1" smtClean="0">
-                        <a:solidFill>
-                          <a:srgbClr val="404040"/>
-                        </a:solidFill>
-                        <a:latin typeface="Cambria Math" panose="02040503050406030204" pitchFamily="18" charset="0"/>
-                      </a:rPr>
-                      <m:t>+</m:t>
-                    </m:r>
-                    <m:sSub>
-                      <m:sSubPr>
-                        <m:ctrlPr>
-                          <a:rPr lang="en-US" sz="2000" b="0" i="1" smtClean="0">
-                            <a:solidFill>
-                              <a:srgbClr val="404040"/>
-                            </a:solidFill>
-                            <a:latin typeface="Cambria Math" panose="02040503050406030204" pitchFamily="18" charset="0"/>
-                          </a:rPr>
-                        </m:ctrlPr>
-                      </m:sSubPr>
-                      <m:e>
-                        <m:r>
-                          <a:rPr lang="en-US" sz="2000" b="0" i="1" smtClean="0">
-                            <a:solidFill>
-                              <a:srgbClr val="404040"/>
-                            </a:solidFill>
-                            <a:latin typeface="Cambria Math" panose="02040503050406030204" pitchFamily="18" charset="0"/>
-                          </a:rPr>
-                          <m:t>𝑥</m:t>
-                        </m:r>
-                      </m:e>
-                      <m:sub>
-                        <m:r>
-                          <a:rPr lang="en-US" sz="2000" b="0" i="1" smtClean="0">
-                            <a:solidFill>
-                              <a:srgbClr val="404040"/>
-                            </a:solidFill>
-                            <a:latin typeface="Cambria Math" panose="02040503050406030204" pitchFamily="18" charset="0"/>
-                          </a:rPr>
-                          <m:t>14</m:t>
-                        </m:r>
-                      </m:sub>
-                    </m:sSub>
-                    <m:r>
-                      <a:rPr lang="en-US" sz="2000" b="0" i="1" smtClean="0">
-                        <a:solidFill>
-                          <a:srgbClr val="404040"/>
-                        </a:solidFill>
-                        <a:latin typeface="Cambria Math" panose="02040503050406030204" pitchFamily="18" charset="0"/>
-                      </a:rPr>
-                      <m:t>=6</m:t>
-                    </m:r>
-                  </m:oMath>
-                </a14:m>
-                <a:r>
-                  <a:rPr lang="en-US" sz="2000" b="0" dirty="0">
-                    <a:solidFill>
-                      <a:srgbClr val="404040"/>
-                    </a:solidFill>
-                    <a:latin typeface="Corbel" panose="020B0503020204020204" pitchFamily="34" charset="0"/>
-                  </a:rPr>
-                  <a:t>			(Out of node 1)</a:t>
-                </a:r>
-              </a:p>
-              <a:p>
-                <a:pPr marL="800100" lvl="1" indent="-342900">
-                  <a:buFont typeface="Arial" panose="020B0604020202020204" pitchFamily="34" charset="0"/>
-                  <a:buChar char="•"/>
-                </a:pPr>
-                <a14:m>
-                  <m:oMath xmlns:m="http://schemas.openxmlformats.org/officeDocument/2006/math">
-                    <m:sSub>
-                      <m:sSubPr>
-                        <m:ctrlPr>
-                          <a:rPr lang="en-US" sz="2000" i="1">
-                            <a:solidFill>
-                              <a:srgbClr val="404040"/>
-                            </a:solidFill>
-                            <a:latin typeface="Cambria Math" panose="02040503050406030204" pitchFamily="18" charset="0"/>
-                          </a:rPr>
-                        </m:ctrlPr>
-                      </m:sSubPr>
-                      <m:e>
-                        <m:r>
-                          <a:rPr lang="en-US" sz="2000" i="1">
-                            <a:solidFill>
-                              <a:srgbClr val="404040"/>
-                            </a:solidFill>
-                            <a:latin typeface="Cambria Math" panose="02040503050406030204" pitchFamily="18" charset="0"/>
-                          </a:rPr>
-                          <m:t>𝑥</m:t>
-                        </m:r>
-                      </m:e>
-                      <m:sub>
-                        <m:r>
-                          <a:rPr lang="en-US" sz="2000" i="1">
-                            <a:solidFill>
-                              <a:srgbClr val="404040"/>
-                            </a:solidFill>
-                            <a:latin typeface="Cambria Math" panose="02040503050406030204" pitchFamily="18" charset="0"/>
-                          </a:rPr>
-                          <m:t>12</m:t>
-                        </m:r>
-                      </m:sub>
-                    </m:sSub>
-                    <m:r>
-                      <a:rPr lang="en-US" sz="2000" i="1">
-                        <a:solidFill>
-                          <a:srgbClr val="404040"/>
-                        </a:solidFill>
-                        <a:latin typeface="Cambria Math" panose="02040503050406030204" pitchFamily="18" charset="0"/>
-                      </a:rPr>
-                      <m:t>=</m:t>
-                    </m:r>
-                    <m:sSub>
-                      <m:sSubPr>
-                        <m:ctrlPr>
-                          <a:rPr lang="en-US" sz="2000" b="0" i="1" smtClean="0">
-                            <a:solidFill>
-                              <a:srgbClr val="404040"/>
-                            </a:solidFill>
-                            <a:latin typeface="Cambria Math" panose="02040503050406030204" pitchFamily="18" charset="0"/>
-                          </a:rPr>
-                        </m:ctrlPr>
-                      </m:sSubPr>
-                      <m:e>
-                        <m:r>
-                          <a:rPr lang="en-US" sz="2000" b="0" i="1" smtClean="0">
-                            <a:solidFill>
-                              <a:srgbClr val="404040"/>
-                            </a:solidFill>
-                            <a:latin typeface="Cambria Math" panose="02040503050406030204" pitchFamily="18" charset="0"/>
-                          </a:rPr>
-                          <m:t>𝑥</m:t>
-                        </m:r>
-                      </m:e>
-                      <m:sub>
-                        <m:r>
-                          <a:rPr lang="en-US" sz="2000" b="0" i="1" smtClean="0">
-                            <a:solidFill>
-                              <a:srgbClr val="404040"/>
-                            </a:solidFill>
-                            <a:latin typeface="Cambria Math" panose="02040503050406030204" pitchFamily="18" charset="0"/>
-                          </a:rPr>
-                          <m:t>24</m:t>
-                        </m:r>
-                      </m:sub>
-                    </m:sSub>
-                    <m:r>
-                      <a:rPr lang="en-US" sz="2000" b="0" i="1" smtClean="0">
-                        <a:solidFill>
-                          <a:srgbClr val="404040"/>
-                        </a:solidFill>
-                        <a:latin typeface="Cambria Math" panose="02040503050406030204" pitchFamily="18" charset="0"/>
-                      </a:rPr>
-                      <m:t>+</m:t>
-                    </m:r>
-                    <m:sSub>
-                      <m:sSubPr>
-                        <m:ctrlPr>
-                          <a:rPr lang="en-US" sz="2000" b="0" i="1" smtClean="0">
-                            <a:solidFill>
-                              <a:srgbClr val="404040"/>
-                            </a:solidFill>
-                            <a:latin typeface="Cambria Math" panose="02040503050406030204" pitchFamily="18" charset="0"/>
-                          </a:rPr>
-                        </m:ctrlPr>
-                      </m:sSubPr>
-                      <m:e>
-                        <m:r>
-                          <a:rPr lang="en-US" sz="2000" b="0" i="1" smtClean="0">
-                            <a:solidFill>
-                              <a:srgbClr val="404040"/>
-                            </a:solidFill>
-                            <a:latin typeface="Cambria Math" panose="02040503050406030204" pitchFamily="18" charset="0"/>
-                          </a:rPr>
-                          <m:t>𝑥</m:t>
-                        </m:r>
-                      </m:e>
-                      <m:sub>
-                        <m:r>
-                          <a:rPr lang="en-US" sz="2000" b="0" i="1" smtClean="0">
-                            <a:solidFill>
-                              <a:srgbClr val="404040"/>
-                            </a:solidFill>
-                            <a:latin typeface="Cambria Math" panose="02040503050406030204" pitchFamily="18" charset="0"/>
-                          </a:rPr>
-                          <m:t>25</m:t>
-                        </m:r>
-                      </m:sub>
-                    </m:sSub>
-                    <m:r>
-                      <a:rPr lang="en-US" sz="2000" b="0" i="1" smtClean="0">
-                        <a:solidFill>
-                          <a:srgbClr val="404040"/>
-                        </a:solidFill>
-                        <a:latin typeface="Cambria Math" panose="02040503050406030204" pitchFamily="18" charset="0"/>
-                      </a:rPr>
-                      <m:t>+1</m:t>
-                    </m:r>
-                  </m:oMath>
-                </a14:m>
-                <a:r>
-                  <a:rPr lang="en-US" sz="2000" dirty="0">
-                    <a:solidFill>
-                      <a:srgbClr val="404040"/>
-                    </a:solidFill>
-                    <a:latin typeface="Corbel" panose="020B0503020204020204" pitchFamily="34" charset="0"/>
-                  </a:rPr>
-                  <a:t>			(Through node 2)</a:t>
-                </a:r>
-              </a:p>
-              <a:p>
-                <a:pPr marL="800100" lvl="1" indent="-342900">
-                  <a:buFont typeface="Arial" panose="020B0604020202020204" pitchFamily="34" charset="0"/>
-                  <a:buChar char="•"/>
-                </a:pPr>
-                <a14:m>
-                  <m:oMath xmlns:m="http://schemas.openxmlformats.org/officeDocument/2006/math">
-                    <m:sSub>
-                      <m:sSubPr>
-                        <m:ctrlPr>
-                          <a:rPr lang="en-US" sz="2000" i="1">
-                            <a:solidFill>
-                              <a:srgbClr val="404040"/>
-                            </a:solidFill>
-                            <a:latin typeface="Cambria Math" panose="02040503050406030204" pitchFamily="18" charset="0"/>
-                          </a:rPr>
-                        </m:ctrlPr>
-                      </m:sSubPr>
-                      <m:e>
-                        <m:r>
-                          <a:rPr lang="en-US" sz="2000" i="1">
-                            <a:solidFill>
-                              <a:srgbClr val="404040"/>
-                            </a:solidFill>
-                            <a:latin typeface="Cambria Math" panose="02040503050406030204" pitchFamily="18" charset="0"/>
-                          </a:rPr>
-                          <m:t>𝑥</m:t>
-                        </m:r>
-                      </m:e>
-                      <m:sub>
-                        <m:r>
-                          <a:rPr lang="en-US" sz="2000" i="1">
-                            <a:solidFill>
-                              <a:srgbClr val="404040"/>
-                            </a:solidFill>
-                            <a:latin typeface="Cambria Math" panose="02040503050406030204" pitchFamily="18" charset="0"/>
-                          </a:rPr>
-                          <m:t>1</m:t>
-                        </m:r>
-                        <m:r>
-                          <a:rPr lang="en-US" sz="2000" b="0" i="1" smtClean="0">
-                            <a:solidFill>
-                              <a:srgbClr val="404040"/>
-                            </a:solidFill>
-                            <a:latin typeface="Cambria Math" panose="02040503050406030204" pitchFamily="18" charset="0"/>
-                          </a:rPr>
-                          <m:t>3</m:t>
-                        </m:r>
-                      </m:sub>
-                    </m:sSub>
-                    <m:r>
-                      <a:rPr lang="en-US" sz="2000" i="1">
-                        <a:solidFill>
-                          <a:srgbClr val="404040"/>
-                        </a:solidFill>
-                        <a:latin typeface="Cambria Math" panose="02040503050406030204" pitchFamily="18" charset="0"/>
-                      </a:rPr>
-                      <m:t>=</m:t>
-                    </m:r>
-                    <m:sSub>
-                      <m:sSubPr>
-                        <m:ctrlPr>
-                          <a:rPr lang="en-US" sz="2000" i="1">
-                            <a:solidFill>
-                              <a:srgbClr val="404040"/>
-                            </a:solidFill>
-                            <a:latin typeface="Cambria Math" panose="02040503050406030204" pitchFamily="18" charset="0"/>
-                          </a:rPr>
-                        </m:ctrlPr>
-                      </m:sSubPr>
-                      <m:e>
-                        <m:r>
-                          <a:rPr lang="en-US" sz="2000" i="1">
-                            <a:solidFill>
-                              <a:srgbClr val="404040"/>
-                            </a:solidFill>
-                            <a:latin typeface="Cambria Math" panose="02040503050406030204" pitchFamily="18" charset="0"/>
-                          </a:rPr>
-                          <m:t>𝑥</m:t>
-                        </m:r>
-                      </m:e>
-                      <m:sub>
-                        <m:r>
-                          <a:rPr lang="en-US" sz="2000" b="0" i="1" smtClean="0">
-                            <a:solidFill>
-                              <a:srgbClr val="404040"/>
-                            </a:solidFill>
-                            <a:latin typeface="Cambria Math" panose="02040503050406030204" pitchFamily="18" charset="0"/>
-                          </a:rPr>
-                          <m:t>3</m:t>
-                        </m:r>
-                        <m:r>
-                          <a:rPr lang="en-US" sz="2000" i="1">
-                            <a:solidFill>
-                              <a:srgbClr val="404040"/>
-                            </a:solidFill>
-                            <a:latin typeface="Cambria Math" panose="02040503050406030204" pitchFamily="18" charset="0"/>
-                          </a:rPr>
-                          <m:t>4</m:t>
-                        </m:r>
-                      </m:sub>
-                    </m:sSub>
-                    <m:r>
-                      <a:rPr lang="en-US" sz="2000" i="1">
-                        <a:solidFill>
-                          <a:srgbClr val="404040"/>
-                        </a:solidFill>
-                        <a:latin typeface="Cambria Math" panose="02040503050406030204" pitchFamily="18" charset="0"/>
-                      </a:rPr>
-                      <m:t>+</m:t>
-                    </m:r>
-                    <m:sSub>
-                      <m:sSubPr>
-                        <m:ctrlPr>
-                          <a:rPr lang="en-US" sz="2000" i="1">
-                            <a:solidFill>
-                              <a:srgbClr val="404040"/>
-                            </a:solidFill>
-                            <a:latin typeface="Cambria Math" panose="02040503050406030204" pitchFamily="18" charset="0"/>
-                          </a:rPr>
-                        </m:ctrlPr>
-                      </m:sSubPr>
-                      <m:e>
-                        <m:r>
-                          <a:rPr lang="en-US" sz="2000" i="1">
-                            <a:solidFill>
-                              <a:srgbClr val="404040"/>
-                            </a:solidFill>
-                            <a:latin typeface="Cambria Math" panose="02040503050406030204" pitchFamily="18" charset="0"/>
-                          </a:rPr>
-                          <m:t>𝑥</m:t>
-                        </m:r>
-                      </m:e>
-                      <m:sub>
-                        <m:r>
-                          <a:rPr lang="en-US" sz="2000" b="0" i="1" smtClean="0">
-                            <a:solidFill>
-                              <a:srgbClr val="404040"/>
-                            </a:solidFill>
-                            <a:latin typeface="Cambria Math" panose="02040503050406030204" pitchFamily="18" charset="0"/>
-                          </a:rPr>
-                          <m:t>36</m:t>
-                        </m:r>
-                      </m:sub>
-                    </m:sSub>
-                    <m:r>
-                      <a:rPr lang="en-US" sz="2000" i="1">
-                        <a:solidFill>
-                          <a:srgbClr val="404040"/>
-                        </a:solidFill>
-                        <a:latin typeface="Cambria Math" panose="02040503050406030204" pitchFamily="18" charset="0"/>
-                      </a:rPr>
-                      <m:t>+1</m:t>
-                    </m:r>
-                  </m:oMath>
-                </a14:m>
-                <a:r>
-                  <a:rPr lang="en-US" sz="2000" dirty="0">
-                    <a:solidFill>
-                      <a:srgbClr val="404040"/>
-                    </a:solidFill>
-                    <a:latin typeface="Corbel" panose="020B0503020204020204" pitchFamily="34" charset="0"/>
-                  </a:rPr>
-                  <a:t>			(Through node 3)</a:t>
-                </a:r>
-              </a:p>
-              <a:p>
-                <a:pPr marL="800100" lvl="1" indent="-342900">
-                  <a:buFont typeface="Arial" panose="020B0604020202020204" pitchFamily="34" charset="0"/>
-                  <a:buChar char="•"/>
-                </a:pPr>
-                <a14:m>
-                  <m:oMath xmlns:m="http://schemas.openxmlformats.org/officeDocument/2006/math">
-                    <m:sSub>
-                      <m:sSubPr>
-                        <m:ctrlPr>
-                          <a:rPr lang="en-US" sz="2000" i="1">
-                            <a:solidFill>
-                              <a:srgbClr val="404040"/>
-                            </a:solidFill>
-                            <a:latin typeface="Cambria Math" panose="02040503050406030204" pitchFamily="18" charset="0"/>
-                          </a:rPr>
-                        </m:ctrlPr>
-                      </m:sSubPr>
-                      <m:e>
-                        <m:r>
-                          <a:rPr lang="en-US" sz="2000" i="1">
-                            <a:solidFill>
-                              <a:srgbClr val="404040"/>
-                            </a:solidFill>
-                            <a:latin typeface="Cambria Math" panose="02040503050406030204" pitchFamily="18" charset="0"/>
-                          </a:rPr>
-                          <m:t>𝑥</m:t>
-                        </m:r>
-                      </m:e>
-                      <m:sub>
-                        <m:r>
-                          <a:rPr lang="en-US" sz="2000" i="1">
-                            <a:solidFill>
-                              <a:srgbClr val="404040"/>
-                            </a:solidFill>
-                            <a:latin typeface="Cambria Math" panose="02040503050406030204" pitchFamily="18" charset="0"/>
-                          </a:rPr>
-                          <m:t>1</m:t>
-                        </m:r>
-                        <m:r>
-                          <a:rPr lang="en-US" sz="2000" b="0" i="1" smtClean="0">
-                            <a:solidFill>
-                              <a:srgbClr val="404040"/>
-                            </a:solidFill>
-                            <a:latin typeface="Cambria Math" panose="02040503050406030204" pitchFamily="18" charset="0"/>
-                          </a:rPr>
-                          <m:t>4</m:t>
-                        </m:r>
-                      </m:sub>
-                    </m:sSub>
-                    <m:r>
-                      <a:rPr lang="en-US" sz="2000" i="1">
-                        <a:solidFill>
-                          <a:srgbClr val="404040"/>
-                        </a:solidFill>
-                        <a:latin typeface="Cambria Math" panose="02040503050406030204" pitchFamily="18" charset="0"/>
-                      </a:rPr>
-                      <m:t>+</m:t>
-                    </m:r>
-                    <m:sSub>
-                      <m:sSubPr>
-                        <m:ctrlPr>
-                          <a:rPr lang="en-US" sz="2000" i="1">
-                            <a:solidFill>
-                              <a:srgbClr val="404040"/>
-                            </a:solidFill>
-                            <a:latin typeface="Cambria Math" panose="02040503050406030204" pitchFamily="18" charset="0"/>
-                          </a:rPr>
-                        </m:ctrlPr>
-                      </m:sSubPr>
-                      <m:e>
-                        <m:r>
-                          <a:rPr lang="en-US" sz="2000" i="1">
-                            <a:solidFill>
-                              <a:srgbClr val="404040"/>
-                            </a:solidFill>
-                            <a:latin typeface="Cambria Math" panose="02040503050406030204" pitchFamily="18" charset="0"/>
-                          </a:rPr>
-                          <m:t>𝑥</m:t>
-                        </m:r>
-                      </m:e>
-                      <m:sub>
-                        <m:r>
-                          <a:rPr lang="en-US" sz="2000" b="0" i="1" smtClean="0">
-                            <a:solidFill>
-                              <a:srgbClr val="404040"/>
-                            </a:solidFill>
-                            <a:latin typeface="Cambria Math" panose="02040503050406030204" pitchFamily="18" charset="0"/>
-                          </a:rPr>
-                          <m:t>24</m:t>
-                        </m:r>
-                      </m:sub>
-                    </m:sSub>
-                    <m:r>
-                      <a:rPr lang="en-US" sz="2000" b="0" i="1" smtClean="0">
-                        <a:solidFill>
-                          <a:srgbClr val="404040"/>
-                        </a:solidFill>
-                        <a:latin typeface="Cambria Math" panose="02040503050406030204" pitchFamily="18" charset="0"/>
-                      </a:rPr>
-                      <m:t>+</m:t>
-                    </m:r>
-                    <m:sSub>
-                      <m:sSubPr>
-                        <m:ctrlPr>
-                          <a:rPr lang="en-US" sz="2000" b="0" i="1" smtClean="0">
-                            <a:solidFill>
-                              <a:srgbClr val="404040"/>
-                            </a:solidFill>
-                            <a:latin typeface="Cambria Math" panose="02040503050406030204" pitchFamily="18" charset="0"/>
-                          </a:rPr>
-                        </m:ctrlPr>
-                      </m:sSubPr>
-                      <m:e>
-                        <m:r>
-                          <a:rPr lang="en-US" sz="2000" b="0" i="1" smtClean="0">
-                            <a:solidFill>
-                              <a:srgbClr val="404040"/>
-                            </a:solidFill>
-                            <a:latin typeface="Cambria Math" panose="02040503050406030204" pitchFamily="18" charset="0"/>
-                          </a:rPr>
-                          <m:t>𝑥</m:t>
-                        </m:r>
-                      </m:e>
-                      <m:sub>
-                        <m:r>
-                          <a:rPr lang="en-US" sz="2000" b="0" i="1" smtClean="0">
-                            <a:solidFill>
-                              <a:srgbClr val="404040"/>
-                            </a:solidFill>
-                            <a:latin typeface="Cambria Math" panose="02040503050406030204" pitchFamily="18" charset="0"/>
-                          </a:rPr>
-                          <m:t>34</m:t>
-                        </m:r>
-                      </m:sub>
-                    </m:sSub>
-                    <m:r>
-                      <a:rPr lang="en-US" sz="2000" i="1">
-                        <a:solidFill>
-                          <a:srgbClr val="404040"/>
-                        </a:solidFill>
-                        <a:latin typeface="Cambria Math" panose="02040503050406030204" pitchFamily="18" charset="0"/>
-                      </a:rPr>
-                      <m:t>=</m:t>
-                    </m:r>
-                    <m:sSub>
-                      <m:sSubPr>
-                        <m:ctrlPr>
-                          <a:rPr lang="en-US" sz="2000" b="0" i="1" smtClean="0">
-                            <a:solidFill>
-                              <a:srgbClr val="404040"/>
-                            </a:solidFill>
-                            <a:latin typeface="Cambria Math" panose="02040503050406030204" pitchFamily="18" charset="0"/>
-                          </a:rPr>
-                        </m:ctrlPr>
-                      </m:sSubPr>
-                      <m:e>
-                        <m:r>
-                          <a:rPr lang="en-US" sz="2000" b="0" i="1" smtClean="0">
-                            <a:solidFill>
-                              <a:srgbClr val="404040"/>
-                            </a:solidFill>
-                            <a:latin typeface="Cambria Math" panose="02040503050406030204" pitchFamily="18" charset="0"/>
-                          </a:rPr>
-                          <m:t>𝑥</m:t>
-                        </m:r>
-                      </m:e>
-                      <m:sub>
-                        <m:r>
-                          <a:rPr lang="en-US" sz="2000" b="0" i="1" smtClean="0">
-                            <a:solidFill>
-                              <a:srgbClr val="404040"/>
-                            </a:solidFill>
-                            <a:latin typeface="Cambria Math" panose="02040503050406030204" pitchFamily="18" charset="0"/>
-                          </a:rPr>
-                          <m:t>45</m:t>
-                        </m:r>
-                      </m:sub>
-                    </m:sSub>
-                    <m:r>
-                      <a:rPr lang="en-US" sz="2000" b="0" i="1" smtClean="0">
-                        <a:solidFill>
-                          <a:srgbClr val="404040"/>
-                        </a:solidFill>
-                        <a:latin typeface="Cambria Math" panose="02040503050406030204" pitchFamily="18" charset="0"/>
-                      </a:rPr>
-                      <m:t>+</m:t>
-                    </m:r>
-                    <m:sSub>
-                      <m:sSubPr>
-                        <m:ctrlPr>
-                          <a:rPr lang="en-US" sz="2000" b="0" i="1" smtClean="0">
-                            <a:solidFill>
-                              <a:srgbClr val="404040"/>
-                            </a:solidFill>
-                            <a:latin typeface="Cambria Math" panose="02040503050406030204" pitchFamily="18" charset="0"/>
-                          </a:rPr>
-                        </m:ctrlPr>
-                      </m:sSubPr>
-                      <m:e>
-                        <m:r>
-                          <a:rPr lang="en-US" sz="2000" b="0" i="1" smtClean="0">
-                            <a:solidFill>
-                              <a:srgbClr val="404040"/>
-                            </a:solidFill>
-                            <a:latin typeface="Cambria Math" panose="02040503050406030204" pitchFamily="18" charset="0"/>
-                          </a:rPr>
-                          <m:t>𝑥</m:t>
-                        </m:r>
-                      </m:e>
-                      <m:sub>
-                        <m:r>
-                          <a:rPr lang="en-US" sz="2000" b="0" i="1" smtClean="0">
-                            <a:solidFill>
-                              <a:srgbClr val="404040"/>
-                            </a:solidFill>
-                            <a:latin typeface="Cambria Math" panose="02040503050406030204" pitchFamily="18" charset="0"/>
-                          </a:rPr>
-                          <m:t>46</m:t>
-                        </m:r>
-                      </m:sub>
-                    </m:sSub>
-                    <m:r>
-                      <a:rPr lang="en-US" sz="2000" b="0" i="1" smtClean="0">
-                        <a:solidFill>
-                          <a:srgbClr val="404040"/>
-                        </a:solidFill>
-                        <a:latin typeface="Cambria Math" panose="02040503050406030204" pitchFamily="18" charset="0"/>
-                      </a:rPr>
-                      <m:t>+</m:t>
-                    </m:r>
-                    <m:sSub>
-                      <m:sSubPr>
-                        <m:ctrlPr>
-                          <a:rPr lang="en-US" sz="2000" b="0" i="1" smtClean="0">
-                            <a:solidFill>
-                              <a:srgbClr val="404040"/>
-                            </a:solidFill>
-                            <a:latin typeface="Cambria Math" panose="02040503050406030204" pitchFamily="18" charset="0"/>
-                          </a:rPr>
-                        </m:ctrlPr>
-                      </m:sSubPr>
-                      <m:e>
-                        <m:r>
-                          <a:rPr lang="en-US" sz="2000" b="0" i="1" smtClean="0">
-                            <a:solidFill>
-                              <a:srgbClr val="404040"/>
-                            </a:solidFill>
-                            <a:latin typeface="Cambria Math" panose="02040503050406030204" pitchFamily="18" charset="0"/>
-                          </a:rPr>
-                          <m:t>𝑥</m:t>
-                        </m:r>
-                      </m:e>
-                      <m:sub>
-                        <m:r>
-                          <a:rPr lang="en-US" sz="2000" b="0" i="1" smtClean="0">
-                            <a:solidFill>
-                              <a:srgbClr val="404040"/>
-                            </a:solidFill>
-                            <a:latin typeface="Cambria Math" panose="02040503050406030204" pitchFamily="18" charset="0"/>
-                          </a:rPr>
-                          <m:t>47</m:t>
-                        </m:r>
-                      </m:sub>
-                    </m:sSub>
-                    <m:r>
-                      <a:rPr lang="en-US" sz="2000" b="0" i="1" smtClean="0">
-                        <a:solidFill>
-                          <a:srgbClr val="404040"/>
-                        </a:solidFill>
-                        <a:latin typeface="Cambria Math" panose="02040503050406030204" pitchFamily="18" charset="0"/>
-                      </a:rPr>
-                      <m:t>+1</m:t>
-                    </m:r>
-                  </m:oMath>
-                </a14:m>
-                <a:r>
-                  <a:rPr lang="en-US" sz="2000" dirty="0">
-                    <a:solidFill>
-                      <a:srgbClr val="404040"/>
-                    </a:solidFill>
-                    <a:latin typeface="Corbel" panose="020B0503020204020204" pitchFamily="34" charset="0"/>
-                  </a:rPr>
-                  <a:t>	(Through node 4)</a:t>
-                </a:r>
-              </a:p>
-              <a:p>
-                <a:pPr marL="800100" lvl="1" indent="-342900">
-                  <a:buFont typeface="Arial" panose="020B0604020202020204" pitchFamily="34" charset="0"/>
-                  <a:buChar char="•"/>
-                </a:pPr>
-                <a14:m>
-                  <m:oMath xmlns:m="http://schemas.openxmlformats.org/officeDocument/2006/math">
-                    <m:sSub>
-                      <m:sSubPr>
-                        <m:ctrlPr>
-                          <a:rPr lang="en-US" sz="2000" i="1">
-                            <a:solidFill>
-                              <a:srgbClr val="404040"/>
-                            </a:solidFill>
-                            <a:latin typeface="Cambria Math" panose="02040503050406030204" pitchFamily="18" charset="0"/>
-                          </a:rPr>
-                        </m:ctrlPr>
-                      </m:sSubPr>
-                      <m:e>
-                        <m:r>
-                          <a:rPr lang="en-US" sz="2000" i="1">
-                            <a:solidFill>
-                              <a:srgbClr val="404040"/>
-                            </a:solidFill>
-                            <a:latin typeface="Cambria Math" panose="02040503050406030204" pitchFamily="18" charset="0"/>
-                          </a:rPr>
-                          <m:t>𝑥</m:t>
-                        </m:r>
-                      </m:e>
-                      <m:sub>
-                        <m:r>
-                          <a:rPr lang="en-US" sz="2000" b="0" i="1" smtClean="0">
-                            <a:solidFill>
-                              <a:srgbClr val="404040"/>
-                            </a:solidFill>
-                            <a:latin typeface="Cambria Math" panose="02040503050406030204" pitchFamily="18" charset="0"/>
-                          </a:rPr>
-                          <m:t>25</m:t>
-                        </m:r>
-                      </m:sub>
-                    </m:sSub>
-                    <m:r>
-                      <a:rPr lang="en-US" sz="2000" i="1">
-                        <a:solidFill>
-                          <a:srgbClr val="404040"/>
-                        </a:solidFill>
-                        <a:latin typeface="Cambria Math" panose="02040503050406030204" pitchFamily="18" charset="0"/>
-                      </a:rPr>
-                      <m:t>+</m:t>
-                    </m:r>
-                    <m:sSub>
-                      <m:sSubPr>
-                        <m:ctrlPr>
-                          <a:rPr lang="en-US" sz="2000" i="1">
-                            <a:solidFill>
-                              <a:srgbClr val="404040"/>
-                            </a:solidFill>
-                            <a:latin typeface="Cambria Math" panose="02040503050406030204" pitchFamily="18" charset="0"/>
-                          </a:rPr>
-                        </m:ctrlPr>
-                      </m:sSubPr>
-                      <m:e>
-                        <m:r>
-                          <a:rPr lang="en-US" sz="2000" i="1">
-                            <a:solidFill>
-                              <a:srgbClr val="404040"/>
-                            </a:solidFill>
-                            <a:latin typeface="Cambria Math" panose="02040503050406030204" pitchFamily="18" charset="0"/>
-                          </a:rPr>
-                          <m:t>𝑥</m:t>
-                        </m:r>
-                      </m:e>
-                      <m:sub>
-                        <m:r>
-                          <a:rPr lang="en-US" sz="2000" b="0" i="1" smtClean="0">
-                            <a:solidFill>
-                              <a:srgbClr val="404040"/>
-                            </a:solidFill>
-                            <a:latin typeface="Cambria Math" panose="02040503050406030204" pitchFamily="18" charset="0"/>
-                          </a:rPr>
-                          <m:t>45</m:t>
-                        </m:r>
-                      </m:sub>
-                    </m:sSub>
-                    <m:r>
-                      <a:rPr lang="en-US" sz="2000" i="1">
-                        <a:solidFill>
-                          <a:srgbClr val="404040"/>
-                        </a:solidFill>
-                        <a:latin typeface="Cambria Math" panose="02040503050406030204" pitchFamily="18" charset="0"/>
-                      </a:rPr>
-                      <m:t>=</m:t>
-                    </m:r>
-                    <m:sSub>
-                      <m:sSubPr>
-                        <m:ctrlPr>
-                          <a:rPr lang="en-US" sz="2000" b="0" i="1" smtClean="0">
-                            <a:solidFill>
-                              <a:srgbClr val="404040"/>
-                            </a:solidFill>
-                            <a:latin typeface="Cambria Math" panose="02040503050406030204" pitchFamily="18" charset="0"/>
-                          </a:rPr>
-                        </m:ctrlPr>
-                      </m:sSubPr>
-                      <m:e>
-                        <m:r>
-                          <a:rPr lang="en-US" sz="2000" b="0" i="1" smtClean="0">
-                            <a:solidFill>
-                              <a:srgbClr val="404040"/>
-                            </a:solidFill>
-                            <a:latin typeface="Cambria Math" panose="02040503050406030204" pitchFamily="18" charset="0"/>
-                          </a:rPr>
-                          <m:t>𝑥</m:t>
-                        </m:r>
-                      </m:e>
-                      <m:sub>
-                        <m:r>
-                          <a:rPr lang="en-US" sz="2000" b="0" i="1" smtClean="0">
-                            <a:solidFill>
-                              <a:srgbClr val="404040"/>
-                            </a:solidFill>
-                            <a:latin typeface="Cambria Math" panose="02040503050406030204" pitchFamily="18" charset="0"/>
-                          </a:rPr>
-                          <m:t>57</m:t>
-                        </m:r>
-                      </m:sub>
-                    </m:sSub>
-                    <m:r>
-                      <a:rPr lang="en-US" sz="2000" b="0" i="1" smtClean="0">
-                        <a:solidFill>
-                          <a:srgbClr val="404040"/>
-                        </a:solidFill>
-                        <a:latin typeface="Cambria Math" panose="02040503050406030204" pitchFamily="18" charset="0"/>
-                      </a:rPr>
-                      <m:t>+1</m:t>
-                    </m:r>
-                  </m:oMath>
-                </a14:m>
-                <a:r>
-                  <a:rPr lang="en-US" sz="2000" b="0" dirty="0">
-                    <a:solidFill>
-                      <a:srgbClr val="404040"/>
-                    </a:solidFill>
-                    <a:latin typeface="Corbel" panose="020B0503020204020204" pitchFamily="34" charset="0"/>
-                  </a:rPr>
-                  <a:t>			</a:t>
-                </a:r>
-                <a:r>
-                  <a:rPr lang="en-US" sz="2000" dirty="0">
-                    <a:solidFill>
-                      <a:srgbClr val="404040"/>
-                    </a:solidFill>
-                    <a:latin typeface="Corbel" panose="020B0503020204020204" pitchFamily="34" charset="0"/>
-                  </a:rPr>
-                  <a:t>(Through node 5)</a:t>
-                </a:r>
-                <a:endParaRPr lang="en-US" sz="2000" b="0" dirty="0">
-                  <a:solidFill>
-                    <a:srgbClr val="404040"/>
-                  </a:solidFill>
-                  <a:latin typeface="Corbel" panose="020B0503020204020204" pitchFamily="34" charset="0"/>
-                </a:endParaRPr>
-              </a:p>
-              <a:p>
-                <a:pPr marL="800100" lvl="1" indent="-342900">
-                  <a:buFont typeface="Arial" panose="020B0604020202020204" pitchFamily="34" charset="0"/>
-                  <a:buChar char="•"/>
-                </a:pPr>
-                <a14:m>
-                  <m:oMath xmlns:m="http://schemas.openxmlformats.org/officeDocument/2006/math">
-                    <m:sSub>
-                      <m:sSubPr>
-                        <m:ctrlPr>
-                          <a:rPr lang="en-US" sz="2000" i="1">
-                            <a:solidFill>
-                              <a:srgbClr val="404040"/>
-                            </a:solidFill>
-                            <a:latin typeface="Cambria Math" panose="02040503050406030204" pitchFamily="18" charset="0"/>
-                          </a:rPr>
-                        </m:ctrlPr>
-                      </m:sSubPr>
-                      <m:e>
-                        <m:r>
-                          <a:rPr lang="en-US" sz="2000" i="1">
-                            <a:solidFill>
-                              <a:srgbClr val="404040"/>
-                            </a:solidFill>
-                            <a:latin typeface="Cambria Math" panose="02040503050406030204" pitchFamily="18" charset="0"/>
-                          </a:rPr>
-                          <m:t>𝑥</m:t>
-                        </m:r>
-                      </m:e>
-                      <m:sub>
-                        <m:r>
-                          <a:rPr lang="en-US" sz="2000" i="1">
-                            <a:solidFill>
-                              <a:srgbClr val="404040"/>
-                            </a:solidFill>
-                            <a:latin typeface="Cambria Math" panose="02040503050406030204" pitchFamily="18" charset="0"/>
-                          </a:rPr>
-                          <m:t>36</m:t>
-                        </m:r>
-                      </m:sub>
-                    </m:sSub>
-                    <m:r>
-                      <a:rPr lang="en-US" sz="2000" i="1">
-                        <a:solidFill>
-                          <a:srgbClr val="404040"/>
-                        </a:solidFill>
-                        <a:latin typeface="Cambria Math" panose="02040503050406030204" pitchFamily="18" charset="0"/>
-                      </a:rPr>
-                      <m:t>+</m:t>
-                    </m:r>
-                    <m:sSub>
-                      <m:sSubPr>
-                        <m:ctrlPr>
-                          <a:rPr lang="en-US" sz="2000" i="1">
-                            <a:solidFill>
-                              <a:srgbClr val="404040"/>
-                            </a:solidFill>
-                            <a:latin typeface="Cambria Math" panose="02040503050406030204" pitchFamily="18" charset="0"/>
-                          </a:rPr>
-                        </m:ctrlPr>
-                      </m:sSubPr>
-                      <m:e>
-                        <m:r>
-                          <a:rPr lang="en-US" sz="2000" i="1">
-                            <a:solidFill>
-                              <a:srgbClr val="404040"/>
-                            </a:solidFill>
-                            <a:latin typeface="Cambria Math" panose="02040503050406030204" pitchFamily="18" charset="0"/>
-                          </a:rPr>
-                          <m:t>𝑥</m:t>
-                        </m:r>
-                      </m:e>
-                      <m:sub>
-                        <m:r>
-                          <a:rPr lang="en-US" sz="2000" i="1">
-                            <a:solidFill>
-                              <a:srgbClr val="404040"/>
-                            </a:solidFill>
-                            <a:latin typeface="Cambria Math" panose="02040503050406030204" pitchFamily="18" charset="0"/>
-                          </a:rPr>
-                          <m:t>4</m:t>
-                        </m:r>
-                        <m:r>
-                          <a:rPr lang="en-US" sz="2000" i="1">
-                            <a:solidFill>
-                              <a:srgbClr val="404040"/>
-                            </a:solidFill>
-                            <a:latin typeface="Cambria Math" panose="02040503050406030204" pitchFamily="18" charset="0"/>
-                          </a:rPr>
-                          <m:t>6</m:t>
-                        </m:r>
-                      </m:sub>
-                    </m:sSub>
-                    <m:r>
-                      <a:rPr lang="en-US" sz="2000" i="1">
-                        <a:solidFill>
-                          <a:srgbClr val="404040"/>
-                        </a:solidFill>
-                        <a:latin typeface="Cambria Math" panose="02040503050406030204" pitchFamily="18" charset="0"/>
-                      </a:rPr>
-                      <m:t>=</m:t>
-                    </m:r>
-                    <m:sSub>
-                      <m:sSubPr>
-                        <m:ctrlPr>
-                          <a:rPr lang="en-US" sz="2000" i="1">
-                            <a:solidFill>
-                              <a:srgbClr val="404040"/>
-                            </a:solidFill>
-                            <a:latin typeface="Cambria Math" panose="02040503050406030204" pitchFamily="18" charset="0"/>
-                          </a:rPr>
-                        </m:ctrlPr>
-                      </m:sSubPr>
-                      <m:e>
-                        <m:r>
-                          <a:rPr lang="en-US" sz="2000" i="1">
-                            <a:solidFill>
-                              <a:srgbClr val="404040"/>
-                            </a:solidFill>
-                            <a:latin typeface="Cambria Math" panose="02040503050406030204" pitchFamily="18" charset="0"/>
-                          </a:rPr>
-                          <m:t>𝑥</m:t>
-                        </m:r>
-                      </m:e>
-                      <m:sub>
-                        <m:r>
-                          <a:rPr lang="en-US" sz="2000" i="1">
-                            <a:solidFill>
-                              <a:srgbClr val="404040"/>
-                            </a:solidFill>
-                            <a:latin typeface="Cambria Math" panose="02040503050406030204" pitchFamily="18" charset="0"/>
-                          </a:rPr>
-                          <m:t>6</m:t>
-                        </m:r>
-                        <m:r>
-                          <a:rPr lang="en-US" sz="2000" i="1">
-                            <a:solidFill>
-                              <a:srgbClr val="404040"/>
-                            </a:solidFill>
-                            <a:latin typeface="Cambria Math" panose="02040503050406030204" pitchFamily="18" charset="0"/>
-                          </a:rPr>
-                          <m:t>7</m:t>
-                        </m:r>
-                      </m:sub>
-                    </m:sSub>
-                    <m:r>
-                      <a:rPr lang="en-US" sz="2000" i="1">
-                        <a:solidFill>
-                          <a:srgbClr val="404040"/>
-                        </a:solidFill>
-                        <a:latin typeface="Cambria Math" panose="02040503050406030204" pitchFamily="18" charset="0"/>
-                      </a:rPr>
-                      <m:t>+1</m:t>
-                    </m:r>
-                  </m:oMath>
-                </a14:m>
-                <a:r>
-                  <a:rPr lang="en-US" sz="2000" dirty="0">
-                    <a:solidFill>
-                      <a:srgbClr val="404040"/>
-                    </a:solidFill>
-                    <a:latin typeface="Corbel" panose="020B0503020204020204" pitchFamily="34" charset="0"/>
-                  </a:rPr>
-                  <a:t>			(Through node 6)</a:t>
-                </a:r>
-              </a:p>
-              <a:p>
-                <a:pPr marL="800100" lvl="1" indent="-342900">
-                  <a:buFont typeface="Arial" panose="020B0604020202020204" pitchFamily="34" charset="0"/>
-                  <a:buChar char="•"/>
-                </a:pPr>
-                <a14:m>
-                  <m:oMath xmlns:m="http://schemas.openxmlformats.org/officeDocument/2006/math">
-                    <m:sSub>
-                      <m:sSubPr>
-                        <m:ctrlPr>
-                          <a:rPr lang="en-US" sz="2000" i="1">
-                            <a:solidFill>
-                              <a:srgbClr val="404040"/>
-                            </a:solidFill>
-                            <a:latin typeface="Cambria Math" panose="02040503050406030204" pitchFamily="18" charset="0"/>
-                          </a:rPr>
-                        </m:ctrlPr>
-                      </m:sSubPr>
-                      <m:e>
-                        <m:r>
-                          <a:rPr lang="en-US" sz="2000" i="1">
-                            <a:solidFill>
-                              <a:srgbClr val="404040"/>
-                            </a:solidFill>
-                            <a:latin typeface="Cambria Math" panose="02040503050406030204" pitchFamily="18" charset="0"/>
-                          </a:rPr>
-                          <m:t>𝑥</m:t>
-                        </m:r>
-                      </m:e>
-                      <m:sub>
-                        <m:r>
-                          <a:rPr lang="en-US" sz="2000" b="0" i="1" smtClean="0">
-                            <a:solidFill>
-                              <a:srgbClr val="404040"/>
-                            </a:solidFill>
-                            <a:latin typeface="Cambria Math" panose="02040503050406030204" pitchFamily="18" charset="0"/>
-                          </a:rPr>
-                          <m:t>47</m:t>
-                        </m:r>
-                      </m:sub>
-                    </m:sSub>
-                    <m:r>
-                      <a:rPr lang="en-US" sz="2000" i="1">
-                        <a:solidFill>
-                          <a:srgbClr val="404040"/>
-                        </a:solidFill>
-                        <a:latin typeface="Cambria Math" panose="02040503050406030204" pitchFamily="18" charset="0"/>
-                      </a:rPr>
-                      <m:t>+</m:t>
-                    </m:r>
-                    <m:sSub>
-                      <m:sSubPr>
-                        <m:ctrlPr>
-                          <a:rPr lang="en-US" sz="2000" i="1">
-                            <a:solidFill>
-                              <a:srgbClr val="404040"/>
-                            </a:solidFill>
-                            <a:latin typeface="Cambria Math" panose="02040503050406030204" pitchFamily="18" charset="0"/>
-                          </a:rPr>
-                        </m:ctrlPr>
-                      </m:sSubPr>
-                      <m:e>
-                        <m:r>
-                          <a:rPr lang="en-US" sz="2000" i="1">
-                            <a:solidFill>
-                              <a:srgbClr val="404040"/>
-                            </a:solidFill>
-                            <a:latin typeface="Cambria Math" panose="02040503050406030204" pitchFamily="18" charset="0"/>
-                          </a:rPr>
-                          <m:t>𝑥</m:t>
-                        </m:r>
-                      </m:e>
-                      <m:sub>
-                        <m:r>
-                          <a:rPr lang="en-US" sz="2000" b="0" i="1" smtClean="0">
-                            <a:solidFill>
-                              <a:srgbClr val="404040"/>
-                            </a:solidFill>
-                            <a:latin typeface="Cambria Math" panose="02040503050406030204" pitchFamily="18" charset="0"/>
-                          </a:rPr>
-                          <m:t>57</m:t>
-                        </m:r>
-                      </m:sub>
-                    </m:sSub>
-                    <m:r>
-                      <a:rPr lang="en-US" sz="2000" b="0" i="1" smtClean="0">
-                        <a:solidFill>
-                          <a:srgbClr val="404040"/>
-                        </a:solidFill>
-                        <a:latin typeface="Cambria Math" panose="02040503050406030204" pitchFamily="18" charset="0"/>
-                      </a:rPr>
-                      <m:t>+</m:t>
-                    </m:r>
-                    <m:sSub>
-                      <m:sSubPr>
-                        <m:ctrlPr>
-                          <a:rPr lang="en-US" sz="2000" b="0" i="1" smtClean="0">
-                            <a:solidFill>
-                              <a:srgbClr val="404040"/>
-                            </a:solidFill>
-                            <a:latin typeface="Cambria Math" panose="02040503050406030204" pitchFamily="18" charset="0"/>
-                          </a:rPr>
-                        </m:ctrlPr>
-                      </m:sSubPr>
-                      <m:e>
-                        <m:r>
-                          <a:rPr lang="en-US" sz="2000" b="0" i="1" smtClean="0">
-                            <a:solidFill>
-                              <a:srgbClr val="404040"/>
-                            </a:solidFill>
-                            <a:latin typeface="Cambria Math" panose="02040503050406030204" pitchFamily="18" charset="0"/>
-                          </a:rPr>
-                          <m:t>𝑥</m:t>
-                        </m:r>
-                      </m:e>
-                      <m:sub>
-                        <m:r>
-                          <a:rPr lang="en-US" sz="2000" b="0" i="1" smtClean="0">
-                            <a:solidFill>
-                              <a:srgbClr val="404040"/>
-                            </a:solidFill>
-                            <a:latin typeface="Cambria Math" panose="02040503050406030204" pitchFamily="18" charset="0"/>
-                          </a:rPr>
-                          <m:t>67</m:t>
-                        </m:r>
-                      </m:sub>
-                    </m:sSub>
-                    <m:r>
-                      <a:rPr lang="en-US" sz="2000" i="1">
-                        <a:solidFill>
-                          <a:srgbClr val="404040"/>
-                        </a:solidFill>
-                        <a:latin typeface="Cambria Math" panose="02040503050406030204" pitchFamily="18" charset="0"/>
-                      </a:rPr>
-                      <m:t>=1</m:t>
-                    </m:r>
-                    <m:r>
-                      <a:rPr lang="en-US" sz="2000" i="1" smtClean="0">
-                        <a:solidFill>
-                          <a:srgbClr val="404040"/>
-                        </a:solidFill>
-                        <a:latin typeface="Cambria Math" panose="02040503050406030204" pitchFamily="18" charset="0"/>
-                      </a:rPr>
-                      <m:t>	</m:t>
-                    </m:r>
-                  </m:oMath>
-                </a14:m>
-                <a:r>
-                  <a:rPr lang="en-US" sz="2000" dirty="0">
-                    <a:solidFill>
-                      <a:srgbClr val="404040"/>
-                    </a:solidFill>
-                    <a:latin typeface="Corbel" panose="020B0503020204020204" pitchFamily="34" charset="0"/>
-                  </a:rPr>
-                  <a:t>			(Into node 7)</a:t>
-                </a:r>
-              </a:p>
-              <a:p>
-                <a:pPr lvl="1"/>
-                <a:endParaRPr lang="en-US" sz="2000" dirty="0">
-                  <a:solidFill>
-                    <a:srgbClr val="404040"/>
-                  </a:solidFill>
-                  <a:latin typeface="Corbel" panose="020B0503020204020204" pitchFamily="34" charset="0"/>
-                </a:endParaRPr>
-              </a:p>
-              <a:p>
-                <a:pPr marL="342900" indent="-342900">
-                  <a:buFont typeface="Arial" panose="020B0604020202020204" pitchFamily="34" charset="0"/>
-                  <a:buChar char="•"/>
-                </a:pPr>
-                <a:r>
-                  <a:rPr lang="en-US" sz="2000" dirty="0">
-                    <a:solidFill>
-                      <a:srgbClr val="404040"/>
-                    </a:solidFill>
-                    <a:latin typeface="Corbel" panose="020B0503020204020204" pitchFamily="34" charset="0"/>
-                  </a:rPr>
-                  <a:t>Download </a:t>
-                </a:r>
-                <a:r>
-                  <a:rPr lang="en-US" sz="2000" dirty="0">
-                    <a:solidFill>
-                      <a:srgbClr val="A71B86"/>
-                    </a:solidFill>
-                    <a:latin typeface="Corbel" panose="020B0503020204020204" pitchFamily="34" charset="0"/>
-                  </a:rPr>
-                  <a:t>ShortestRoute.xlsx</a:t>
-                </a:r>
-                <a:r>
-                  <a:rPr lang="en-US" sz="2000" dirty="0">
-                    <a:solidFill>
-                      <a:srgbClr val="404040"/>
-                    </a:solidFill>
-                    <a:latin typeface="Corbel" panose="020B0503020204020204" pitchFamily="34" charset="0"/>
-                  </a:rPr>
-                  <a:t> from course website from link </a:t>
-                </a:r>
-                <a:r>
-                  <a:rPr lang="en-US" sz="2000" dirty="0">
-                    <a:solidFill>
-                      <a:srgbClr val="A71B86"/>
-                    </a:solidFill>
-                    <a:latin typeface="Corbel" panose="020B0503020204020204" pitchFamily="34" charset="0"/>
-                  </a:rPr>
-                  <a:t>Sheet 2</a:t>
-                </a:r>
-                <a:r>
-                  <a:rPr lang="en-US" sz="2000" dirty="0">
-                    <a:solidFill>
-                      <a:srgbClr val="404040"/>
-                    </a:solidFill>
-                    <a:latin typeface="Corbel" panose="020B0503020204020204" pitchFamily="34" charset="0"/>
-                  </a:rPr>
-                  <a:t> and focus on tab named </a:t>
-                </a:r>
-                <a:r>
-                  <a:rPr lang="en-US" sz="2000" dirty="0">
-                    <a:solidFill>
-                      <a:srgbClr val="A71B86"/>
-                    </a:solidFill>
-                    <a:latin typeface="Corbel" panose="020B0503020204020204" pitchFamily="34" charset="0"/>
-                  </a:rPr>
-                  <a:t>One-to-All</a:t>
-                </a:r>
-              </a:p>
-            </p:txBody>
-          </p:sp>
-        </mc:Choice>
-        <mc:Fallback>
-          <p:sp>
-            <p:nvSpPr>
-              <p:cNvPr id="36" name="TextBox 35">
-                <a:extLst>
-                  <a:ext uri="{FF2B5EF4-FFF2-40B4-BE49-F238E27FC236}">
-                    <a16:creationId xmlns:a16="http://schemas.microsoft.com/office/drawing/2014/main" id="{389720C5-6DCB-428D-8C4F-A02DEC239333}"/>
-                  </a:ext>
-                </a:extLst>
-              </p:cNvPr>
-              <p:cNvSpPr txBox="1">
-                <a:spLocks noRot="1" noChangeAspect="1" noMove="1" noResize="1" noEditPoints="1" noAdjustHandles="1" noChangeArrowheads="1" noChangeShapeType="1" noTextEdit="1"/>
-              </p:cNvSpPr>
-              <p:nvPr/>
-            </p:nvSpPr>
-            <p:spPr>
-              <a:xfrm>
-                <a:off x="773935" y="1947592"/>
-                <a:ext cx="9018070" cy="4708981"/>
-              </a:xfrm>
-              <a:prstGeom prst="rect">
-                <a:avLst/>
-              </a:prstGeom>
-              <a:blipFill>
-                <a:blip r:embed="rId4"/>
-                <a:stretch>
-                  <a:fillRect l="-609" t="-647" b="-1294"/>
-                </a:stretch>
-              </a:blipFill>
-            </p:spPr>
-            <p:txBody>
-              <a:bodyPr/>
-              <a:lstStyle/>
-              <a:p>
-                <a:r>
-                  <a:rPr lang="en-US">
-                    <a:noFill/>
-                  </a:rPr>
-                  <a:t> </a:t>
-                </a:r>
-              </a:p>
-            </p:txBody>
-          </p:sp>
-        </mc:Fallback>
-      </mc:AlternateContent>
-      <p:pic>
-        <p:nvPicPr>
-          <p:cNvPr id="37" name="Graphic 36" descr="Palm tree">
-            <a:extLst>
-              <a:ext uri="{FF2B5EF4-FFF2-40B4-BE49-F238E27FC236}">
-                <a16:creationId xmlns:a16="http://schemas.microsoft.com/office/drawing/2014/main" id="{79F2EC1B-9713-4CCF-8301-82ED265F3940}"/>
-              </a:ext>
-            </a:extLst>
-          </p:cNvPr>
-          <p:cNvPicPr>
-            <a:picLocks noChangeAspect="1"/>
-          </p:cNvPicPr>
-          <p:nvPr/>
-        </p:nvPicPr>
-        <p:blipFill>
-          <a:blip r:embed="rId5">
-            <a:extLst>
-              <a:ext uri="{28A0092B-C50C-407E-A947-70E740481C1C}">
-                <a14:useLocalDpi xmlns:a14="http://schemas.microsoft.com/office/drawing/2010/main" val="0"/>
-              </a:ext>
-              <a:ext uri="{96DAC541-7B7A-43D3-8B79-37D633B846F1}">
-                <asvg:svgBlip xmlns:asvg="http://schemas.microsoft.com/office/drawing/2016/SVG/main" r:embed="rId6"/>
-              </a:ext>
-            </a:extLst>
-          </a:blip>
-          <a:stretch>
-            <a:fillRect/>
-          </a:stretch>
-        </p:blipFill>
-        <p:spPr>
-          <a:xfrm>
-            <a:off x="8964994" y="809490"/>
-            <a:ext cx="914400" cy="914400"/>
-          </a:xfrm>
-          <a:prstGeom prst="rect">
-            <a:avLst/>
-          </a:prstGeom>
-        </p:spPr>
-      </p:pic>
-      <p:pic>
-        <p:nvPicPr>
-          <p:cNvPr id="38" name="Graphic 37" descr="Palm tree">
-            <a:extLst>
-              <a:ext uri="{FF2B5EF4-FFF2-40B4-BE49-F238E27FC236}">
-                <a16:creationId xmlns:a16="http://schemas.microsoft.com/office/drawing/2014/main" id="{11C9CA6F-B5F0-4837-8E50-85C201ADA4F1}"/>
-              </a:ext>
-            </a:extLst>
-          </p:cNvPr>
-          <p:cNvPicPr>
-            <a:picLocks noChangeAspect="1"/>
-          </p:cNvPicPr>
-          <p:nvPr/>
-        </p:nvPicPr>
-        <p:blipFill>
-          <a:blip r:embed="rId5">
-            <a:extLst>
-              <a:ext uri="{28A0092B-C50C-407E-A947-70E740481C1C}">
-                <a14:useLocalDpi xmlns:a14="http://schemas.microsoft.com/office/drawing/2010/main" val="0"/>
-              </a:ext>
-              <a:ext uri="{96DAC541-7B7A-43D3-8B79-37D633B846F1}">
-                <asvg:svgBlip xmlns:asvg="http://schemas.microsoft.com/office/drawing/2016/SVG/main" r:embed="rId6"/>
-              </a:ext>
-            </a:extLst>
-          </a:blip>
-          <a:stretch>
-            <a:fillRect/>
-          </a:stretch>
-        </p:blipFill>
-        <p:spPr>
-          <a:xfrm>
-            <a:off x="8834542" y="1142112"/>
-            <a:ext cx="553133" cy="553133"/>
-          </a:xfrm>
-          <a:prstGeom prst="rect">
-            <a:avLst/>
-          </a:prstGeom>
-        </p:spPr>
-      </p:pic>
-      <p:pic>
-        <p:nvPicPr>
-          <p:cNvPr id="39" name="Graphic 38" descr="Palm tree">
-            <a:extLst>
-              <a:ext uri="{FF2B5EF4-FFF2-40B4-BE49-F238E27FC236}">
-                <a16:creationId xmlns:a16="http://schemas.microsoft.com/office/drawing/2014/main" id="{585AC1AD-01C8-4E2D-8361-4BEA62A48584}"/>
-              </a:ext>
-            </a:extLst>
-          </p:cNvPr>
-          <p:cNvPicPr>
-            <a:picLocks noChangeAspect="1"/>
-          </p:cNvPicPr>
-          <p:nvPr/>
-        </p:nvPicPr>
-        <p:blipFill>
-          <a:blip r:embed="rId5">
-            <a:extLst>
-              <a:ext uri="{28A0092B-C50C-407E-A947-70E740481C1C}">
-                <a14:useLocalDpi xmlns:a14="http://schemas.microsoft.com/office/drawing/2010/main" val="0"/>
-              </a:ext>
-              <a:ext uri="{96DAC541-7B7A-43D3-8B79-37D633B846F1}">
-                <asvg:svgBlip xmlns:asvg="http://schemas.microsoft.com/office/drawing/2016/SVG/main" r:embed="rId6"/>
-              </a:ext>
-            </a:extLst>
-          </a:blip>
-          <a:stretch>
-            <a:fillRect/>
-          </a:stretch>
-        </p:blipFill>
-        <p:spPr>
-          <a:xfrm>
-            <a:off x="9387675" y="1277468"/>
-            <a:ext cx="404329" cy="404329"/>
-          </a:xfrm>
-          <a:prstGeom prst="rect">
-            <a:avLst/>
-          </a:prstGeom>
-        </p:spPr>
-      </p:pic>
-    </p:spTree>
-    <p:extLst>
-      <p:ext uri="{BB962C8B-B14F-4D97-AF65-F5344CB8AC3E}">
-        <p14:creationId xmlns:p14="http://schemas.microsoft.com/office/powerpoint/2010/main" val="2120770676"/>
-      </p:ext>
-    </p:extLst>
-  </p:cSld>
-  <p:clrMapOvr>
-    <a:masterClrMapping/>
-  </p:clrMapOvr>
-</p:sld>
-</file>
-
-<file path=ppt/slides/slide24.xml><?xml version="1.0" encoding="utf-8"?>
 <p:sld xmlns:a="http://schemas.openxmlformats.org/drawingml/2006/main" xmlns:r="http://schemas.openxmlformats.org/officeDocument/2006/relationships" xmlns:p="http://schemas.openxmlformats.org/presentationml/2006/main">
   <p:cSld>
     <p:bg>
@@ -28471,8 +21695,8 @@
           </a:p>
         </p:txBody>
       </p:sp>
-      <mc:AlternateContent xmlns:mc="http://schemas.openxmlformats.org/markup-compatibility/2006">
-        <mc:Choice xmlns:a14="http://schemas.microsoft.com/office/drawing/2010/main" Requires="a14">
+      <mc:AlternateContent xmlns:mc="http://schemas.openxmlformats.org/markup-compatibility/2006" xmlns:a14="http://schemas.microsoft.com/office/drawing/2010/main">
+        <mc:Choice Requires="a14">
           <p:sp>
             <p:nvSpPr>
               <p:cNvPr id="36" name="TextBox 35">
@@ -29072,7 +22296,7 @@
             </p:txBody>
           </p:sp>
         </mc:Choice>
-        <mc:Fallback>
+        <mc:Fallback xmlns="">
           <p:sp>
             <p:nvSpPr>
               <p:cNvPr id="36" name="TextBox 35">
@@ -29481,8 +22705,8 @@
           </p:sp>
         </mc:Fallback>
       </mc:AlternateContent>
-      <mc:AlternateContent xmlns:mc="http://schemas.openxmlformats.org/markup-compatibility/2006">
-        <mc:Choice xmlns:a14="http://schemas.microsoft.com/office/drawing/2010/main" Requires="a14">
+      <mc:AlternateContent xmlns:mc="http://schemas.openxmlformats.org/markup-compatibility/2006" xmlns:a14="http://schemas.microsoft.com/office/drawing/2010/main">
+        <mc:Choice Requires="a14">
           <p:sp>
             <p:nvSpPr>
               <p:cNvPr id="29" name="TextBox 28">
@@ -29964,7 +23188,7 @@
             </p:txBody>
           </p:sp>
         </mc:Choice>
-        <mc:Fallback>
+        <mc:Fallback xmlns="">
           <p:sp>
             <p:nvSpPr>
               <p:cNvPr id="29" name="TextBox 28">
@@ -30779,8 +24003,8 @@
           </a:p>
         </p:txBody>
       </p:sp>
-      <mc:AlternateContent xmlns:mc="http://schemas.openxmlformats.org/markup-compatibility/2006">
-        <mc:Choice xmlns:a14="http://schemas.microsoft.com/office/drawing/2010/main" Requires="a14">
+      <mc:AlternateContent xmlns:mc="http://schemas.openxmlformats.org/markup-compatibility/2006" xmlns:a14="http://schemas.microsoft.com/office/drawing/2010/main">
+        <mc:Choice Requires="a14">
           <p:sp>
             <p:nvSpPr>
               <p:cNvPr id="36" name="TextBox 35">
@@ -31004,7 +24228,7 @@
             </p:txBody>
           </p:sp>
         </mc:Choice>
-        <mc:Fallback>
+        <mc:Fallback xmlns="">
           <p:sp>
             <p:nvSpPr>
               <p:cNvPr id="36" name="TextBox 35">
@@ -31166,8 +24390,8 @@
           </a:prstGeom>
         </p:spPr>
       </p:pic>
-      <mc:AlternateContent xmlns:mc="http://schemas.openxmlformats.org/markup-compatibility/2006">
-        <mc:Choice xmlns:a14="http://schemas.microsoft.com/office/drawing/2010/main" Requires="a14">
+      <mc:AlternateContent xmlns:mc="http://schemas.openxmlformats.org/markup-compatibility/2006" xmlns:a14="http://schemas.microsoft.com/office/drawing/2010/main">
+        <mc:Choice Requires="a14">
           <p:sp>
             <p:nvSpPr>
               <p:cNvPr id="30" name="Rectangle 29">
@@ -31807,7 +25031,7 @@
             </p:txBody>
           </p:sp>
         </mc:Choice>
-        <mc:Fallback>
+        <mc:Fallback xmlns="">
           <p:sp>
             <p:nvSpPr>
               <p:cNvPr id="30" name="Rectangle 29">
@@ -31852,8 +25076,8 @@
           </p:sp>
         </mc:Fallback>
       </mc:AlternateContent>
-      <mc:AlternateContent xmlns:mc="http://schemas.openxmlformats.org/markup-compatibility/2006">
-        <mc:Choice xmlns:a14="http://schemas.microsoft.com/office/drawing/2010/main" Requires="a14">
+      <mc:AlternateContent xmlns:mc="http://schemas.openxmlformats.org/markup-compatibility/2006" xmlns:a14="http://schemas.microsoft.com/office/drawing/2010/main">
+        <mc:Choice Requires="a14">
           <p:sp>
             <p:nvSpPr>
               <p:cNvPr id="31" name="TextBox 30">
@@ -32373,7 +25597,7 @@
             </p:txBody>
           </p:sp>
         </mc:Choice>
-        <mc:Fallback>
+        <mc:Fallback xmlns="">
           <p:sp>
             <p:nvSpPr>
               <p:cNvPr id="31" name="TextBox 30">
@@ -32418,8 +25642,8 @@
           </p:sp>
         </mc:Fallback>
       </mc:AlternateContent>
-      <mc:AlternateContent xmlns:mc="http://schemas.openxmlformats.org/markup-compatibility/2006">
-        <mc:Choice xmlns:a14="http://schemas.microsoft.com/office/drawing/2010/main" Requires="a14">
+      <mc:AlternateContent xmlns:mc="http://schemas.openxmlformats.org/markup-compatibility/2006" xmlns:a14="http://schemas.microsoft.com/office/drawing/2010/main">
+        <mc:Choice Requires="a14">
           <p:sp>
             <p:nvSpPr>
               <p:cNvPr id="23" name="TextBox 22">
@@ -32547,7 +25771,7 @@
             </p:txBody>
           </p:sp>
         </mc:Choice>
-        <mc:Fallback>
+        <mc:Fallback xmlns="">
           <p:sp>
             <p:nvSpPr>
               <p:cNvPr id="23" name="TextBox 22">
@@ -32592,8 +25816,8 @@
           </p:sp>
         </mc:Fallback>
       </mc:AlternateContent>
-      <mc:AlternateContent xmlns:mc="http://schemas.openxmlformats.org/markup-compatibility/2006">
-        <mc:Choice xmlns:a14="http://schemas.microsoft.com/office/drawing/2010/main" Requires="a14">
+      <mc:AlternateContent xmlns:mc="http://schemas.openxmlformats.org/markup-compatibility/2006" xmlns:a14="http://schemas.microsoft.com/office/drawing/2010/main">
+        <mc:Choice Requires="a14">
           <p:sp>
             <p:nvSpPr>
               <p:cNvPr id="29" name="TextBox 28">
@@ -33032,16 +26256,7 @@
                             </a:solidFill>
                             <a:latin typeface="Cambria Math" panose="02040503050406030204" pitchFamily="18" charset="0"/>
                           </a:rPr>
-                          <m:t>=</m:t>
-                        </m:r>
-                        <m:r>
-                          <a:rPr lang="en-US" sz="2000" b="0" i="1" smtClean="0">
-                            <a:solidFill>
-                              <a:srgbClr val="11B29F"/>
-                            </a:solidFill>
-                            <a:latin typeface="Cambria Math" panose="02040503050406030204" pitchFamily="18" charset="0"/>
-                          </a:rPr>
-                          <m:t>1</m:t>
+                          <m:t>=1</m:t>
                         </m:r>
                       </m:e>
                     </m:nary>
@@ -33122,7 +26337,7 @@
             </p:txBody>
           </p:sp>
         </mc:Choice>
-        <mc:Fallback>
+        <mc:Fallback xmlns="">
           <p:sp>
             <p:nvSpPr>
               <p:cNvPr id="29" name="TextBox 28">
